--- a/SRS Presentation/SRS Presentation.pptx
+++ b/SRS Presentation/SRS Presentation.pptx
@@ -32,6 +32,10 @@
     <p:sldId id="286" r:id="rId26"/>
     <p:sldId id="263" r:id="rId27"/>
     <p:sldId id="261" r:id="rId28"/>
+    <p:sldId id="287" r:id="rId29"/>
+    <p:sldId id="288" r:id="rId30"/>
+    <p:sldId id="289" r:id="rId31"/>
+    <p:sldId id="290" r:id="rId32"/>
   </p:sldIdLst>
   <p:sldSz cx="12192000" cy="6858000"/>
   <p:notesSz cx="6858000" cy="9144000"/>
@@ -130,6 +134,22 @@
       </a:defRPr>
     </a:lvl9pPr>
   </p:defaultTextStyle>
+  <p:extLst>
+    <p:ext uri="{EFAFB233-063F-42B5-8137-9DF3F51BA10A}">
+      <p15:sldGuideLst xmlns:p15="http://schemas.microsoft.com/office/powerpoint/2012/main">
+        <p15:guide id="1" orient="horz" pos="2160">
+          <p15:clr>
+            <a:srgbClr val="A4A3A4"/>
+          </p15:clr>
+        </p15:guide>
+        <p15:guide id="2" pos="3840">
+          <p15:clr>
+            <a:srgbClr val="A4A3A4"/>
+          </p15:clr>
+        </p15:guide>
+      </p15:sldGuideLst>
+    </p:ext>
+  </p:extLst>
 </p:presentation>
 </file>
 
@@ -6614,11 +6634,7 @@
           <a:p>
             <a:r>
               <a:rPr lang="en-US" sz="4500" dirty="0" smtClean="0"/>
-              <a:t>Other Requirements: </a:t>
-            </a:r>
-            <a:r>
-              <a:rPr lang="en-US" sz="4500" dirty="0" smtClean="0"/>
-              <a:t>Additional</a:t>
+              <a:t>Other Requirements: Additional</a:t>
             </a:r>
             <a:endParaRPr lang="en-US" sz="4500" dirty="0"/>
           </a:p>
@@ -6913,11 +6929,7 @@
           <a:p>
             <a:r>
               <a:rPr lang="en-US" sz="4500" dirty="0" smtClean="0"/>
-              <a:t>Other Requirements: </a:t>
-            </a:r>
-            <a:r>
-              <a:rPr lang="en-US" sz="4500" dirty="0" smtClean="0"/>
-              <a:t>Additional</a:t>
+              <a:t>Other Requirements: Additional</a:t>
             </a:r>
             <a:endParaRPr lang="en-US" sz="4500" dirty="0"/>
           </a:p>
@@ -7115,11 +7127,7 @@
           <a:p>
             <a:r>
               <a:rPr lang="en-US" sz="4500" dirty="0" smtClean="0"/>
-              <a:t>Other Requirements: </a:t>
-            </a:r>
-            <a:r>
-              <a:rPr lang="en-US" sz="4500" dirty="0" smtClean="0"/>
-              <a:t>Acceptance Criteria</a:t>
+              <a:t>Other Requirements: Acceptance Criteria</a:t>
             </a:r>
             <a:endParaRPr lang="en-US" sz="4500" dirty="0"/>
           </a:p>
@@ -7385,11 +7393,7 @@
           <a:p>
             <a:r>
               <a:rPr lang="en-US" sz="4500" dirty="0" smtClean="0"/>
-              <a:t>Other Requirements: </a:t>
-            </a:r>
-            <a:r>
-              <a:rPr lang="en-US" sz="4500" dirty="0" smtClean="0"/>
-              <a:t>Acceptance Criteria</a:t>
+              <a:t>Other Requirements: Acceptance Criteria</a:t>
             </a:r>
             <a:endParaRPr lang="en-US" sz="4500" dirty="0"/>
           </a:p>
@@ -8018,6 +8022,295 @@
 </p:sld>
 </file>
 
+<file path=ppt/slides/slide28.xml><?xml version="1.0" encoding="utf-8"?>
+<p:sld xmlns:a="http://schemas.openxmlformats.org/drawingml/2006/main" xmlns:r="http://schemas.openxmlformats.org/officeDocument/2006/relationships" xmlns:p="http://schemas.openxmlformats.org/presentationml/2006/main">
+  <p:cSld>
+    <p:spTree>
+      <p:nvGrpSpPr>
+        <p:cNvPr id="1" name=""/>
+        <p:cNvGrpSpPr/>
+        <p:nvPr/>
+      </p:nvGrpSpPr>
+      <p:grpSpPr>
+        <a:xfrm>
+          <a:off x="0" y="0"/>
+          <a:ext cx="0" cy="0"/>
+          <a:chOff x="0" y="0"/>
+          <a:chExt cx="0" cy="0"/>
+        </a:xfrm>
+      </p:grpSpPr>
+      <p:sp>
+        <p:nvSpPr>
+          <p:cNvPr id="2" name="Title 1"/>
+          <p:cNvSpPr>
+            <a:spLocks noGrp="1"/>
+          </p:cNvSpPr>
+          <p:nvPr>
+            <p:ph type="title"/>
+          </p:nvPr>
+        </p:nvSpPr>
+        <p:spPr/>
+        <p:txBody>
+          <a:bodyPr/>
+          <a:lstStyle/>
+          <a:p>
+            <a:r>
+              <a:rPr lang="en-US" dirty="0" smtClean="0"/>
+              <a:t>Feasibility: Scope Analysis</a:t>
+            </a:r>
+            <a:endParaRPr lang="en-US" dirty="0"/>
+          </a:p>
+        </p:txBody>
+      </p:sp>
+      <p:sp>
+        <p:nvSpPr>
+          <p:cNvPr id="3" name="Content Placeholder 2"/>
+          <p:cNvSpPr>
+            <a:spLocks noGrp="1"/>
+          </p:cNvSpPr>
+          <p:nvPr>
+            <p:ph idx="1"/>
+          </p:nvPr>
+        </p:nvSpPr>
+        <p:spPr/>
+        <p:txBody>
+          <a:bodyPr>
+            <a:normAutofit/>
+          </a:bodyPr>
+          <a:lstStyle/>
+          <a:p>
+            <a:r>
+              <a:rPr lang="en-US" sz="2800" dirty="0" smtClean="0"/>
+              <a:t>Scope: Software only</a:t>
+            </a:r>
+          </a:p>
+          <a:p>
+            <a:r>
+              <a:rPr lang="en-US" sz="2800" dirty="0" smtClean="0"/>
+              <a:t>Majority of the scope:</a:t>
+            </a:r>
+          </a:p>
+          <a:p>
+            <a:pPr lvl="1"/>
+            <a:r>
+              <a:rPr lang="en-US" sz="2800" dirty="0"/>
+              <a:t>Customer Requirement 3.14 Slicing Geometry into Thickness </a:t>
+            </a:r>
+            <a:r>
+              <a:rPr lang="en-US" sz="2800" dirty="0" smtClean="0"/>
+              <a:t>Levels</a:t>
+            </a:r>
+          </a:p>
+          <a:p>
+            <a:pPr lvl="1"/>
+            <a:r>
+              <a:rPr lang="en-US" sz="2800" dirty="0" smtClean="0"/>
+              <a:t>Customer </a:t>
+            </a:r>
+            <a:r>
+              <a:rPr lang="en-US" sz="2800" dirty="0"/>
+              <a:t>Requirement 3.11 Creating Printing </a:t>
+            </a:r>
+            <a:r>
+              <a:rPr lang="en-US" sz="2800" dirty="0" smtClean="0"/>
+              <a:t>Paths</a:t>
+            </a:r>
+          </a:p>
+          <a:p>
+            <a:pPr lvl="1"/>
+            <a:r>
+              <a:rPr lang="en-US" sz="2800" dirty="0" smtClean="0"/>
+              <a:t>Customer </a:t>
+            </a:r>
+            <a:r>
+              <a:rPr lang="en-US" sz="2800" dirty="0"/>
+              <a:t>Requirement 3.3   Generating Machine </a:t>
+            </a:r>
+            <a:r>
+              <a:rPr lang="en-US" sz="2800" dirty="0" smtClean="0"/>
+              <a:t>Instructions</a:t>
+            </a:r>
+          </a:p>
+          <a:p>
+            <a:pPr lvl="1"/>
+            <a:r>
+              <a:rPr lang="en-US" sz="2800" dirty="0" smtClean="0"/>
+              <a:t>Customer </a:t>
+            </a:r>
+            <a:r>
+              <a:rPr lang="en-US" sz="2800" dirty="0"/>
+              <a:t>Requirement 3.4   Issuing Machine </a:t>
+            </a:r>
+            <a:r>
+              <a:rPr lang="en-US" sz="2800" dirty="0" smtClean="0"/>
+              <a:t>Instructions</a:t>
+            </a:r>
+          </a:p>
+          <a:p>
+            <a:pPr marL="411480" lvl="1" indent="0">
+              <a:buNone/>
+            </a:pPr>
+            <a:endParaRPr lang="en-US" dirty="0"/>
+          </a:p>
+          <a:p>
+            <a:endParaRPr lang="en-US" dirty="0"/>
+          </a:p>
+        </p:txBody>
+      </p:sp>
+    </p:spTree>
+    <p:extLst>
+      <p:ext uri="{BB962C8B-B14F-4D97-AF65-F5344CB8AC3E}">
+        <p14:creationId xmlns:p14="http://schemas.microsoft.com/office/powerpoint/2010/main" val="1563924161"/>
+      </p:ext>
+    </p:extLst>
+  </p:cSld>
+  <p:clrMapOvr>
+    <a:masterClrMapping/>
+  </p:clrMapOvr>
+</p:sld>
+</file>
+
+<file path=ppt/slides/slide29.xml><?xml version="1.0" encoding="utf-8"?>
+<p:sld xmlns:a="http://schemas.openxmlformats.org/drawingml/2006/main" xmlns:r="http://schemas.openxmlformats.org/officeDocument/2006/relationships" xmlns:p="http://schemas.openxmlformats.org/presentationml/2006/main">
+  <p:cSld>
+    <p:spTree>
+      <p:nvGrpSpPr>
+        <p:cNvPr id="1" name=""/>
+        <p:cNvGrpSpPr/>
+        <p:nvPr/>
+      </p:nvGrpSpPr>
+      <p:grpSpPr>
+        <a:xfrm>
+          <a:off x="0" y="0"/>
+          <a:ext cx="0" cy="0"/>
+          <a:chOff x="0" y="0"/>
+          <a:chExt cx="0" cy="0"/>
+        </a:xfrm>
+      </p:grpSpPr>
+      <p:sp>
+        <p:nvSpPr>
+          <p:cNvPr id="2" name="Title 1"/>
+          <p:cNvSpPr>
+            <a:spLocks noGrp="1"/>
+          </p:cNvSpPr>
+          <p:nvPr>
+            <p:ph type="title"/>
+          </p:nvPr>
+        </p:nvSpPr>
+        <p:spPr/>
+        <p:txBody>
+          <a:bodyPr/>
+          <a:lstStyle/>
+          <a:p>
+            <a:r>
+              <a:rPr lang="en-US" dirty="0" smtClean="0"/>
+              <a:t>Feasibility: Key Risks and Deficiencies</a:t>
+            </a:r>
+            <a:endParaRPr lang="en-US" dirty="0"/>
+          </a:p>
+        </p:txBody>
+      </p:sp>
+      <p:sp>
+        <p:nvSpPr>
+          <p:cNvPr id="3" name="Content Placeholder 2"/>
+          <p:cNvSpPr>
+            <a:spLocks noGrp="1"/>
+          </p:cNvSpPr>
+          <p:nvPr>
+            <p:ph idx="1"/>
+          </p:nvPr>
+        </p:nvSpPr>
+        <p:spPr/>
+        <p:txBody>
+          <a:bodyPr>
+            <a:normAutofit lnSpcReduction="10000"/>
+          </a:bodyPr>
+          <a:lstStyle/>
+          <a:p>
+            <a:r>
+              <a:rPr lang="en-US" sz="3600" dirty="0" smtClean="0"/>
+              <a:t>Slic3r </a:t>
+            </a:r>
+            <a:r>
+              <a:rPr lang="en-US" sz="3600" dirty="0"/>
+              <a:t>is unsuited for the task </a:t>
+            </a:r>
+            <a:r>
+              <a:rPr lang="en-US" sz="3600" dirty="0" smtClean="0"/>
+              <a:t>as-is</a:t>
+            </a:r>
+          </a:p>
+          <a:p>
+            <a:pPr lvl="1"/>
+            <a:r>
+              <a:rPr lang="en-US" sz="3400" dirty="0"/>
+              <a:t>Analytic Geometry skills not </a:t>
+            </a:r>
+            <a:r>
+              <a:rPr lang="en-US" sz="3400" dirty="0" smtClean="0"/>
+              <a:t>sufficient</a:t>
+            </a:r>
+          </a:p>
+          <a:p>
+            <a:pPr lvl="1"/>
+            <a:r>
+              <a:rPr lang="en-US" sz="3400" dirty="0" smtClean="0"/>
+              <a:t>Research and Experimentation</a:t>
+            </a:r>
+          </a:p>
+          <a:p>
+            <a:r>
+              <a:rPr lang="en-US" sz="3600" dirty="0"/>
+              <a:t>Hardware selection is not specified </a:t>
+            </a:r>
+            <a:r>
+              <a:rPr lang="en-US" sz="3600" dirty="0" smtClean="0"/>
+              <a:t>correctly</a:t>
+            </a:r>
+          </a:p>
+          <a:p>
+            <a:pPr lvl="1"/>
+            <a:r>
+              <a:rPr lang="en-US" sz="3400" dirty="0" smtClean="0"/>
+              <a:t>Computer engineer required to assist ME team</a:t>
+            </a:r>
+          </a:p>
+          <a:p>
+            <a:pPr lvl="1"/>
+            <a:r>
+              <a:rPr lang="en-US" sz="3400" dirty="0" smtClean="0"/>
+              <a:t>Scope Definition</a:t>
+            </a:r>
+          </a:p>
+          <a:p>
+            <a:r>
+              <a:rPr lang="en-US" sz="3600" dirty="0" smtClean="0"/>
+              <a:t>Lack of 3-D printing experience</a:t>
+            </a:r>
+          </a:p>
+          <a:p>
+            <a:pPr lvl="1"/>
+            <a:r>
+              <a:rPr lang="en-US" sz="3400" dirty="0" smtClean="0"/>
+              <a:t>Research and Demonstrations</a:t>
+            </a:r>
+            <a:endParaRPr lang="en-US" sz="3400" dirty="0"/>
+          </a:p>
+        </p:txBody>
+      </p:sp>
+    </p:spTree>
+    <p:extLst>
+      <p:ext uri="{BB962C8B-B14F-4D97-AF65-F5344CB8AC3E}">
+        <p14:creationId xmlns:p14="http://schemas.microsoft.com/office/powerpoint/2010/main" val="2641203954"/>
+      </p:ext>
+    </p:extLst>
+  </p:cSld>
+  <p:clrMapOvr>
+    <a:masterClrMapping/>
+  </p:clrMapOvr>
+</p:sld>
+</file>
+
 <file path=ppt/slides/slide3.xml><?xml version="1.0" encoding="utf-8"?>
 <p:sld xmlns:a="http://schemas.openxmlformats.org/drawingml/2006/main" xmlns:r="http://schemas.openxmlformats.org/officeDocument/2006/relationships" xmlns:p="http://schemas.openxmlformats.org/presentationml/2006/main">
   <p:cSld>
@@ -8116,6 +8409,1500 @@
     <p:extLst>
       <p:ext uri="{BB962C8B-B14F-4D97-AF65-F5344CB8AC3E}">
         <p14:creationId xmlns:p14="http://schemas.microsoft.com/office/powerpoint/2010/main" val="3853870699"/>
+      </p:ext>
+    </p:extLst>
+  </p:cSld>
+  <p:clrMapOvr>
+    <a:masterClrMapping/>
+  </p:clrMapOvr>
+</p:sld>
+</file>
+
+<file path=ppt/slides/slide30.xml><?xml version="1.0" encoding="utf-8"?>
+<p:sld xmlns:a="http://schemas.openxmlformats.org/drawingml/2006/main" xmlns:r="http://schemas.openxmlformats.org/officeDocument/2006/relationships" xmlns:p="http://schemas.openxmlformats.org/presentationml/2006/main">
+  <p:cSld>
+    <p:spTree>
+      <p:nvGrpSpPr>
+        <p:cNvPr id="1" name=""/>
+        <p:cNvGrpSpPr/>
+        <p:nvPr/>
+      </p:nvGrpSpPr>
+      <p:grpSpPr>
+        <a:xfrm>
+          <a:off x="0" y="0"/>
+          <a:ext cx="0" cy="0"/>
+          <a:chOff x="0" y="0"/>
+          <a:chExt cx="0" cy="0"/>
+        </a:xfrm>
+      </p:grpSpPr>
+      <p:sp>
+        <p:nvSpPr>
+          <p:cNvPr id="2" name="Title 1"/>
+          <p:cNvSpPr>
+            <a:spLocks noGrp="1"/>
+          </p:cNvSpPr>
+          <p:nvPr>
+            <p:ph type="title"/>
+          </p:nvPr>
+        </p:nvSpPr>
+        <p:spPr/>
+        <p:txBody>
+          <a:bodyPr/>
+          <a:lstStyle/>
+          <a:p>
+            <a:r>
+              <a:rPr lang="en-US" dirty="0" smtClean="0"/>
+              <a:t>Feasibility: Cost Analysis</a:t>
+            </a:r>
+            <a:endParaRPr lang="en-US" dirty="0"/>
+          </a:p>
+        </p:txBody>
+      </p:sp>
+      <p:graphicFrame>
+        <p:nvGraphicFramePr>
+          <p:cNvPr id="4" name="Content Placeholder 3"/>
+          <p:cNvGraphicFramePr>
+            <a:graphicFrameLocks noGrp="1"/>
+          </p:cNvGraphicFramePr>
+          <p:nvPr>
+            <p:ph idx="1"/>
+            <p:extLst>
+              <p:ext uri="{D42A27DB-BD31-4B8C-83A1-F6EECF244321}">
+                <p14:modId xmlns:p14="http://schemas.microsoft.com/office/powerpoint/2010/main" val="954283900"/>
+              </p:ext>
+            </p:extLst>
+          </p:nvPr>
+        </p:nvGraphicFramePr>
+        <p:xfrm>
+          <a:off x="740979" y="1417638"/>
+          <a:ext cx="10028622" cy="5093519"/>
+        </p:xfrm>
+        <a:graphic>
+          <a:graphicData uri="http://schemas.openxmlformats.org/drawingml/2006/table">
+            <a:tbl>
+              <a:tblPr firstRow="1" firstCol="1" bandRow="1">
+                <a:tableStyleId>{5C22544A-7EE6-4342-B048-85BDC9FD1C3A}</a:tableStyleId>
+              </a:tblPr>
+              <a:tblGrid>
+                <a:gridCol w="5406054"/>
+                <a:gridCol w="1540856"/>
+                <a:gridCol w="1540856"/>
+                <a:gridCol w="1540856"/>
+              </a:tblGrid>
+              <a:tr h="872609">
+                <a:tc>
+                  <a:txBody>
+                    <a:bodyPr/>
+                    <a:lstStyle/>
+                    <a:p>
+                      <a:endParaRPr lang="en-US" sz="1600" dirty="0">
+                        <a:effectLst/>
+                        <a:latin typeface="Times New Roman" panose="02020603050405020304" pitchFamily="18" charset="0"/>
+                      </a:endParaRPr>
+                    </a:p>
+                  </a:txBody>
+                  <a:tcPr marL="68580" marR="68580" marT="0" marB="0"/>
+                </a:tc>
+                <a:tc>
+                  <a:txBody>
+                    <a:bodyPr/>
+                    <a:lstStyle/>
+                    <a:p>
+                      <a:pPr marL="0" marR="0">
+                        <a:lnSpc>
+                          <a:spcPct val="115000"/>
+                        </a:lnSpc>
+                        <a:spcBef>
+                          <a:spcPts val="0"/>
+                        </a:spcBef>
+                        <a:spcAft>
+                          <a:spcPts val="1000"/>
+                        </a:spcAft>
+                      </a:pPr>
+                      <a:r>
+                        <a:rPr lang="en-US" sz="2400">
+                          <a:effectLst/>
+                        </a:rPr>
+                        <a:t>Quantity</a:t>
+                      </a:r>
+                      <a:endParaRPr lang="en-US" sz="2400">
+                        <a:effectLst/>
+                        <a:latin typeface="Times New Roman" panose="02020603050405020304" pitchFamily="18" charset="0"/>
+                        <a:ea typeface="Times New Roman" panose="02020603050405020304" pitchFamily="18" charset="0"/>
+                      </a:endParaRPr>
+                    </a:p>
+                  </a:txBody>
+                  <a:tcPr marL="68580" marR="68580" marT="0" marB="0"/>
+                </a:tc>
+                <a:tc>
+                  <a:txBody>
+                    <a:bodyPr/>
+                    <a:lstStyle/>
+                    <a:p>
+                      <a:pPr marL="0" marR="0">
+                        <a:lnSpc>
+                          <a:spcPct val="115000"/>
+                        </a:lnSpc>
+                        <a:spcBef>
+                          <a:spcPts val="0"/>
+                        </a:spcBef>
+                        <a:spcAft>
+                          <a:spcPts val="1000"/>
+                        </a:spcAft>
+                      </a:pPr>
+                      <a:r>
+                        <a:rPr lang="en-US" sz="2400">
+                          <a:effectLst/>
+                        </a:rPr>
+                        <a:t>Cost/Unit</a:t>
+                      </a:r>
+                      <a:endParaRPr lang="en-US" sz="2400">
+                        <a:effectLst/>
+                        <a:latin typeface="Times New Roman" panose="02020603050405020304" pitchFamily="18" charset="0"/>
+                        <a:ea typeface="Times New Roman" panose="02020603050405020304" pitchFamily="18" charset="0"/>
+                      </a:endParaRPr>
+                    </a:p>
+                  </a:txBody>
+                  <a:tcPr marL="68580" marR="68580" marT="0" marB="0"/>
+                </a:tc>
+                <a:tc>
+                  <a:txBody>
+                    <a:bodyPr/>
+                    <a:lstStyle/>
+                    <a:p>
+                      <a:pPr marL="0" marR="0">
+                        <a:lnSpc>
+                          <a:spcPct val="115000"/>
+                        </a:lnSpc>
+                        <a:spcBef>
+                          <a:spcPts val="0"/>
+                        </a:spcBef>
+                        <a:spcAft>
+                          <a:spcPts val="1000"/>
+                        </a:spcAft>
+                      </a:pPr>
+                      <a:r>
+                        <a:rPr lang="en-US" sz="2400">
+                          <a:effectLst/>
+                        </a:rPr>
+                        <a:t>Total Cost</a:t>
+                      </a:r>
+                      <a:endParaRPr lang="en-US" sz="2400">
+                        <a:effectLst/>
+                        <a:latin typeface="Times New Roman" panose="02020603050405020304" pitchFamily="18" charset="0"/>
+                        <a:ea typeface="Times New Roman" panose="02020603050405020304" pitchFamily="18" charset="0"/>
+                      </a:endParaRPr>
+                    </a:p>
+                  </a:txBody>
+                  <a:tcPr marL="68580" marR="68580" marT="0" marB="0"/>
+                </a:tc>
+              </a:tr>
+              <a:tr h="422091">
+                <a:tc>
+                  <a:txBody>
+                    <a:bodyPr/>
+                    <a:lstStyle/>
+                    <a:p>
+                      <a:pPr marL="0" marR="0">
+                        <a:lnSpc>
+                          <a:spcPct val="115000"/>
+                        </a:lnSpc>
+                        <a:spcBef>
+                          <a:spcPts val="0"/>
+                        </a:spcBef>
+                        <a:spcAft>
+                          <a:spcPts val="1000"/>
+                        </a:spcAft>
+                      </a:pPr>
+                      <a:r>
+                        <a:rPr lang="en-US" sz="2400" dirty="0" err="1">
+                          <a:effectLst/>
+                        </a:rPr>
+                        <a:t>SainSmart</a:t>
+                      </a:r>
+                      <a:r>
+                        <a:rPr lang="en-US" sz="2400" dirty="0">
+                          <a:effectLst/>
+                        </a:rPr>
+                        <a:t> Mega2560 Controller</a:t>
+                      </a:r>
+                      <a:endParaRPr lang="en-US" sz="2400" dirty="0">
+                        <a:effectLst/>
+                        <a:latin typeface="Times New Roman" panose="02020603050405020304" pitchFamily="18" charset="0"/>
+                        <a:ea typeface="Times New Roman" panose="02020603050405020304" pitchFamily="18" charset="0"/>
+                      </a:endParaRPr>
+                    </a:p>
+                  </a:txBody>
+                  <a:tcPr marL="68580" marR="68580" marT="0" marB="0"/>
+                </a:tc>
+                <a:tc>
+                  <a:txBody>
+                    <a:bodyPr/>
+                    <a:lstStyle/>
+                    <a:p>
+                      <a:pPr marL="0" marR="0">
+                        <a:lnSpc>
+                          <a:spcPct val="115000"/>
+                        </a:lnSpc>
+                        <a:spcBef>
+                          <a:spcPts val="0"/>
+                        </a:spcBef>
+                        <a:spcAft>
+                          <a:spcPts val="1000"/>
+                        </a:spcAft>
+                      </a:pPr>
+                      <a:r>
+                        <a:rPr lang="en-US" sz="2400">
+                          <a:effectLst/>
+                        </a:rPr>
+                        <a:t>1</a:t>
+                      </a:r>
+                      <a:endParaRPr lang="en-US" sz="2400">
+                        <a:effectLst/>
+                        <a:latin typeface="Times New Roman" panose="02020603050405020304" pitchFamily="18" charset="0"/>
+                        <a:ea typeface="Times New Roman" panose="02020603050405020304" pitchFamily="18" charset="0"/>
+                      </a:endParaRPr>
+                    </a:p>
+                  </a:txBody>
+                  <a:tcPr marL="68580" marR="68580" marT="0" marB="0"/>
+                </a:tc>
+                <a:tc>
+                  <a:txBody>
+                    <a:bodyPr/>
+                    <a:lstStyle/>
+                    <a:p>
+                      <a:pPr marL="0" marR="0">
+                        <a:lnSpc>
+                          <a:spcPct val="115000"/>
+                        </a:lnSpc>
+                        <a:spcBef>
+                          <a:spcPts val="0"/>
+                        </a:spcBef>
+                        <a:spcAft>
+                          <a:spcPts val="1000"/>
+                        </a:spcAft>
+                      </a:pPr>
+                      <a:r>
+                        <a:rPr lang="en-US" sz="2400">
+                          <a:effectLst/>
+                        </a:rPr>
+                        <a:t>43.17</a:t>
+                      </a:r>
+                      <a:endParaRPr lang="en-US" sz="2400">
+                        <a:effectLst/>
+                        <a:latin typeface="Times New Roman" panose="02020603050405020304" pitchFamily="18" charset="0"/>
+                        <a:ea typeface="Times New Roman" panose="02020603050405020304" pitchFamily="18" charset="0"/>
+                      </a:endParaRPr>
+                    </a:p>
+                  </a:txBody>
+                  <a:tcPr marL="68580" marR="68580" marT="0" marB="0"/>
+                </a:tc>
+                <a:tc>
+                  <a:txBody>
+                    <a:bodyPr/>
+                    <a:lstStyle/>
+                    <a:p>
+                      <a:pPr marL="0" marR="0">
+                        <a:lnSpc>
+                          <a:spcPct val="115000"/>
+                        </a:lnSpc>
+                        <a:spcBef>
+                          <a:spcPts val="0"/>
+                        </a:spcBef>
+                        <a:spcAft>
+                          <a:spcPts val="1000"/>
+                        </a:spcAft>
+                      </a:pPr>
+                      <a:r>
+                        <a:rPr lang="en-US" sz="2400">
+                          <a:effectLst/>
+                        </a:rPr>
+                        <a:t>43.17</a:t>
+                      </a:r>
+                      <a:endParaRPr lang="en-US" sz="2400">
+                        <a:effectLst/>
+                        <a:latin typeface="Times New Roman" panose="02020603050405020304" pitchFamily="18" charset="0"/>
+                        <a:ea typeface="Times New Roman" panose="02020603050405020304" pitchFamily="18" charset="0"/>
+                      </a:endParaRPr>
+                    </a:p>
+                  </a:txBody>
+                  <a:tcPr marL="68580" marR="68580" marT="0" marB="0"/>
+                </a:tc>
+              </a:tr>
+              <a:tr h="422091">
+                <a:tc>
+                  <a:txBody>
+                    <a:bodyPr/>
+                    <a:lstStyle/>
+                    <a:p>
+                      <a:pPr marL="0" marR="0">
+                        <a:lnSpc>
+                          <a:spcPct val="115000"/>
+                        </a:lnSpc>
+                        <a:spcBef>
+                          <a:spcPts val="0"/>
+                        </a:spcBef>
+                        <a:spcAft>
+                          <a:spcPts val="1000"/>
+                        </a:spcAft>
+                      </a:pPr>
+                      <a:r>
+                        <a:rPr lang="en-US" sz="2400">
+                          <a:effectLst/>
+                        </a:rPr>
+                        <a:t>SainSmart RAMPS 1.4 Shield</a:t>
+                      </a:r>
+                      <a:endParaRPr lang="en-US" sz="2400">
+                        <a:effectLst/>
+                        <a:latin typeface="Times New Roman" panose="02020603050405020304" pitchFamily="18" charset="0"/>
+                        <a:ea typeface="Times New Roman" panose="02020603050405020304" pitchFamily="18" charset="0"/>
+                      </a:endParaRPr>
+                    </a:p>
+                  </a:txBody>
+                  <a:tcPr marL="68580" marR="68580" marT="0" marB="0"/>
+                </a:tc>
+                <a:tc>
+                  <a:txBody>
+                    <a:bodyPr/>
+                    <a:lstStyle/>
+                    <a:p>
+                      <a:pPr marL="0" marR="0">
+                        <a:lnSpc>
+                          <a:spcPct val="115000"/>
+                        </a:lnSpc>
+                        <a:spcBef>
+                          <a:spcPts val="0"/>
+                        </a:spcBef>
+                        <a:spcAft>
+                          <a:spcPts val="1000"/>
+                        </a:spcAft>
+                      </a:pPr>
+                      <a:r>
+                        <a:rPr lang="en-US" sz="2400">
+                          <a:effectLst/>
+                        </a:rPr>
+                        <a:t>1</a:t>
+                      </a:r>
+                      <a:endParaRPr lang="en-US" sz="2400">
+                        <a:effectLst/>
+                        <a:latin typeface="Times New Roman" panose="02020603050405020304" pitchFamily="18" charset="0"/>
+                        <a:ea typeface="Times New Roman" panose="02020603050405020304" pitchFamily="18" charset="0"/>
+                      </a:endParaRPr>
+                    </a:p>
+                  </a:txBody>
+                  <a:tcPr marL="68580" marR="68580" marT="0" marB="0"/>
+                </a:tc>
+                <a:tc>
+                  <a:txBody>
+                    <a:bodyPr/>
+                    <a:lstStyle/>
+                    <a:p>
+                      <a:pPr marL="0" marR="0">
+                        <a:lnSpc>
+                          <a:spcPct val="115000"/>
+                        </a:lnSpc>
+                        <a:spcBef>
+                          <a:spcPts val="0"/>
+                        </a:spcBef>
+                        <a:spcAft>
+                          <a:spcPts val="1000"/>
+                        </a:spcAft>
+                      </a:pPr>
+                      <a:r>
+                        <a:rPr lang="en-US" sz="2400">
+                          <a:effectLst/>
+                        </a:rPr>
+                        <a:t>25.9</a:t>
+                      </a:r>
+                      <a:endParaRPr lang="en-US" sz="2400">
+                        <a:effectLst/>
+                        <a:latin typeface="Times New Roman" panose="02020603050405020304" pitchFamily="18" charset="0"/>
+                        <a:ea typeface="Times New Roman" panose="02020603050405020304" pitchFamily="18" charset="0"/>
+                      </a:endParaRPr>
+                    </a:p>
+                  </a:txBody>
+                  <a:tcPr marL="68580" marR="68580" marT="0" marB="0"/>
+                </a:tc>
+                <a:tc>
+                  <a:txBody>
+                    <a:bodyPr/>
+                    <a:lstStyle/>
+                    <a:p>
+                      <a:pPr marL="0" marR="0">
+                        <a:lnSpc>
+                          <a:spcPct val="115000"/>
+                        </a:lnSpc>
+                        <a:spcBef>
+                          <a:spcPts val="0"/>
+                        </a:spcBef>
+                        <a:spcAft>
+                          <a:spcPts val="1000"/>
+                        </a:spcAft>
+                      </a:pPr>
+                      <a:r>
+                        <a:rPr lang="en-US" sz="2400">
+                          <a:effectLst/>
+                        </a:rPr>
+                        <a:t>25.9</a:t>
+                      </a:r>
+                      <a:endParaRPr lang="en-US" sz="2400">
+                        <a:effectLst/>
+                        <a:latin typeface="Times New Roman" panose="02020603050405020304" pitchFamily="18" charset="0"/>
+                        <a:ea typeface="Times New Roman" panose="02020603050405020304" pitchFamily="18" charset="0"/>
+                      </a:endParaRPr>
+                    </a:p>
+                  </a:txBody>
+                  <a:tcPr marL="68580" marR="68580" marT="0" marB="0"/>
+                </a:tc>
+              </a:tr>
+              <a:tr h="422091">
+                <a:tc>
+                  <a:txBody>
+                    <a:bodyPr/>
+                    <a:lstStyle/>
+                    <a:p>
+                      <a:pPr marL="0" marR="0">
+                        <a:lnSpc>
+                          <a:spcPct val="115000"/>
+                        </a:lnSpc>
+                        <a:spcBef>
+                          <a:spcPts val="0"/>
+                        </a:spcBef>
+                        <a:spcAft>
+                          <a:spcPts val="1000"/>
+                        </a:spcAft>
+                      </a:pPr>
+                      <a:r>
+                        <a:rPr lang="en-US" sz="2400">
+                          <a:effectLst/>
+                        </a:rPr>
+                        <a:t>SainSmart A4988 Driver</a:t>
+                      </a:r>
+                      <a:endParaRPr lang="en-US" sz="2400">
+                        <a:effectLst/>
+                        <a:latin typeface="Times New Roman" panose="02020603050405020304" pitchFamily="18" charset="0"/>
+                        <a:ea typeface="Times New Roman" panose="02020603050405020304" pitchFamily="18" charset="0"/>
+                      </a:endParaRPr>
+                    </a:p>
+                  </a:txBody>
+                  <a:tcPr marL="68580" marR="68580" marT="0" marB="0"/>
+                </a:tc>
+                <a:tc>
+                  <a:txBody>
+                    <a:bodyPr/>
+                    <a:lstStyle/>
+                    <a:p>
+                      <a:pPr marL="0" marR="0">
+                        <a:lnSpc>
+                          <a:spcPct val="115000"/>
+                        </a:lnSpc>
+                        <a:spcBef>
+                          <a:spcPts val="0"/>
+                        </a:spcBef>
+                        <a:spcAft>
+                          <a:spcPts val="1000"/>
+                        </a:spcAft>
+                      </a:pPr>
+                      <a:r>
+                        <a:rPr lang="en-US" sz="2400">
+                          <a:effectLst/>
+                        </a:rPr>
+                        <a:t>7</a:t>
+                      </a:r>
+                      <a:endParaRPr lang="en-US" sz="2400">
+                        <a:effectLst/>
+                        <a:latin typeface="Times New Roman" panose="02020603050405020304" pitchFamily="18" charset="0"/>
+                        <a:ea typeface="Times New Roman" panose="02020603050405020304" pitchFamily="18" charset="0"/>
+                      </a:endParaRPr>
+                    </a:p>
+                  </a:txBody>
+                  <a:tcPr marL="68580" marR="68580" marT="0" marB="0"/>
+                </a:tc>
+                <a:tc>
+                  <a:txBody>
+                    <a:bodyPr/>
+                    <a:lstStyle/>
+                    <a:p>
+                      <a:pPr marL="0" marR="0">
+                        <a:lnSpc>
+                          <a:spcPct val="115000"/>
+                        </a:lnSpc>
+                        <a:spcBef>
+                          <a:spcPts val="0"/>
+                        </a:spcBef>
+                        <a:spcAft>
+                          <a:spcPts val="1000"/>
+                        </a:spcAft>
+                      </a:pPr>
+                      <a:r>
+                        <a:rPr lang="en-US" sz="2400">
+                          <a:effectLst/>
+                        </a:rPr>
+                        <a:t>10.97</a:t>
+                      </a:r>
+                      <a:endParaRPr lang="en-US" sz="2400">
+                        <a:effectLst/>
+                        <a:latin typeface="Times New Roman" panose="02020603050405020304" pitchFamily="18" charset="0"/>
+                        <a:ea typeface="Times New Roman" panose="02020603050405020304" pitchFamily="18" charset="0"/>
+                      </a:endParaRPr>
+                    </a:p>
+                  </a:txBody>
+                  <a:tcPr marL="68580" marR="68580" marT="0" marB="0"/>
+                </a:tc>
+                <a:tc>
+                  <a:txBody>
+                    <a:bodyPr/>
+                    <a:lstStyle/>
+                    <a:p>
+                      <a:pPr marL="0" marR="0">
+                        <a:lnSpc>
+                          <a:spcPct val="115000"/>
+                        </a:lnSpc>
+                        <a:spcBef>
+                          <a:spcPts val="0"/>
+                        </a:spcBef>
+                        <a:spcAft>
+                          <a:spcPts val="1000"/>
+                        </a:spcAft>
+                      </a:pPr>
+                      <a:r>
+                        <a:rPr lang="en-US" sz="2400">
+                          <a:effectLst/>
+                        </a:rPr>
+                        <a:t>76.79</a:t>
+                      </a:r>
+                      <a:endParaRPr lang="en-US" sz="2400">
+                        <a:effectLst/>
+                        <a:latin typeface="Times New Roman" panose="02020603050405020304" pitchFamily="18" charset="0"/>
+                        <a:ea typeface="Times New Roman" panose="02020603050405020304" pitchFamily="18" charset="0"/>
+                      </a:endParaRPr>
+                    </a:p>
+                  </a:txBody>
+                  <a:tcPr marL="68580" marR="68580" marT="0" marB="0"/>
+                </a:tc>
+              </a:tr>
+              <a:tr h="422091">
+                <a:tc>
+                  <a:txBody>
+                    <a:bodyPr/>
+                    <a:lstStyle/>
+                    <a:p>
+                      <a:pPr marL="0" marR="0">
+                        <a:lnSpc>
+                          <a:spcPct val="115000"/>
+                        </a:lnSpc>
+                        <a:spcBef>
+                          <a:spcPts val="0"/>
+                        </a:spcBef>
+                        <a:spcAft>
+                          <a:spcPts val="1000"/>
+                        </a:spcAft>
+                      </a:pPr>
+                      <a:r>
+                        <a:rPr lang="en-US" sz="2400">
+                          <a:effectLst/>
+                        </a:rPr>
+                        <a:t>Raspberry Pi Model B R2.0</a:t>
+                      </a:r>
+                      <a:endParaRPr lang="en-US" sz="2400">
+                        <a:effectLst/>
+                        <a:latin typeface="Times New Roman" panose="02020603050405020304" pitchFamily="18" charset="0"/>
+                        <a:ea typeface="Times New Roman" panose="02020603050405020304" pitchFamily="18" charset="0"/>
+                      </a:endParaRPr>
+                    </a:p>
+                  </a:txBody>
+                  <a:tcPr marL="68580" marR="68580" marT="0" marB="0"/>
+                </a:tc>
+                <a:tc>
+                  <a:txBody>
+                    <a:bodyPr/>
+                    <a:lstStyle/>
+                    <a:p>
+                      <a:pPr marL="0" marR="0">
+                        <a:lnSpc>
+                          <a:spcPct val="115000"/>
+                        </a:lnSpc>
+                        <a:spcBef>
+                          <a:spcPts val="0"/>
+                        </a:spcBef>
+                        <a:spcAft>
+                          <a:spcPts val="1000"/>
+                        </a:spcAft>
+                      </a:pPr>
+                      <a:r>
+                        <a:rPr lang="en-US" sz="2400">
+                          <a:effectLst/>
+                        </a:rPr>
+                        <a:t>1</a:t>
+                      </a:r>
+                      <a:endParaRPr lang="en-US" sz="2400">
+                        <a:effectLst/>
+                        <a:latin typeface="Times New Roman" panose="02020603050405020304" pitchFamily="18" charset="0"/>
+                        <a:ea typeface="Times New Roman" panose="02020603050405020304" pitchFamily="18" charset="0"/>
+                      </a:endParaRPr>
+                    </a:p>
+                  </a:txBody>
+                  <a:tcPr marL="68580" marR="68580" marT="0" marB="0"/>
+                </a:tc>
+                <a:tc>
+                  <a:txBody>
+                    <a:bodyPr/>
+                    <a:lstStyle/>
+                    <a:p>
+                      <a:pPr marL="0" marR="0">
+                        <a:lnSpc>
+                          <a:spcPct val="115000"/>
+                        </a:lnSpc>
+                        <a:spcBef>
+                          <a:spcPts val="0"/>
+                        </a:spcBef>
+                        <a:spcAft>
+                          <a:spcPts val="1000"/>
+                        </a:spcAft>
+                      </a:pPr>
+                      <a:r>
+                        <a:rPr lang="en-US" sz="2400">
+                          <a:effectLst/>
+                        </a:rPr>
+                        <a:t>39.95</a:t>
+                      </a:r>
+                      <a:endParaRPr lang="en-US" sz="2400">
+                        <a:effectLst/>
+                        <a:latin typeface="Times New Roman" panose="02020603050405020304" pitchFamily="18" charset="0"/>
+                        <a:ea typeface="Times New Roman" panose="02020603050405020304" pitchFamily="18" charset="0"/>
+                      </a:endParaRPr>
+                    </a:p>
+                  </a:txBody>
+                  <a:tcPr marL="68580" marR="68580" marT="0" marB="0"/>
+                </a:tc>
+                <a:tc>
+                  <a:txBody>
+                    <a:bodyPr/>
+                    <a:lstStyle/>
+                    <a:p>
+                      <a:pPr marL="0" marR="0">
+                        <a:lnSpc>
+                          <a:spcPct val="115000"/>
+                        </a:lnSpc>
+                        <a:spcBef>
+                          <a:spcPts val="0"/>
+                        </a:spcBef>
+                        <a:spcAft>
+                          <a:spcPts val="1000"/>
+                        </a:spcAft>
+                      </a:pPr>
+                      <a:r>
+                        <a:rPr lang="en-US" sz="2400">
+                          <a:effectLst/>
+                        </a:rPr>
+                        <a:t>39.95</a:t>
+                      </a:r>
+                      <a:endParaRPr lang="en-US" sz="2400">
+                        <a:effectLst/>
+                        <a:latin typeface="Times New Roman" panose="02020603050405020304" pitchFamily="18" charset="0"/>
+                        <a:ea typeface="Times New Roman" panose="02020603050405020304" pitchFamily="18" charset="0"/>
+                      </a:endParaRPr>
+                    </a:p>
+                  </a:txBody>
+                  <a:tcPr marL="68580" marR="68580" marT="0" marB="0"/>
+                </a:tc>
+              </a:tr>
+              <a:tr h="422091">
+                <a:tc>
+                  <a:txBody>
+                    <a:bodyPr/>
+                    <a:lstStyle/>
+                    <a:p>
+                      <a:pPr marL="0" marR="0">
+                        <a:lnSpc>
+                          <a:spcPct val="115000"/>
+                        </a:lnSpc>
+                        <a:spcBef>
+                          <a:spcPts val="0"/>
+                        </a:spcBef>
+                        <a:spcAft>
+                          <a:spcPts val="1000"/>
+                        </a:spcAft>
+                      </a:pPr>
+                      <a:r>
+                        <a:rPr lang="en-US" sz="2400">
+                          <a:effectLst/>
+                        </a:rPr>
+                        <a:t>8GB SD Flash Card</a:t>
+                      </a:r>
+                      <a:endParaRPr lang="en-US" sz="2400">
+                        <a:effectLst/>
+                        <a:latin typeface="Times New Roman" panose="02020603050405020304" pitchFamily="18" charset="0"/>
+                        <a:ea typeface="Times New Roman" panose="02020603050405020304" pitchFamily="18" charset="0"/>
+                      </a:endParaRPr>
+                    </a:p>
+                  </a:txBody>
+                  <a:tcPr marL="68580" marR="68580" marT="0" marB="0"/>
+                </a:tc>
+                <a:tc>
+                  <a:txBody>
+                    <a:bodyPr/>
+                    <a:lstStyle/>
+                    <a:p>
+                      <a:pPr marL="0" marR="0">
+                        <a:lnSpc>
+                          <a:spcPct val="115000"/>
+                        </a:lnSpc>
+                        <a:spcBef>
+                          <a:spcPts val="0"/>
+                        </a:spcBef>
+                        <a:spcAft>
+                          <a:spcPts val="1000"/>
+                        </a:spcAft>
+                      </a:pPr>
+                      <a:r>
+                        <a:rPr lang="en-US" sz="2400">
+                          <a:effectLst/>
+                        </a:rPr>
+                        <a:t>1</a:t>
+                      </a:r>
+                      <a:endParaRPr lang="en-US" sz="2400">
+                        <a:effectLst/>
+                        <a:latin typeface="Times New Roman" panose="02020603050405020304" pitchFamily="18" charset="0"/>
+                        <a:ea typeface="Times New Roman" panose="02020603050405020304" pitchFamily="18" charset="0"/>
+                      </a:endParaRPr>
+                    </a:p>
+                  </a:txBody>
+                  <a:tcPr marL="68580" marR="68580" marT="0" marB="0"/>
+                </a:tc>
+                <a:tc>
+                  <a:txBody>
+                    <a:bodyPr/>
+                    <a:lstStyle/>
+                    <a:p>
+                      <a:pPr marL="0" marR="0">
+                        <a:lnSpc>
+                          <a:spcPct val="115000"/>
+                        </a:lnSpc>
+                        <a:spcBef>
+                          <a:spcPts val="0"/>
+                        </a:spcBef>
+                        <a:spcAft>
+                          <a:spcPts val="1000"/>
+                        </a:spcAft>
+                      </a:pPr>
+                      <a:r>
+                        <a:rPr lang="en-US" sz="2400" dirty="0">
+                          <a:effectLst/>
+                        </a:rPr>
+                        <a:t>9.88</a:t>
+                      </a:r>
+                      <a:endParaRPr lang="en-US" sz="2400" dirty="0">
+                        <a:effectLst/>
+                        <a:latin typeface="Times New Roman" panose="02020603050405020304" pitchFamily="18" charset="0"/>
+                        <a:ea typeface="Times New Roman" panose="02020603050405020304" pitchFamily="18" charset="0"/>
+                      </a:endParaRPr>
+                    </a:p>
+                  </a:txBody>
+                  <a:tcPr marL="68580" marR="68580" marT="0" marB="0"/>
+                </a:tc>
+                <a:tc>
+                  <a:txBody>
+                    <a:bodyPr/>
+                    <a:lstStyle/>
+                    <a:p>
+                      <a:pPr marL="0" marR="0">
+                        <a:lnSpc>
+                          <a:spcPct val="115000"/>
+                        </a:lnSpc>
+                        <a:spcBef>
+                          <a:spcPts val="0"/>
+                        </a:spcBef>
+                        <a:spcAft>
+                          <a:spcPts val="1000"/>
+                        </a:spcAft>
+                      </a:pPr>
+                      <a:r>
+                        <a:rPr lang="en-US" sz="2400">
+                          <a:effectLst/>
+                        </a:rPr>
+                        <a:t>9.88</a:t>
+                      </a:r>
+                      <a:endParaRPr lang="en-US" sz="2400">
+                        <a:effectLst/>
+                        <a:latin typeface="Times New Roman" panose="02020603050405020304" pitchFamily="18" charset="0"/>
+                        <a:ea typeface="Times New Roman" panose="02020603050405020304" pitchFamily="18" charset="0"/>
+                      </a:endParaRPr>
+                    </a:p>
+                  </a:txBody>
+                  <a:tcPr marL="68580" marR="68580" marT="0" marB="0"/>
+                </a:tc>
+              </a:tr>
+              <a:tr h="422091">
+                <a:tc>
+                  <a:txBody>
+                    <a:bodyPr/>
+                    <a:lstStyle/>
+                    <a:p>
+                      <a:pPr marL="0" marR="0">
+                        <a:lnSpc>
+                          <a:spcPct val="115000"/>
+                        </a:lnSpc>
+                        <a:spcBef>
+                          <a:spcPts val="0"/>
+                        </a:spcBef>
+                        <a:spcAft>
+                          <a:spcPts val="1000"/>
+                        </a:spcAft>
+                      </a:pPr>
+                      <a:r>
+                        <a:rPr lang="en-US" sz="2400">
+                          <a:effectLst/>
+                        </a:rPr>
+                        <a:t>Male/Male USB 2.0 Cable</a:t>
+                      </a:r>
+                      <a:endParaRPr lang="en-US" sz="2400">
+                        <a:effectLst/>
+                        <a:latin typeface="Times New Roman" panose="02020603050405020304" pitchFamily="18" charset="0"/>
+                        <a:ea typeface="Times New Roman" panose="02020603050405020304" pitchFamily="18" charset="0"/>
+                      </a:endParaRPr>
+                    </a:p>
+                  </a:txBody>
+                  <a:tcPr marL="68580" marR="68580" marT="0" marB="0"/>
+                </a:tc>
+                <a:tc>
+                  <a:txBody>
+                    <a:bodyPr/>
+                    <a:lstStyle/>
+                    <a:p>
+                      <a:pPr marL="0" marR="0">
+                        <a:lnSpc>
+                          <a:spcPct val="115000"/>
+                        </a:lnSpc>
+                        <a:spcBef>
+                          <a:spcPts val="0"/>
+                        </a:spcBef>
+                        <a:spcAft>
+                          <a:spcPts val="1000"/>
+                        </a:spcAft>
+                      </a:pPr>
+                      <a:r>
+                        <a:rPr lang="en-US" sz="2400">
+                          <a:effectLst/>
+                        </a:rPr>
+                        <a:t>1</a:t>
+                      </a:r>
+                      <a:endParaRPr lang="en-US" sz="2400">
+                        <a:effectLst/>
+                        <a:latin typeface="Times New Roman" panose="02020603050405020304" pitchFamily="18" charset="0"/>
+                        <a:ea typeface="Times New Roman" panose="02020603050405020304" pitchFamily="18" charset="0"/>
+                      </a:endParaRPr>
+                    </a:p>
+                  </a:txBody>
+                  <a:tcPr marL="68580" marR="68580" marT="0" marB="0"/>
+                </a:tc>
+                <a:tc>
+                  <a:txBody>
+                    <a:bodyPr/>
+                    <a:lstStyle/>
+                    <a:p>
+                      <a:pPr marL="0" marR="0">
+                        <a:lnSpc>
+                          <a:spcPct val="115000"/>
+                        </a:lnSpc>
+                        <a:spcBef>
+                          <a:spcPts val="0"/>
+                        </a:spcBef>
+                        <a:spcAft>
+                          <a:spcPts val="1000"/>
+                        </a:spcAft>
+                      </a:pPr>
+                      <a:r>
+                        <a:rPr lang="en-US" sz="2400">
+                          <a:effectLst/>
+                        </a:rPr>
+                        <a:t>9.95</a:t>
+                      </a:r>
+                      <a:endParaRPr lang="en-US" sz="2400">
+                        <a:effectLst/>
+                        <a:latin typeface="Times New Roman" panose="02020603050405020304" pitchFamily="18" charset="0"/>
+                        <a:ea typeface="Times New Roman" panose="02020603050405020304" pitchFamily="18" charset="0"/>
+                      </a:endParaRPr>
+                    </a:p>
+                  </a:txBody>
+                  <a:tcPr marL="68580" marR="68580" marT="0" marB="0"/>
+                </a:tc>
+                <a:tc>
+                  <a:txBody>
+                    <a:bodyPr/>
+                    <a:lstStyle/>
+                    <a:p>
+                      <a:pPr marL="0" marR="0">
+                        <a:lnSpc>
+                          <a:spcPct val="115000"/>
+                        </a:lnSpc>
+                        <a:spcBef>
+                          <a:spcPts val="0"/>
+                        </a:spcBef>
+                        <a:spcAft>
+                          <a:spcPts val="1000"/>
+                        </a:spcAft>
+                      </a:pPr>
+                      <a:r>
+                        <a:rPr lang="en-US" sz="2400">
+                          <a:effectLst/>
+                        </a:rPr>
+                        <a:t>9.95</a:t>
+                      </a:r>
+                      <a:endParaRPr lang="en-US" sz="2400">
+                        <a:effectLst/>
+                        <a:latin typeface="Times New Roman" panose="02020603050405020304" pitchFamily="18" charset="0"/>
+                        <a:ea typeface="Times New Roman" panose="02020603050405020304" pitchFamily="18" charset="0"/>
+                      </a:endParaRPr>
+                    </a:p>
+                  </a:txBody>
+                  <a:tcPr marL="68580" marR="68580" marT="0" marB="0"/>
+                </a:tc>
+              </a:tr>
+              <a:tr h="422091">
+                <a:tc>
+                  <a:txBody>
+                    <a:bodyPr/>
+                    <a:lstStyle/>
+                    <a:p>
+                      <a:pPr marL="0" marR="0">
+                        <a:lnSpc>
+                          <a:spcPct val="115000"/>
+                        </a:lnSpc>
+                        <a:spcBef>
+                          <a:spcPts val="0"/>
+                        </a:spcBef>
+                        <a:spcAft>
+                          <a:spcPts val="1000"/>
+                        </a:spcAft>
+                      </a:pPr>
+                      <a:r>
+                        <a:rPr lang="en-US" sz="2400">
+                          <a:effectLst/>
+                        </a:rPr>
+                        <a:t>50ft. 20GA Solid Copper Interconnect</a:t>
+                      </a:r>
+                      <a:endParaRPr lang="en-US" sz="2400">
+                        <a:effectLst/>
+                        <a:latin typeface="Times New Roman" panose="02020603050405020304" pitchFamily="18" charset="0"/>
+                        <a:ea typeface="Times New Roman" panose="02020603050405020304" pitchFamily="18" charset="0"/>
+                      </a:endParaRPr>
+                    </a:p>
+                  </a:txBody>
+                  <a:tcPr marL="68580" marR="68580" marT="0" marB="0"/>
+                </a:tc>
+                <a:tc>
+                  <a:txBody>
+                    <a:bodyPr/>
+                    <a:lstStyle/>
+                    <a:p>
+                      <a:pPr marL="0" marR="0">
+                        <a:lnSpc>
+                          <a:spcPct val="115000"/>
+                        </a:lnSpc>
+                        <a:spcBef>
+                          <a:spcPts val="0"/>
+                        </a:spcBef>
+                        <a:spcAft>
+                          <a:spcPts val="1000"/>
+                        </a:spcAft>
+                      </a:pPr>
+                      <a:r>
+                        <a:rPr lang="en-US" sz="2400">
+                          <a:effectLst/>
+                        </a:rPr>
+                        <a:t>1</a:t>
+                      </a:r>
+                      <a:endParaRPr lang="en-US" sz="2400">
+                        <a:effectLst/>
+                        <a:latin typeface="Times New Roman" panose="02020603050405020304" pitchFamily="18" charset="0"/>
+                        <a:ea typeface="Times New Roman" panose="02020603050405020304" pitchFamily="18" charset="0"/>
+                      </a:endParaRPr>
+                    </a:p>
+                  </a:txBody>
+                  <a:tcPr marL="68580" marR="68580" marT="0" marB="0"/>
+                </a:tc>
+                <a:tc>
+                  <a:txBody>
+                    <a:bodyPr/>
+                    <a:lstStyle/>
+                    <a:p>
+                      <a:pPr marL="0" marR="0">
+                        <a:lnSpc>
+                          <a:spcPct val="115000"/>
+                        </a:lnSpc>
+                        <a:spcBef>
+                          <a:spcPts val="0"/>
+                        </a:spcBef>
+                        <a:spcAft>
+                          <a:spcPts val="1000"/>
+                        </a:spcAft>
+                      </a:pPr>
+                      <a:r>
+                        <a:rPr lang="en-US" sz="2400">
+                          <a:effectLst/>
+                        </a:rPr>
+                        <a:t>15.95</a:t>
+                      </a:r>
+                      <a:endParaRPr lang="en-US" sz="2400">
+                        <a:effectLst/>
+                        <a:latin typeface="Times New Roman" panose="02020603050405020304" pitchFamily="18" charset="0"/>
+                        <a:ea typeface="Times New Roman" panose="02020603050405020304" pitchFamily="18" charset="0"/>
+                      </a:endParaRPr>
+                    </a:p>
+                  </a:txBody>
+                  <a:tcPr marL="68580" marR="68580" marT="0" marB="0"/>
+                </a:tc>
+                <a:tc>
+                  <a:txBody>
+                    <a:bodyPr/>
+                    <a:lstStyle/>
+                    <a:p>
+                      <a:pPr marL="0" marR="0">
+                        <a:lnSpc>
+                          <a:spcPct val="115000"/>
+                        </a:lnSpc>
+                        <a:spcBef>
+                          <a:spcPts val="0"/>
+                        </a:spcBef>
+                        <a:spcAft>
+                          <a:spcPts val="1000"/>
+                        </a:spcAft>
+                      </a:pPr>
+                      <a:r>
+                        <a:rPr lang="en-US" sz="2400">
+                          <a:effectLst/>
+                        </a:rPr>
+                        <a:t>15.95</a:t>
+                      </a:r>
+                      <a:endParaRPr lang="en-US" sz="2400">
+                        <a:effectLst/>
+                        <a:latin typeface="Times New Roman" panose="02020603050405020304" pitchFamily="18" charset="0"/>
+                        <a:ea typeface="Times New Roman" panose="02020603050405020304" pitchFamily="18" charset="0"/>
+                      </a:endParaRPr>
+                    </a:p>
+                  </a:txBody>
+                  <a:tcPr marL="68580" marR="68580" marT="0" marB="0"/>
+                </a:tc>
+              </a:tr>
+              <a:tr h="422091">
+                <a:tc>
+                  <a:txBody>
+                    <a:bodyPr/>
+                    <a:lstStyle/>
+                    <a:p>
+                      <a:pPr marL="0" marR="0">
+                        <a:lnSpc>
+                          <a:spcPct val="115000"/>
+                        </a:lnSpc>
+                        <a:spcBef>
+                          <a:spcPts val="0"/>
+                        </a:spcBef>
+                        <a:spcAft>
+                          <a:spcPts val="1000"/>
+                        </a:spcAft>
+                      </a:pPr>
+                      <a:r>
+                        <a:rPr lang="en-US" sz="2400">
+                          <a:effectLst/>
+                        </a:rPr>
+                        <a:t>SainSmart 1602 LCD Shield</a:t>
+                      </a:r>
+                      <a:endParaRPr lang="en-US" sz="2400">
+                        <a:effectLst/>
+                        <a:latin typeface="Times New Roman" panose="02020603050405020304" pitchFamily="18" charset="0"/>
+                        <a:ea typeface="Times New Roman" panose="02020603050405020304" pitchFamily="18" charset="0"/>
+                      </a:endParaRPr>
+                    </a:p>
+                  </a:txBody>
+                  <a:tcPr marL="68580" marR="68580" marT="0" marB="0"/>
+                </a:tc>
+                <a:tc>
+                  <a:txBody>
+                    <a:bodyPr/>
+                    <a:lstStyle/>
+                    <a:p>
+                      <a:pPr marL="0" marR="0">
+                        <a:lnSpc>
+                          <a:spcPct val="115000"/>
+                        </a:lnSpc>
+                        <a:spcBef>
+                          <a:spcPts val="0"/>
+                        </a:spcBef>
+                        <a:spcAft>
+                          <a:spcPts val="1000"/>
+                        </a:spcAft>
+                      </a:pPr>
+                      <a:r>
+                        <a:rPr lang="en-US" sz="2400">
+                          <a:effectLst/>
+                        </a:rPr>
+                        <a:t>1</a:t>
+                      </a:r>
+                      <a:endParaRPr lang="en-US" sz="2400">
+                        <a:effectLst/>
+                        <a:latin typeface="Times New Roman" panose="02020603050405020304" pitchFamily="18" charset="0"/>
+                        <a:ea typeface="Times New Roman" panose="02020603050405020304" pitchFamily="18" charset="0"/>
+                      </a:endParaRPr>
+                    </a:p>
+                  </a:txBody>
+                  <a:tcPr marL="68580" marR="68580" marT="0" marB="0"/>
+                </a:tc>
+                <a:tc>
+                  <a:txBody>
+                    <a:bodyPr/>
+                    <a:lstStyle/>
+                    <a:p>
+                      <a:pPr marL="0" marR="0">
+                        <a:lnSpc>
+                          <a:spcPct val="115000"/>
+                        </a:lnSpc>
+                        <a:spcBef>
+                          <a:spcPts val="0"/>
+                        </a:spcBef>
+                        <a:spcAft>
+                          <a:spcPts val="1000"/>
+                        </a:spcAft>
+                      </a:pPr>
+                      <a:r>
+                        <a:rPr lang="en-US" sz="2400">
+                          <a:effectLst/>
+                        </a:rPr>
+                        <a:t>24.95</a:t>
+                      </a:r>
+                      <a:endParaRPr lang="en-US" sz="2400">
+                        <a:effectLst/>
+                        <a:latin typeface="Times New Roman" panose="02020603050405020304" pitchFamily="18" charset="0"/>
+                        <a:ea typeface="Times New Roman" panose="02020603050405020304" pitchFamily="18" charset="0"/>
+                      </a:endParaRPr>
+                    </a:p>
+                  </a:txBody>
+                  <a:tcPr marL="68580" marR="68580" marT="0" marB="0"/>
+                </a:tc>
+                <a:tc>
+                  <a:txBody>
+                    <a:bodyPr/>
+                    <a:lstStyle/>
+                    <a:p>
+                      <a:pPr marL="0" marR="0">
+                        <a:lnSpc>
+                          <a:spcPct val="115000"/>
+                        </a:lnSpc>
+                        <a:spcBef>
+                          <a:spcPts val="0"/>
+                        </a:spcBef>
+                        <a:spcAft>
+                          <a:spcPts val="1000"/>
+                        </a:spcAft>
+                      </a:pPr>
+                      <a:r>
+                        <a:rPr lang="en-US" sz="2400">
+                          <a:effectLst/>
+                        </a:rPr>
+                        <a:t>24.95</a:t>
+                      </a:r>
+                      <a:endParaRPr lang="en-US" sz="2400">
+                        <a:effectLst/>
+                        <a:latin typeface="Times New Roman" panose="02020603050405020304" pitchFamily="18" charset="0"/>
+                        <a:ea typeface="Times New Roman" panose="02020603050405020304" pitchFamily="18" charset="0"/>
+                      </a:endParaRPr>
+                    </a:p>
+                  </a:txBody>
+                  <a:tcPr marL="68580" marR="68580" marT="0" marB="0"/>
+                </a:tc>
+              </a:tr>
+              <a:tr h="422091">
+                <a:tc>
+                  <a:txBody>
+                    <a:bodyPr/>
+                    <a:lstStyle/>
+                    <a:p>
+                      <a:pPr marL="0" marR="0">
+                        <a:lnSpc>
+                          <a:spcPct val="115000"/>
+                        </a:lnSpc>
+                        <a:spcBef>
+                          <a:spcPts val="0"/>
+                        </a:spcBef>
+                        <a:spcAft>
+                          <a:spcPts val="1000"/>
+                        </a:spcAft>
+                      </a:pPr>
+                      <a:r>
+                        <a:rPr lang="en-US" sz="2400">
+                          <a:effectLst/>
+                        </a:rPr>
+                        <a:t>Passive Electronics Budget</a:t>
+                      </a:r>
+                      <a:endParaRPr lang="en-US" sz="2400">
+                        <a:effectLst/>
+                        <a:latin typeface="Times New Roman" panose="02020603050405020304" pitchFamily="18" charset="0"/>
+                        <a:ea typeface="Times New Roman" panose="02020603050405020304" pitchFamily="18" charset="0"/>
+                      </a:endParaRPr>
+                    </a:p>
+                  </a:txBody>
+                  <a:tcPr marL="68580" marR="68580" marT="0" marB="0"/>
+                </a:tc>
+                <a:tc>
+                  <a:txBody>
+                    <a:bodyPr/>
+                    <a:lstStyle/>
+                    <a:p>
+                      <a:pPr marL="0" marR="0">
+                        <a:lnSpc>
+                          <a:spcPct val="115000"/>
+                        </a:lnSpc>
+                        <a:spcBef>
+                          <a:spcPts val="0"/>
+                        </a:spcBef>
+                        <a:spcAft>
+                          <a:spcPts val="1000"/>
+                        </a:spcAft>
+                      </a:pPr>
+                      <a:r>
+                        <a:rPr lang="en-US" sz="2400">
+                          <a:effectLst/>
+                        </a:rPr>
+                        <a:t>1</a:t>
+                      </a:r>
+                      <a:endParaRPr lang="en-US" sz="2400">
+                        <a:effectLst/>
+                        <a:latin typeface="Times New Roman" panose="02020603050405020304" pitchFamily="18" charset="0"/>
+                        <a:ea typeface="Times New Roman" panose="02020603050405020304" pitchFamily="18" charset="0"/>
+                      </a:endParaRPr>
+                    </a:p>
+                  </a:txBody>
+                  <a:tcPr marL="68580" marR="68580" marT="0" marB="0"/>
+                </a:tc>
+                <a:tc>
+                  <a:txBody>
+                    <a:bodyPr/>
+                    <a:lstStyle/>
+                    <a:p>
+                      <a:pPr marL="0" marR="0">
+                        <a:lnSpc>
+                          <a:spcPct val="115000"/>
+                        </a:lnSpc>
+                        <a:spcBef>
+                          <a:spcPts val="0"/>
+                        </a:spcBef>
+                        <a:spcAft>
+                          <a:spcPts val="1000"/>
+                        </a:spcAft>
+                      </a:pPr>
+                      <a:r>
+                        <a:rPr lang="en-US" sz="2400">
+                          <a:effectLst/>
+                        </a:rPr>
+                        <a:t>25</a:t>
+                      </a:r>
+                      <a:endParaRPr lang="en-US" sz="2400">
+                        <a:effectLst/>
+                        <a:latin typeface="Times New Roman" panose="02020603050405020304" pitchFamily="18" charset="0"/>
+                        <a:ea typeface="Times New Roman" panose="02020603050405020304" pitchFamily="18" charset="0"/>
+                      </a:endParaRPr>
+                    </a:p>
+                  </a:txBody>
+                  <a:tcPr marL="68580" marR="68580" marT="0" marB="0"/>
+                </a:tc>
+                <a:tc>
+                  <a:txBody>
+                    <a:bodyPr/>
+                    <a:lstStyle/>
+                    <a:p>
+                      <a:pPr marL="0" marR="0">
+                        <a:lnSpc>
+                          <a:spcPct val="115000"/>
+                        </a:lnSpc>
+                        <a:spcBef>
+                          <a:spcPts val="0"/>
+                        </a:spcBef>
+                        <a:spcAft>
+                          <a:spcPts val="1000"/>
+                        </a:spcAft>
+                      </a:pPr>
+                      <a:r>
+                        <a:rPr lang="en-US" sz="2400">
+                          <a:effectLst/>
+                        </a:rPr>
+                        <a:t>25</a:t>
+                      </a:r>
+                      <a:endParaRPr lang="en-US" sz="2400">
+                        <a:effectLst/>
+                        <a:latin typeface="Times New Roman" panose="02020603050405020304" pitchFamily="18" charset="0"/>
+                        <a:ea typeface="Times New Roman" panose="02020603050405020304" pitchFamily="18" charset="0"/>
+                      </a:endParaRPr>
+                    </a:p>
+                  </a:txBody>
+                  <a:tcPr marL="68580" marR="68580" marT="0" marB="0"/>
+                </a:tc>
+              </a:tr>
+              <a:tr h="422091">
+                <a:tc>
+                  <a:txBody>
+                    <a:bodyPr/>
+                    <a:lstStyle/>
+                    <a:p>
+                      <a:pPr marL="0" marR="0">
+                        <a:lnSpc>
+                          <a:spcPct val="115000"/>
+                        </a:lnSpc>
+                        <a:spcBef>
+                          <a:spcPts val="0"/>
+                        </a:spcBef>
+                        <a:spcAft>
+                          <a:spcPts val="1000"/>
+                        </a:spcAft>
+                      </a:pPr>
+                      <a:r>
+                        <a:rPr lang="en-US" sz="2400">
+                          <a:effectLst/>
+                        </a:rPr>
+                        <a:t>Total</a:t>
+                      </a:r>
+                      <a:endParaRPr lang="en-US" sz="2400">
+                        <a:effectLst/>
+                        <a:latin typeface="Times New Roman" panose="02020603050405020304" pitchFamily="18" charset="0"/>
+                        <a:ea typeface="Times New Roman" panose="02020603050405020304" pitchFamily="18" charset="0"/>
+                      </a:endParaRPr>
+                    </a:p>
+                  </a:txBody>
+                  <a:tcPr marL="68580" marR="68580" marT="0" marB="0"/>
+                </a:tc>
+                <a:tc>
+                  <a:txBody>
+                    <a:bodyPr/>
+                    <a:lstStyle/>
+                    <a:p>
+                      <a:endParaRPr lang="en-US" sz="1600">
+                        <a:effectLst/>
+                        <a:latin typeface="Times New Roman" panose="02020603050405020304" pitchFamily="18" charset="0"/>
+                      </a:endParaRPr>
+                    </a:p>
+                  </a:txBody>
+                  <a:tcPr marL="68580" marR="68580" marT="0" marB="0"/>
+                </a:tc>
+                <a:tc>
+                  <a:txBody>
+                    <a:bodyPr/>
+                    <a:lstStyle/>
+                    <a:p>
+                      <a:endParaRPr lang="en-US" sz="1600">
+                        <a:effectLst/>
+                        <a:latin typeface="Times New Roman" panose="02020603050405020304" pitchFamily="18" charset="0"/>
+                      </a:endParaRPr>
+                    </a:p>
+                  </a:txBody>
+                  <a:tcPr marL="68580" marR="68580" marT="0" marB="0"/>
+                </a:tc>
+                <a:tc>
+                  <a:txBody>
+                    <a:bodyPr/>
+                    <a:lstStyle/>
+                    <a:p>
+                      <a:pPr marL="0" marR="0">
+                        <a:lnSpc>
+                          <a:spcPct val="115000"/>
+                        </a:lnSpc>
+                        <a:spcBef>
+                          <a:spcPts val="0"/>
+                        </a:spcBef>
+                        <a:spcAft>
+                          <a:spcPts val="1000"/>
+                        </a:spcAft>
+                      </a:pPr>
+                      <a:r>
+                        <a:rPr lang="en-US" sz="2400" dirty="0">
+                          <a:effectLst/>
+                        </a:rPr>
+                        <a:t>271.54</a:t>
+                      </a:r>
+                      <a:endParaRPr lang="en-US" sz="2400" dirty="0">
+                        <a:effectLst/>
+                        <a:latin typeface="Times New Roman" panose="02020603050405020304" pitchFamily="18" charset="0"/>
+                        <a:ea typeface="Times New Roman" panose="02020603050405020304" pitchFamily="18" charset="0"/>
+                      </a:endParaRPr>
+                    </a:p>
+                  </a:txBody>
+                  <a:tcPr marL="68580" marR="68580" marT="0" marB="0"/>
+                </a:tc>
+              </a:tr>
+            </a:tbl>
+          </a:graphicData>
+        </a:graphic>
+      </p:graphicFrame>
+    </p:spTree>
+    <p:extLst>
+      <p:ext uri="{BB962C8B-B14F-4D97-AF65-F5344CB8AC3E}">
+        <p14:creationId xmlns:p14="http://schemas.microsoft.com/office/powerpoint/2010/main" val="2713793486"/>
+      </p:ext>
+    </p:extLst>
+  </p:cSld>
+  <p:clrMapOvr>
+    <a:masterClrMapping/>
+  </p:clrMapOvr>
+</p:sld>
+</file>
+
+<file path=ppt/slides/slide31.xml><?xml version="1.0" encoding="utf-8"?>
+<p:sld xmlns:a="http://schemas.openxmlformats.org/drawingml/2006/main" xmlns:r="http://schemas.openxmlformats.org/officeDocument/2006/relationships" xmlns:p="http://schemas.openxmlformats.org/presentationml/2006/main">
+  <p:cSld>
+    <p:spTree>
+      <p:nvGrpSpPr>
+        <p:cNvPr id="1" name=""/>
+        <p:cNvGrpSpPr/>
+        <p:nvPr/>
+      </p:nvGrpSpPr>
+      <p:grpSpPr>
+        <a:xfrm>
+          <a:off x="0" y="0"/>
+          <a:ext cx="0" cy="0"/>
+          <a:chOff x="0" y="0"/>
+          <a:chExt cx="0" cy="0"/>
+        </a:xfrm>
+      </p:grpSpPr>
+      <p:sp>
+        <p:nvSpPr>
+          <p:cNvPr id="2" name="Title 1"/>
+          <p:cNvSpPr>
+            <a:spLocks noGrp="1"/>
+          </p:cNvSpPr>
+          <p:nvPr>
+            <p:ph type="title"/>
+          </p:nvPr>
+        </p:nvSpPr>
+        <p:spPr/>
+        <p:txBody>
+          <a:bodyPr/>
+          <a:lstStyle/>
+          <a:p>
+            <a:endParaRPr lang="en-US"/>
+          </a:p>
+        </p:txBody>
+      </p:sp>
+      <p:sp>
+        <p:nvSpPr>
+          <p:cNvPr id="3" name="Content Placeholder 2"/>
+          <p:cNvSpPr>
+            <a:spLocks noGrp="1"/>
+          </p:cNvSpPr>
+          <p:nvPr>
+            <p:ph idx="1"/>
+          </p:nvPr>
+        </p:nvSpPr>
+        <p:spPr/>
+        <p:txBody>
+          <a:bodyPr/>
+          <a:lstStyle/>
+          <a:p>
+            <a:endParaRPr lang="en-US"/>
+          </a:p>
+        </p:txBody>
+      </p:sp>
+    </p:spTree>
+    <p:extLst>
+      <p:ext uri="{BB962C8B-B14F-4D97-AF65-F5344CB8AC3E}">
+        <p14:creationId xmlns:p14="http://schemas.microsoft.com/office/powerpoint/2010/main" val="3913702342"/>
       </p:ext>
     </p:extLst>
   </p:cSld>

--- a/SRS Presentation/SRS Presentation.pptx
+++ b/SRS Presentation/SRS Presentation.pptx
@@ -24,8 +24,9 @@
     <p:sldId id="278" r:id="rId18"/>
     <p:sldId id="279" r:id="rId19"/>
     <p:sldId id="280" r:id="rId20"/>
-    <p:sldId id="263" r:id="rId21"/>
-    <p:sldId id="261" r:id="rId22"/>
+    <p:sldId id="281" r:id="rId21"/>
+    <p:sldId id="263" r:id="rId22"/>
+    <p:sldId id="261" r:id="rId23"/>
   </p:sldIdLst>
   <p:sldSz cx="12192000" cy="6858000"/>
   <p:notesSz cx="6858000" cy="9144000"/>
@@ -3232,11 +3233,7 @@
             </a:br>
             <a:r>
               <a:rPr lang="en-US" dirty="0" smtClean="0"/>
-              <a:t>SRS Gate </a:t>
-            </a:r>
-            <a:r>
-              <a:rPr lang="en-US" dirty="0" smtClean="0"/>
-              <a:t>Review</a:t>
+              <a:t>SRS Gate Review</a:t>
             </a:r>
             <a:endParaRPr lang="en-US" dirty="0"/>
           </a:p>
@@ -5610,7 +5607,11 @@
           <a:p>
             <a:r>
               <a:rPr lang="en-US" dirty="0" smtClean="0"/>
-              <a:t>Other Requirements</a:t>
+              <a:t>Other </a:t>
+            </a:r>
+            <a:r>
+              <a:rPr lang="en-US" dirty="0" smtClean="0"/>
+              <a:t>Requirements : Safety</a:t>
             </a:r>
             <a:endParaRPr lang="en-US" dirty="0"/>
           </a:p>
@@ -5628,26 +5629,26 @@
         </p:nvSpPr>
         <p:spPr>
           <a:xfrm>
-            <a:off x="609600" y="1284514"/>
-            <a:ext cx="10160000" cy="5334000"/>
+            <a:off x="609599" y="1284514"/>
+            <a:ext cx="10765971" cy="5334000"/>
           </a:xfrm>
         </p:spPr>
         <p:txBody>
           <a:bodyPr>
-            <a:normAutofit/>
+            <a:normAutofit fontScale="92500" lnSpcReduction="20000"/>
           </a:bodyPr>
           <a:lstStyle/>
           <a:p>
             <a:r>
               <a:rPr lang="en-US" b="1" dirty="0"/>
-              <a:t>5.5	Real Time Sensor Monitoring</a:t>
-            </a:r>
-          </a:p>
-          <a:p>
-            <a:pPr lvl="1"/>
-            <a:r>
-              <a:rPr lang="en-US" b="1" dirty="0" smtClean="0"/>
-              <a:t>5.5.1</a:t>
+              <a:t>6.1	Temperature Cutoff Threshold</a:t>
+            </a:r>
+          </a:p>
+          <a:p>
+            <a:pPr lvl="1"/>
+            <a:r>
+              <a:rPr lang="en-US" b="1" dirty="0" smtClean="0"/>
+              <a:t>6.1.1</a:t>
             </a:r>
             <a:r>
               <a:rPr lang="en-US" b="1" dirty="0"/>
@@ -5655,27 +5656,35 @@
             </a:r>
             <a:r>
               <a:rPr lang="en-US" dirty="0"/>
-              <a:t>  The system shall monitor data from sensors in real time during </a:t>
-            </a:r>
-            <a:r>
-              <a:rPr lang="en-US" dirty="0" smtClean="0"/>
-              <a:t>			         operation</a:t>
-            </a:r>
-            <a:r>
-              <a:rPr lang="en-US" dirty="0"/>
-              <a:t>.  The sensor data must be monitored in real time to </a:t>
-            </a:r>
-            <a:r>
-              <a:rPr lang="en-US" dirty="0" smtClean="0"/>
-              <a:t>			         ensure </a:t>
-            </a:r>
-            <a:r>
-              <a:rPr lang="en-US" dirty="0"/>
-              <a:t>proper printer functionality as well as enforce safety </a:t>
-            </a:r>
-            <a:r>
-              <a:rPr lang="en-US" dirty="0" smtClean="0"/>
-              <a:t>			         systems</a:t>
+              <a:t>  The system shall include a temperature cutoff threshold for </a:t>
+            </a:r>
+            <a:r>
+              <a:rPr lang="en-US" dirty="0" smtClean="0"/>
+              <a:t>the printer 			        head</a:t>
+            </a:r>
+            <a:r>
+              <a:rPr lang="en-US" dirty="0"/>
+              <a:t>.  If the temperature of the printer head reaches the </a:t>
+            </a:r>
+            <a:r>
+              <a:rPr lang="en-US" dirty="0" smtClean="0"/>
+              <a:t>cutoff 				        temperature</a:t>
+            </a:r>
+            <a:r>
+              <a:rPr lang="en-US" dirty="0"/>
+              <a:t>, the system will abort the operation and shut off </a:t>
+            </a:r>
+            <a:r>
+              <a:rPr lang="en-US" dirty="0" smtClean="0"/>
+              <a:t> the </a:t>
+            </a:r>
+            <a:r>
+              <a:rPr lang="en-US" dirty="0"/>
+              <a:t>heating </a:t>
+            </a:r>
+            <a:r>
+              <a:rPr lang="en-US" dirty="0" smtClean="0"/>
+              <a:t>			        device</a:t>
             </a:r>
             <a:r>
               <a:rPr lang="en-US" dirty="0"/>
@@ -5686,7 +5695,7 @@
             <a:pPr lvl="1"/>
             <a:r>
               <a:rPr lang="en-US" b="1" dirty="0" smtClean="0"/>
-              <a:t>5.5.2</a:t>
+              <a:t>6.1.2</a:t>
             </a:r>
             <a:r>
               <a:rPr lang="en-US" b="1" dirty="0"/>
@@ -5701,7 +5710,7 @@
             <a:pPr lvl="1"/>
             <a:r>
               <a:rPr lang="en-US" b="1" dirty="0" smtClean="0"/>
-              <a:t>5.5.3</a:t>
+              <a:t>6.1.3</a:t>
             </a:r>
             <a:r>
               <a:rPr lang="en-US" b="1" dirty="0"/>
@@ -5709,22 +5718,22 @@
             </a:r>
             <a:r>
               <a:rPr lang="en-US" dirty="0"/>
-              <a:t>  Constant monitoring of sensors could require expensive </a:t>
-            </a:r>
-            <a:r>
-              <a:rPr lang="en-US" dirty="0" smtClean="0"/>
-              <a:t>				        processing </a:t>
-            </a:r>
-            <a:r>
-              <a:rPr lang="en-US" dirty="0"/>
-              <a:t>and memory resources.</a:t>
-            </a:r>
-          </a:p>
-          <a:p>
-            <a:pPr lvl="1"/>
-            <a:r>
-              <a:rPr lang="en-US" b="1" dirty="0" smtClean="0"/>
-              <a:t>5.5.4 </a:t>
+              <a:t>  The system must be able to accurately monitor the temperature of </a:t>
+            </a:r>
+            <a:r>
+              <a:rPr lang="en-US" dirty="0" smtClean="0"/>
+              <a:t>			        	        each </a:t>
+            </a:r>
+            <a:r>
+              <a:rPr lang="en-US" dirty="0"/>
+              <a:t>printing head.</a:t>
+            </a:r>
+          </a:p>
+          <a:p>
+            <a:pPr lvl="1"/>
+            <a:r>
+              <a:rPr lang="en-US" b="1" dirty="0" smtClean="0"/>
+              <a:t>6.1.4 </a:t>
             </a:r>
             <a:r>
               <a:rPr lang="en-US" b="1" dirty="0"/>
@@ -5739,7 +5748,7 @@
             <a:pPr lvl="1"/>
             <a:r>
               <a:rPr lang="en-US" b="1" dirty="0" smtClean="0"/>
-              <a:t>5.5.5</a:t>
+              <a:t>6.1.5</a:t>
             </a:r>
             <a:r>
               <a:rPr lang="en-US" b="1" dirty="0"/>
@@ -5747,10 +5756,133 @@
             </a:r>
             <a:r>
               <a:rPr lang="en-US" dirty="0"/>
-              <a:t> 2 – High</a:t>
-            </a:r>
-          </a:p>
-          <a:p>
+              <a:t> 1 – Critical</a:t>
+            </a:r>
+          </a:p>
+          <a:p>
+            <a:r>
+              <a:rPr lang="en-US" b="1" dirty="0"/>
+              <a:t>6.2	Printing Area Restrictions</a:t>
+            </a:r>
+          </a:p>
+          <a:p>
+            <a:pPr lvl="1"/>
+            <a:r>
+              <a:rPr lang="en-US" b="1" dirty="0" smtClean="0"/>
+              <a:t>6.2.1</a:t>
+            </a:r>
+            <a:r>
+              <a:rPr lang="en-US" b="1" dirty="0"/>
+              <a:t>	Description:</a:t>
+            </a:r>
+            <a:r>
+              <a:rPr lang="en-US" dirty="0"/>
+              <a:t>  The system shall only extrude material within a configured area. </a:t>
+            </a:r>
+            <a:r>
+              <a:rPr lang="en-US" dirty="0" smtClean="0"/>
+              <a:t>Material 			        extruded </a:t>
+            </a:r>
+            <a:r>
+              <a:rPr lang="en-US" dirty="0"/>
+              <a:t>by the printer will be at a high temperature and </a:t>
+            </a:r>
+            <a:r>
+              <a:rPr lang="en-US" dirty="0" smtClean="0"/>
+              <a:t> may </a:t>
+            </a:r>
+            <a:r>
+              <a:rPr lang="en-US" dirty="0"/>
+              <a:t>cause harm </a:t>
+            </a:r>
+            <a:r>
+              <a:rPr lang="en-US" dirty="0" smtClean="0"/>
+              <a:t>			        to </a:t>
+            </a:r>
+            <a:r>
+              <a:rPr lang="en-US" dirty="0"/>
+              <a:t>the printer’s surroundings; therefore it is </a:t>
+            </a:r>
+            <a:r>
+              <a:rPr lang="en-US" dirty="0" smtClean="0"/>
+              <a:t>important </a:t>
+            </a:r>
+            <a:r>
+              <a:rPr lang="en-US" dirty="0"/>
+              <a:t>to ensure that the </a:t>
+            </a:r>
+            <a:r>
+              <a:rPr lang="en-US" dirty="0" smtClean="0"/>
+              <a:t>			        material </a:t>
+            </a:r>
+            <a:r>
+              <a:rPr lang="en-US" dirty="0"/>
+              <a:t>is only extruded in a specified safe area.</a:t>
+            </a:r>
+          </a:p>
+          <a:p>
+            <a:pPr lvl="1"/>
+            <a:r>
+              <a:rPr lang="en-US" b="1" dirty="0" smtClean="0"/>
+              <a:t>6.2.2</a:t>
+            </a:r>
+            <a:r>
+              <a:rPr lang="en-US" b="1" dirty="0"/>
+              <a:t>	Source:</a:t>
+            </a:r>
+            <a:r>
+              <a:rPr lang="en-US" dirty="0"/>
+              <a:t>  Tim Edmondson (Team Member)</a:t>
+            </a:r>
+          </a:p>
+          <a:p>
+            <a:pPr lvl="1"/>
+            <a:r>
+              <a:rPr lang="en-US" b="1" dirty="0" smtClean="0"/>
+              <a:t>6.2.3</a:t>
+            </a:r>
+            <a:r>
+              <a:rPr lang="en-US" b="1" dirty="0"/>
+              <a:t>	Constraints:</a:t>
+            </a:r>
+            <a:r>
+              <a:rPr lang="en-US" dirty="0"/>
+              <a:t>  None</a:t>
+            </a:r>
+          </a:p>
+          <a:p>
+            <a:pPr lvl="1"/>
+            <a:r>
+              <a:rPr lang="en-US" b="1" dirty="0" smtClean="0"/>
+              <a:t>6.2.4 </a:t>
+            </a:r>
+            <a:r>
+              <a:rPr lang="en-US" b="1" dirty="0"/>
+              <a:t>	Standards:</a:t>
+            </a:r>
+            <a:r>
+              <a:rPr lang="en-US" dirty="0"/>
+              <a:t>  None</a:t>
+            </a:r>
+          </a:p>
+          <a:p>
+            <a:pPr lvl="1"/>
+            <a:r>
+              <a:rPr lang="en-US" b="1" dirty="0" smtClean="0"/>
+              <a:t>6.2.5</a:t>
+            </a:r>
+            <a:r>
+              <a:rPr lang="en-US" b="1" dirty="0"/>
+              <a:t>	Priority:</a:t>
+            </a:r>
+            <a:r>
+              <a:rPr lang="en-US" dirty="0"/>
+              <a:t> 1 – </a:t>
+            </a:r>
+            <a:r>
+              <a:rPr lang="en-US" dirty="0" smtClean="0"/>
+              <a:t>Critical</a:t>
+            </a:r>
             <a:endParaRPr lang="en-US" dirty="0"/>
           </a:p>
         </p:txBody>
@@ -5918,6 +6050,235 @@
 </file>
 
 <file path=ppt/slides/slide20.xml><?xml version="1.0" encoding="utf-8"?>
+<p:sld xmlns:a="http://schemas.openxmlformats.org/drawingml/2006/main" xmlns:r="http://schemas.openxmlformats.org/officeDocument/2006/relationships" xmlns:p="http://schemas.openxmlformats.org/presentationml/2006/main">
+  <p:cSld>
+    <p:spTree>
+      <p:nvGrpSpPr>
+        <p:cNvPr id="1" name=""/>
+        <p:cNvGrpSpPr/>
+        <p:nvPr/>
+      </p:nvGrpSpPr>
+      <p:grpSpPr>
+        <a:xfrm>
+          <a:off x="0" y="0"/>
+          <a:ext cx="0" cy="0"/>
+          <a:chOff x="0" y="0"/>
+          <a:chExt cx="0" cy="0"/>
+        </a:xfrm>
+      </p:grpSpPr>
+      <p:sp>
+        <p:nvSpPr>
+          <p:cNvPr id="2" name="Title 1"/>
+          <p:cNvSpPr>
+            <a:spLocks noGrp="1"/>
+          </p:cNvSpPr>
+          <p:nvPr>
+            <p:ph type="title"/>
+          </p:nvPr>
+        </p:nvSpPr>
+        <p:spPr>
+          <a:xfrm>
+            <a:off x="130628" y="274638"/>
+            <a:ext cx="11462657" cy="1143000"/>
+          </a:xfrm>
+        </p:spPr>
+        <p:txBody>
+          <a:bodyPr/>
+          <a:lstStyle/>
+          <a:p>
+            <a:r>
+              <a:rPr lang="en-US" sz="4500" dirty="0" smtClean="0"/>
+              <a:t>Other </a:t>
+            </a:r>
+            <a:r>
+              <a:rPr lang="en-US" sz="4500" dirty="0" smtClean="0"/>
+              <a:t>Requirements: Maintenance and Support</a:t>
+            </a:r>
+            <a:endParaRPr lang="en-US" sz="4500" dirty="0"/>
+          </a:p>
+        </p:txBody>
+      </p:sp>
+      <p:sp>
+        <p:nvSpPr>
+          <p:cNvPr id="3" name="Content Placeholder 2"/>
+          <p:cNvSpPr>
+            <a:spLocks noGrp="1"/>
+          </p:cNvSpPr>
+          <p:nvPr>
+            <p:ph idx="1"/>
+          </p:nvPr>
+        </p:nvSpPr>
+        <p:spPr>
+          <a:xfrm>
+            <a:off x="609599" y="1284514"/>
+            <a:ext cx="10765971" cy="5334000"/>
+          </a:xfrm>
+        </p:spPr>
+        <p:txBody>
+          <a:bodyPr>
+            <a:normAutofit fontScale="92500" lnSpcReduction="20000"/>
+          </a:bodyPr>
+          <a:lstStyle/>
+          <a:p>
+            <a:r>
+              <a:rPr lang="en-US" b="1" dirty="0"/>
+              <a:t>7.1	 Host Software Manual</a:t>
+            </a:r>
+          </a:p>
+          <a:p>
+            <a:r>
+              <a:rPr lang="en-US" b="1" dirty="0"/>
+              <a:t>	7.1.1	Description</a:t>
+            </a:r>
+            <a:r>
+              <a:rPr lang="en-US" dirty="0"/>
+              <a:t>:  A manual that details the operation of the host software shall be provided.  Here, “host software” is that software which is run on the workstation that generates machine instructions for the printing hardware.  The manual must detail common troubleshooting issues as well as provide basic usage instructions.</a:t>
+            </a:r>
+          </a:p>
+          <a:p>
+            <a:r>
+              <a:rPr lang="en-US" dirty="0"/>
+              <a:t>	</a:t>
+            </a:r>
+            <a:r>
+              <a:rPr lang="en-US" b="1" dirty="0"/>
+              <a:t>7.1.2	Source:</a:t>
+            </a:r>
+            <a:r>
+              <a:rPr lang="en-US" dirty="0"/>
+              <a:t>  Shawn Simonson (Team Member)</a:t>
+            </a:r>
+          </a:p>
+          <a:p>
+            <a:r>
+              <a:rPr lang="en-US" dirty="0"/>
+              <a:t>	</a:t>
+            </a:r>
+            <a:r>
+              <a:rPr lang="en-US" b="1" dirty="0"/>
+              <a:t>7.1.3	Constraints:</a:t>
+            </a:r>
+            <a:r>
+              <a:rPr lang="en-US" dirty="0"/>
+              <a:t>  None</a:t>
+            </a:r>
+          </a:p>
+          <a:p>
+            <a:r>
+              <a:rPr lang="en-US" dirty="0"/>
+              <a:t>	</a:t>
+            </a:r>
+            <a:r>
+              <a:rPr lang="en-US" b="1" dirty="0"/>
+              <a:t>7.1.4 	Standards:</a:t>
+            </a:r>
+            <a:r>
+              <a:rPr lang="en-US" dirty="0"/>
+              <a:t>  None</a:t>
+            </a:r>
+          </a:p>
+          <a:p>
+            <a:r>
+              <a:rPr lang="en-US" dirty="0"/>
+              <a:t>	</a:t>
+            </a:r>
+            <a:r>
+              <a:rPr lang="en-US" b="1" dirty="0"/>
+              <a:t>7.1.5	Priority:</a:t>
+            </a:r>
+            <a:r>
+              <a:rPr lang="en-US" dirty="0"/>
+              <a:t>  1 – Critical</a:t>
+            </a:r>
+          </a:p>
+          <a:p>
+            <a:r>
+              <a:rPr lang="en-US" b="1" dirty="0"/>
+              <a:t>7.2	 Source Code Documentation</a:t>
+            </a:r>
+          </a:p>
+          <a:p>
+            <a:r>
+              <a:rPr lang="en-US" b="1" dirty="0"/>
+              <a:t>	7.2.1	Description</a:t>
+            </a:r>
+            <a:r>
+              <a:rPr lang="en-US" dirty="0"/>
+              <a:t>:  The source code developed by the software team shall be well documented with comments explaining the functionality of all modules and any non-obvious code.  This documentation is intended to support any future development on the system.</a:t>
+            </a:r>
+          </a:p>
+          <a:p>
+            <a:r>
+              <a:rPr lang="en-US" dirty="0"/>
+              <a:t>	</a:t>
+            </a:r>
+            <a:r>
+              <a:rPr lang="en-US" b="1" dirty="0"/>
+              <a:t>7.2.2	Source:</a:t>
+            </a:r>
+            <a:r>
+              <a:rPr lang="en-US" dirty="0"/>
+              <a:t>  Tim Edmondson (Team Member)</a:t>
+            </a:r>
+          </a:p>
+          <a:p>
+            <a:r>
+              <a:rPr lang="en-US" dirty="0"/>
+              <a:t>	</a:t>
+            </a:r>
+            <a:r>
+              <a:rPr lang="en-US" b="1" dirty="0"/>
+              <a:t>7.2.3	Constraints:</a:t>
+            </a:r>
+            <a:r>
+              <a:rPr lang="en-US" dirty="0"/>
+              <a:t>  None</a:t>
+            </a:r>
+          </a:p>
+          <a:p>
+            <a:r>
+              <a:rPr lang="en-US" dirty="0"/>
+              <a:t>	</a:t>
+            </a:r>
+            <a:r>
+              <a:rPr lang="en-US" b="1" dirty="0"/>
+              <a:t>7.2.4 	Standards:</a:t>
+            </a:r>
+            <a:r>
+              <a:rPr lang="en-US" dirty="0"/>
+              <a:t>  None</a:t>
+            </a:r>
+          </a:p>
+          <a:p>
+            <a:r>
+              <a:rPr lang="en-US" dirty="0"/>
+              <a:t>	</a:t>
+            </a:r>
+            <a:r>
+              <a:rPr lang="en-US" b="1" dirty="0"/>
+              <a:t>7.2.5	Priority:</a:t>
+            </a:r>
+            <a:r>
+              <a:rPr lang="en-US" dirty="0"/>
+              <a:t>  2 – High</a:t>
+            </a:r>
+          </a:p>
+        </p:txBody>
+      </p:sp>
+    </p:spTree>
+    <p:extLst>
+      <p:ext uri="{BB962C8B-B14F-4D97-AF65-F5344CB8AC3E}">
+        <p14:creationId xmlns:p14="http://schemas.microsoft.com/office/powerpoint/2010/main" val="2308210321"/>
+      </p:ext>
+    </p:extLst>
+  </p:cSld>
+  <p:clrMapOvr>
+    <a:masterClrMapping/>
+  </p:clrMapOvr>
+</p:sld>
+</file>
+
+<file path=ppt/slides/slide21.xml><?xml version="1.0" encoding="utf-8"?>
 <p:sld xmlns:a="http://schemas.openxmlformats.org/drawingml/2006/main" xmlns:r="http://schemas.openxmlformats.org/officeDocument/2006/relationships" xmlns:p="http://schemas.openxmlformats.org/presentationml/2006/main">
   <p:cSld>
     <p:spTree>
@@ -6024,7 +6385,7 @@
 </p:sld>
 </file>
 
-<file path=ppt/slides/slide21.xml><?xml version="1.0" encoding="utf-8"?>
+<file path=ppt/slides/slide22.xml><?xml version="1.0" encoding="utf-8"?>
 <p:sld xmlns:a="http://schemas.openxmlformats.org/drawingml/2006/main" xmlns:r="http://schemas.openxmlformats.org/officeDocument/2006/relationships" xmlns:p="http://schemas.openxmlformats.org/presentationml/2006/main">
   <p:cSld>
     <p:spTree>
@@ -7764,11 +8125,7 @@
             </a:r>
             <a:r>
               <a:rPr lang="en-US" dirty="0"/>
-              <a:t>  </a:t>
-            </a:r>
-            <a:r>
-              <a:rPr lang="en-US" dirty="0"/>
-              <a:t>Dr. </a:t>
+              <a:t>  Dr. </a:t>
             </a:r>
             <a:r>
               <a:rPr lang="en-US" dirty="0" err="1"/>
@@ -7881,11 +8238,7 @@
             </a:r>
             <a:r>
               <a:rPr lang="en-US" dirty="0"/>
-              <a:t>  </a:t>
-            </a:r>
-            <a:r>
-              <a:rPr lang="en-US" dirty="0"/>
-              <a:t>Dr. </a:t>
+              <a:t>  Dr. </a:t>
             </a:r>
             <a:r>
               <a:rPr lang="en-US" dirty="0" err="1"/>

--- a/SRS Presentation/SRS Presentation.pptx
+++ b/SRS Presentation/SRS Presentation.pptx
@@ -25,8 +25,13 @@
     <p:sldId id="279" r:id="rId19"/>
     <p:sldId id="280" r:id="rId20"/>
     <p:sldId id="281" r:id="rId21"/>
-    <p:sldId id="263" r:id="rId22"/>
-    <p:sldId id="261" r:id="rId23"/>
+    <p:sldId id="282" r:id="rId22"/>
+    <p:sldId id="283" r:id="rId23"/>
+    <p:sldId id="284" r:id="rId24"/>
+    <p:sldId id="285" r:id="rId25"/>
+    <p:sldId id="286" r:id="rId26"/>
+    <p:sldId id="263" r:id="rId27"/>
+    <p:sldId id="261" r:id="rId28"/>
   </p:sldIdLst>
   <p:sldSz cx="12192000" cy="6858000"/>
   <p:notesSz cx="6858000" cy="9144000"/>
@@ -5607,11 +5612,7 @@
           <a:p>
             <a:r>
               <a:rPr lang="en-US" dirty="0" smtClean="0"/>
-              <a:t>Other </a:t>
-            </a:r>
-            <a:r>
-              <a:rPr lang="en-US" dirty="0" smtClean="0"/>
-              <a:t>Requirements : Safety</a:t>
+              <a:t>Other Requirements : Safety</a:t>
             </a:r>
             <a:endParaRPr lang="en-US" dirty="0"/>
           </a:p>
@@ -6088,11 +6089,7 @@
           <a:p>
             <a:r>
               <a:rPr lang="en-US" sz="4500" dirty="0" smtClean="0"/>
-              <a:t>Other </a:t>
-            </a:r>
-            <a:r>
-              <a:rPr lang="en-US" sz="4500" dirty="0" smtClean="0"/>
-              <a:t>Requirements: Maintenance and Support</a:t>
+              <a:t>Other Requirements: Maintenance and Support</a:t>
             </a:r>
             <a:endParaRPr lang="en-US" sz="4500" dirty="0"/>
           </a:p>
@@ -6126,23 +6123,93 @@
             </a:r>
           </a:p>
           <a:p>
-            <a:r>
-              <a:rPr lang="en-US" b="1" dirty="0"/>
-              <a:t>	7.1.1	Description</a:t>
-            </a:r>
-            <a:r>
-              <a:rPr lang="en-US" dirty="0"/>
-              <a:t>:  A manual that details the operation of the host software shall be provided.  Here, “host software” is that software which is run on the workstation that generates machine instructions for the printing hardware.  The manual must detail common troubleshooting issues as well as provide basic usage instructions.</a:t>
-            </a:r>
-          </a:p>
-          <a:p>
-            <a:r>
-              <a:rPr lang="en-US" dirty="0"/>
-              <a:t>	</a:t>
-            </a:r>
-            <a:r>
-              <a:rPr lang="en-US" b="1" dirty="0"/>
-              <a:t>7.1.2	Source:</a:t>
+            <a:pPr lvl="1"/>
+            <a:r>
+              <a:rPr lang="en-US" b="1" dirty="0" smtClean="0"/>
+              <a:t>7.1.1</a:t>
+            </a:r>
+            <a:r>
+              <a:rPr lang="en-US" b="1" dirty="0"/>
+              <a:t>	Description</a:t>
+            </a:r>
+            <a:r>
+              <a:rPr lang="en-US" dirty="0"/>
+              <a:t>:  A manual that details the operation of the host software shall be </a:t>
+            </a:r>
+            <a:r>
+              <a:rPr lang="en-US" dirty="0" smtClean="0"/>
+              <a:t>provided</a:t>
+            </a:r>
+            <a:r>
+              <a:rPr lang="en-US" dirty="0"/>
+              <a:t>.  </a:t>
+            </a:r>
+            <a:r>
+              <a:rPr lang="en-US" dirty="0" smtClean="0"/>
+              <a:t>			       Here</a:t>
+            </a:r>
+            <a:r>
+              <a:rPr lang="en-US" dirty="0"/>
+              <a:t>, “host software” is that software which is run on the </a:t>
+            </a:r>
+            <a:r>
+              <a:rPr lang="en-US" dirty="0" smtClean="0"/>
+              <a:t>workstation </a:t>
+            </a:r>
+            <a:r>
+              <a:rPr lang="en-US" dirty="0"/>
+              <a:t>that </a:t>
+            </a:r>
+            <a:r>
+              <a:rPr lang="en-US" dirty="0" smtClean="0"/>
+              <a:t>			       generates </a:t>
+            </a:r>
+            <a:r>
+              <a:rPr lang="en-US" dirty="0"/>
+              <a:t>machine instructions for the printing </a:t>
+            </a:r>
+            <a:r>
+              <a:rPr lang="en-US" dirty="0" smtClean="0"/>
+              <a:t>hardware</a:t>
+            </a:r>
+            <a:r>
+              <a:rPr lang="en-US" dirty="0"/>
+              <a:t>.  The manual </a:t>
+            </a:r>
+            <a:r>
+              <a:rPr lang="en-US" dirty="0" smtClean="0"/>
+              <a:t>			       must </a:t>
+            </a:r>
+            <a:r>
+              <a:rPr lang="en-US" dirty="0"/>
+              <a:t>detail common troubleshooting issues as </a:t>
+            </a:r>
+            <a:r>
+              <a:rPr lang="en-US" dirty="0" smtClean="0"/>
+              <a:t>well </a:t>
+            </a:r>
+            <a:r>
+              <a:rPr lang="en-US" dirty="0"/>
+              <a:t>as provide basic usage </a:t>
+            </a:r>
+            <a:r>
+              <a:rPr lang="en-US" dirty="0" smtClean="0"/>
+              <a:t>			       instructions</a:t>
+            </a:r>
+            <a:r>
+              <a:rPr lang="en-US" dirty="0"/>
+              <a:t>.</a:t>
+            </a:r>
+          </a:p>
+          <a:p>
+            <a:pPr lvl="1"/>
+            <a:r>
+              <a:rPr lang="en-US" b="1" dirty="0" smtClean="0"/>
+              <a:t>7.1.2</a:t>
+            </a:r>
+            <a:r>
+              <a:rPr lang="en-US" b="1" dirty="0"/>
+              <a:t>	Source:</a:t>
             </a:r>
             <a:r>
               <a:rPr lang="en-US" dirty="0"/>
@@ -6150,13 +6217,14 @@
             </a:r>
           </a:p>
           <a:p>
-            <a:r>
-              <a:rPr lang="en-US" dirty="0"/>
-              <a:t>	</a:t>
-            </a:r>
-            <a:r>
-              <a:rPr lang="en-US" b="1" dirty="0"/>
-              <a:t>7.1.3	Constraints:</a:t>
+            <a:pPr lvl="1"/>
+            <a:r>
+              <a:rPr lang="en-US" b="1" dirty="0" smtClean="0"/>
+              <a:t>7.1.3</a:t>
+            </a:r>
+            <a:r>
+              <a:rPr lang="en-US" b="1" dirty="0"/>
+              <a:t>	Constraints:</a:t>
             </a:r>
             <a:r>
               <a:rPr lang="en-US" dirty="0"/>
@@ -6164,13 +6232,14 @@
             </a:r>
           </a:p>
           <a:p>
-            <a:r>
-              <a:rPr lang="en-US" dirty="0"/>
-              <a:t>	</a:t>
-            </a:r>
-            <a:r>
-              <a:rPr lang="en-US" b="1" dirty="0"/>
-              <a:t>7.1.4 	Standards:</a:t>
+            <a:pPr lvl="1"/>
+            <a:r>
+              <a:rPr lang="en-US" b="1" dirty="0" smtClean="0"/>
+              <a:t>7.1.4 </a:t>
+            </a:r>
+            <a:r>
+              <a:rPr lang="en-US" b="1" dirty="0"/>
+              <a:t>	Standards:</a:t>
             </a:r>
             <a:r>
               <a:rPr lang="en-US" dirty="0"/>
@@ -6178,13 +6247,14 @@
             </a:r>
           </a:p>
           <a:p>
-            <a:r>
-              <a:rPr lang="en-US" dirty="0"/>
-              <a:t>	</a:t>
-            </a:r>
-            <a:r>
-              <a:rPr lang="en-US" b="1" dirty="0"/>
-              <a:t>7.1.5	Priority:</a:t>
+            <a:pPr lvl="1"/>
+            <a:r>
+              <a:rPr lang="en-US" b="1" dirty="0" smtClean="0"/>
+              <a:t>7.1.5</a:t>
+            </a:r>
+            <a:r>
+              <a:rPr lang="en-US" b="1" dirty="0"/>
+              <a:t>	Priority:</a:t>
             </a:r>
             <a:r>
               <a:rPr lang="en-US" dirty="0"/>
@@ -6198,23 +6268,53 @@
             </a:r>
           </a:p>
           <a:p>
-            <a:r>
-              <a:rPr lang="en-US" b="1" dirty="0"/>
-              <a:t>	7.2.1	Description</a:t>
-            </a:r>
-            <a:r>
-              <a:rPr lang="en-US" dirty="0"/>
-              <a:t>:  The source code developed by the software team shall be well documented with comments explaining the functionality of all modules and any non-obvious code.  This documentation is intended to support any future development on the system.</a:t>
-            </a:r>
-          </a:p>
-          <a:p>
-            <a:r>
-              <a:rPr lang="en-US" dirty="0"/>
-              <a:t>	</a:t>
-            </a:r>
-            <a:r>
-              <a:rPr lang="en-US" b="1" dirty="0"/>
-              <a:t>7.2.2	Source:</a:t>
+            <a:pPr lvl="1"/>
+            <a:r>
+              <a:rPr lang="en-US" b="1" dirty="0" smtClean="0"/>
+              <a:t>7.2.1</a:t>
+            </a:r>
+            <a:r>
+              <a:rPr lang="en-US" b="1" dirty="0"/>
+              <a:t>	Description</a:t>
+            </a:r>
+            <a:r>
+              <a:rPr lang="en-US" dirty="0"/>
+              <a:t>:  The source code developed by the software team shall be well documented </a:t>
+            </a:r>
+            <a:r>
+              <a:rPr lang="en-US" dirty="0" smtClean="0"/>
+              <a:t>			       with </a:t>
+            </a:r>
+            <a:r>
+              <a:rPr lang="en-US" dirty="0"/>
+              <a:t>comments explaining the functionality of all modules and any </a:t>
+            </a:r>
+            <a:r>
+              <a:rPr lang="en-US" dirty="0" smtClean="0"/>
+              <a:t>non-			       obvious </a:t>
+            </a:r>
+            <a:r>
+              <a:rPr lang="en-US" dirty="0"/>
+              <a:t>code.  This documentation is intended to support any future </a:t>
+            </a:r>
+            <a:r>
+              <a:rPr lang="en-US" dirty="0" smtClean="0"/>
+              <a:t>				      development </a:t>
+            </a:r>
+            <a:r>
+              <a:rPr lang="en-US" dirty="0"/>
+              <a:t>on the system.</a:t>
+            </a:r>
+          </a:p>
+          <a:p>
+            <a:pPr lvl="1"/>
+            <a:r>
+              <a:rPr lang="en-US" b="1" dirty="0" smtClean="0"/>
+              <a:t>7.2.2</a:t>
+            </a:r>
+            <a:r>
+              <a:rPr lang="en-US" b="1" dirty="0"/>
+              <a:t>	Source:</a:t>
             </a:r>
             <a:r>
               <a:rPr lang="en-US" dirty="0"/>
@@ -6222,13 +6322,14 @@
             </a:r>
           </a:p>
           <a:p>
-            <a:r>
-              <a:rPr lang="en-US" dirty="0"/>
-              <a:t>	</a:t>
-            </a:r>
-            <a:r>
-              <a:rPr lang="en-US" b="1" dirty="0"/>
-              <a:t>7.2.3	Constraints:</a:t>
+            <a:pPr lvl="1"/>
+            <a:r>
+              <a:rPr lang="en-US" b="1" dirty="0" smtClean="0"/>
+              <a:t>7.2.3</a:t>
+            </a:r>
+            <a:r>
+              <a:rPr lang="en-US" b="1" dirty="0"/>
+              <a:t>	Constraints:</a:t>
             </a:r>
             <a:r>
               <a:rPr lang="en-US" dirty="0"/>
@@ -6236,13 +6337,14 @@
             </a:r>
           </a:p>
           <a:p>
-            <a:r>
-              <a:rPr lang="en-US" dirty="0"/>
-              <a:t>	</a:t>
-            </a:r>
-            <a:r>
-              <a:rPr lang="en-US" b="1" dirty="0"/>
-              <a:t>7.2.4 	Standards:</a:t>
+            <a:pPr lvl="1"/>
+            <a:r>
+              <a:rPr lang="en-US" b="1" dirty="0" smtClean="0"/>
+              <a:t>7.2.4 </a:t>
+            </a:r>
+            <a:r>
+              <a:rPr lang="en-US" b="1" dirty="0"/>
+              <a:t>	Standards:</a:t>
             </a:r>
             <a:r>
               <a:rPr lang="en-US" dirty="0"/>
@@ -6250,13 +6352,14 @@
             </a:r>
           </a:p>
           <a:p>
-            <a:r>
-              <a:rPr lang="en-US" dirty="0"/>
-              <a:t>	</a:t>
-            </a:r>
-            <a:r>
-              <a:rPr lang="en-US" b="1" dirty="0"/>
-              <a:t>7.2.5	Priority:</a:t>
+            <a:pPr lvl="1"/>
+            <a:r>
+              <a:rPr lang="en-US" b="1" dirty="0" smtClean="0"/>
+              <a:t>7.2.5</a:t>
+            </a:r>
+            <a:r>
+              <a:rPr lang="en-US" b="1" dirty="0"/>
+              <a:t>	Priority:</a:t>
             </a:r>
             <a:r>
               <a:rPr lang="en-US" dirty="0"/>
@@ -6279,6 +6382,1250 @@
 </file>
 
 <file path=ppt/slides/slide21.xml><?xml version="1.0" encoding="utf-8"?>
+<p:sld xmlns:a="http://schemas.openxmlformats.org/drawingml/2006/main" xmlns:r="http://schemas.openxmlformats.org/officeDocument/2006/relationships" xmlns:p="http://schemas.openxmlformats.org/presentationml/2006/main">
+  <p:cSld>
+    <p:spTree>
+      <p:nvGrpSpPr>
+        <p:cNvPr id="1" name=""/>
+        <p:cNvGrpSpPr/>
+        <p:nvPr/>
+      </p:nvGrpSpPr>
+      <p:grpSpPr>
+        <a:xfrm>
+          <a:off x="0" y="0"/>
+          <a:ext cx="0" cy="0"/>
+          <a:chOff x="0" y="0"/>
+          <a:chExt cx="0" cy="0"/>
+        </a:xfrm>
+      </p:grpSpPr>
+      <p:sp>
+        <p:nvSpPr>
+          <p:cNvPr id="2" name="Title 1"/>
+          <p:cNvSpPr>
+            <a:spLocks noGrp="1"/>
+          </p:cNvSpPr>
+          <p:nvPr>
+            <p:ph type="title"/>
+          </p:nvPr>
+        </p:nvSpPr>
+        <p:spPr>
+          <a:xfrm>
+            <a:off x="130628" y="274638"/>
+            <a:ext cx="11462657" cy="1143000"/>
+          </a:xfrm>
+        </p:spPr>
+        <p:txBody>
+          <a:bodyPr/>
+          <a:lstStyle/>
+          <a:p>
+            <a:r>
+              <a:rPr lang="en-US" sz="4500" dirty="0" smtClean="0"/>
+              <a:t>Other Requirements: Maintenance and Support</a:t>
+            </a:r>
+            <a:endParaRPr lang="en-US" sz="4500" dirty="0"/>
+          </a:p>
+        </p:txBody>
+      </p:sp>
+      <p:sp>
+        <p:nvSpPr>
+          <p:cNvPr id="3" name="Content Placeholder 2"/>
+          <p:cNvSpPr>
+            <a:spLocks noGrp="1"/>
+          </p:cNvSpPr>
+          <p:nvPr>
+            <p:ph idx="1"/>
+          </p:nvPr>
+        </p:nvSpPr>
+        <p:spPr>
+          <a:xfrm>
+            <a:off x="609599" y="1284514"/>
+            <a:ext cx="10765971" cy="5334000"/>
+          </a:xfrm>
+        </p:spPr>
+        <p:txBody>
+          <a:bodyPr>
+            <a:normAutofit/>
+          </a:bodyPr>
+          <a:lstStyle/>
+          <a:p>
+            <a:r>
+              <a:rPr lang="en-US" b="1" dirty="0"/>
+              <a:t>7.3	 Source Code Availability</a:t>
+            </a:r>
+          </a:p>
+          <a:p>
+            <a:pPr lvl="1"/>
+            <a:r>
+              <a:rPr lang="en-US" b="1" dirty="0" smtClean="0"/>
+              <a:t>7.3.1</a:t>
+            </a:r>
+            <a:r>
+              <a:rPr lang="en-US" b="1" dirty="0"/>
+              <a:t>	Description</a:t>
+            </a:r>
+            <a:r>
+              <a:rPr lang="en-US" dirty="0"/>
+              <a:t>:  The source code developed by the software team shall be freely </a:t>
+            </a:r>
+            <a:r>
+              <a:rPr lang="en-US" dirty="0" smtClean="0"/>
+              <a:t>				         available </a:t>
+            </a:r>
+            <a:r>
+              <a:rPr lang="en-US" dirty="0"/>
+              <a:t>to developers and the public. The source code will be hosted </a:t>
+            </a:r>
+            <a:r>
+              <a:rPr lang="en-US" dirty="0" smtClean="0"/>
+              <a:t>			         on </a:t>
+            </a:r>
+            <a:r>
+              <a:rPr lang="en-US" dirty="0"/>
+              <a:t>a public repository.</a:t>
+            </a:r>
+          </a:p>
+          <a:p>
+            <a:pPr lvl="1"/>
+            <a:r>
+              <a:rPr lang="en-US" b="1" dirty="0" smtClean="0"/>
+              <a:t>7.3.2</a:t>
+            </a:r>
+            <a:r>
+              <a:rPr lang="en-US" b="1" dirty="0"/>
+              <a:t>	Source:</a:t>
+            </a:r>
+            <a:r>
+              <a:rPr lang="en-US" dirty="0"/>
+              <a:t>  Shawn Simonson (Team Members)</a:t>
+            </a:r>
+          </a:p>
+          <a:p>
+            <a:pPr lvl="1"/>
+            <a:r>
+              <a:rPr lang="en-US" b="1" dirty="0" smtClean="0"/>
+              <a:t>7.3.3</a:t>
+            </a:r>
+            <a:r>
+              <a:rPr lang="en-US" b="1" dirty="0"/>
+              <a:t>	Constraints:</a:t>
+            </a:r>
+            <a:r>
+              <a:rPr lang="en-US" dirty="0"/>
+              <a:t>  None</a:t>
+            </a:r>
+          </a:p>
+          <a:p>
+            <a:pPr lvl="1"/>
+            <a:r>
+              <a:rPr lang="en-US" b="1" dirty="0" smtClean="0"/>
+              <a:t>7.3.4 </a:t>
+            </a:r>
+            <a:r>
+              <a:rPr lang="en-US" b="1" dirty="0"/>
+              <a:t>	Standards:</a:t>
+            </a:r>
+            <a:r>
+              <a:rPr lang="en-US" dirty="0"/>
+              <a:t>  </a:t>
+            </a:r>
+            <a:r>
+              <a:rPr lang="en-US" dirty="0" err="1"/>
+              <a:t>Git</a:t>
+            </a:r>
+            <a:r>
+              <a:rPr lang="en-US" dirty="0"/>
+              <a:t>, SVN</a:t>
+            </a:r>
+          </a:p>
+          <a:p>
+            <a:pPr lvl="1"/>
+            <a:r>
+              <a:rPr lang="en-US" b="1" dirty="0" smtClean="0"/>
+              <a:t>7.3.5</a:t>
+            </a:r>
+            <a:r>
+              <a:rPr lang="en-US" b="1" dirty="0"/>
+              <a:t>	Priority:</a:t>
+            </a:r>
+            <a:r>
+              <a:rPr lang="en-US" dirty="0"/>
+              <a:t>  2 – </a:t>
+            </a:r>
+            <a:r>
+              <a:rPr lang="en-US" dirty="0" smtClean="0"/>
+              <a:t>High</a:t>
+            </a:r>
+          </a:p>
+          <a:p>
+            <a:pPr lvl="1"/>
+            <a:endParaRPr lang="en-US" dirty="0"/>
+          </a:p>
+        </p:txBody>
+      </p:sp>
+    </p:spTree>
+    <p:extLst>
+      <p:ext uri="{BB962C8B-B14F-4D97-AF65-F5344CB8AC3E}">
+        <p14:creationId xmlns:p14="http://schemas.microsoft.com/office/powerpoint/2010/main" val="2180922343"/>
+      </p:ext>
+    </p:extLst>
+  </p:cSld>
+  <p:clrMapOvr>
+    <a:masterClrMapping/>
+  </p:clrMapOvr>
+</p:sld>
+</file>
+
+<file path=ppt/slides/slide22.xml><?xml version="1.0" encoding="utf-8"?>
+<p:sld xmlns:a="http://schemas.openxmlformats.org/drawingml/2006/main" xmlns:r="http://schemas.openxmlformats.org/officeDocument/2006/relationships" xmlns:p="http://schemas.openxmlformats.org/presentationml/2006/main">
+  <p:cSld>
+    <p:spTree>
+      <p:nvGrpSpPr>
+        <p:cNvPr id="1" name=""/>
+        <p:cNvGrpSpPr/>
+        <p:nvPr/>
+      </p:nvGrpSpPr>
+      <p:grpSpPr>
+        <a:xfrm>
+          <a:off x="0" y="0"/>
+          <a:ext cx="0" cy="0"/>
+          <a:chOff x="0" y="0"/>
+          <a:chExt cx="0" cy="0"/>
+        </a:xfrm>
+      </p:grpSpPr>
+      <p:sp>
+        <p:nvSpPr>
+          <p:cNvPr id="2" name="Title 1"/>
+          <p:cNvSpPr>
+            <a:spLocks noGrp="1"/>
+          </p:cNvSpPr>
+          <p:nvPr>
+            <p:ph type="title"/>
+          </p:nvPr>
+        </p:nvSpPr>
+        <p:spPr>
+          <a:xfrm>
+            <a:off x="130628" y="274638"/>
+            <a:ext cx="11462657" cy="1143000"/>
+          </a:xfrm>
+        </p:spPr>
+        <p:txBody>
+          <a:bodyPr/>
+          <a:lstStyle/>
+          <a:p>
+            <a:r>
+              <a:rPr lang="en-US" sz="4500" dirty="0" smtClean="0"/>
+              <a:t>Other Requirements: </a:t>
+            </a:r>
+            <a:r>
+              <a:rPr lang="en-US" sz="4500" dirty="0" smtClean="0"/>
+              <a:t>Additional</a:t>
+            </a:r>
+            <a:endParaRPr lang="en-US" sz="4500" dirty="0"/>
+          </a:p>
+        </p:txBody>
+      </p:sp>
+      <p:sp>
+        <p:nvSpPr>
+          <p:cNvPr id="3" name="Content Placeholder 2"/>
+          <p:cNvSpPr>
+            <a:spLocks noGrp="1"/>
+          </p:cNvSpPr>
+          <p:nvPr>
+            <p:ph idx="1"/>
+          </p:nvPr>
+        </p:nvSpPr>
+        <p:spPr>
+          <a:xfrm>
+            <a:off x="609599" y="1284514"/>
+            <a:ext cx="10765971" cy="5334000"/>
+          </a:xfrm>
+        </p:spPr>
+        <p:txBody>
+          <a:bodyPr>
+            <a:normAutofit lnSpcReduction="10000"/>
+          </a:bodyPr>
+          <a:lstStyle/>
+          <a:p>
+            <a:r>
+              <a:rPr lang="en-US" b="1" dirty="0"/>
+              <a:t>8.1	Material Database</a:t>
+            </a:r>
+          </a:p>
+          <a:p>
+            <a:pPr lvl="1"/>
+            <a:r>
+              <a:rPr lang="en-US" b="1" dirty="0" smtClean="0"/>
+              <a:t>8.1.1</a:t>
+            </a:r>
+            <a:r>
+              <a:rPr lang="en-US" b="1" dirty="0"/>
+              <a:t>	Description</a:t>
+            </a:r>
+            <a:r>
+              <a:rPr lang="en-US" dirty="0"/>
+              <a:t>:  The system shall have a database that holds information about how the </a:t>
+            </a:r>
+            <a:r>
+              <a:rPr lang="en-US" dirty="0" smtClean="0"/>
+              <a:t>			         material </a:t>
+            </a:r>
+            <a:r>
+              <a:rPr lang="en-US" dirty="0"/>
+              <a:t>is printed.  For each material, the database must hold the </a:t>
+            </a:r>
+            <a:r>
+              <a:rPr lang="en-US" dirty="0" smtClean="0"/>
+              <a:t>			         diameter </a:t>
+            </a:r>
+            <a:r>
+              <a:rPr lang="en-US" dirty="0"/>
+              <a:t>of the material filament and the temperature the filament </a:t>
+            </a:r>
+            <a:r>
+              <a:rPr lang="en-US" dirty="0" smtClean="0"/>
+              <a:t>			         must </a:t>
+            </a:r>
+            <a:r>
+              <a:rPr lang="en-US" dirty="0"/>
+              <a:t>be extruded at.</a:t>
+            </a:r>
+          </a:p>
+          <a:p>
+            <a:pPr lvl="1"/>
+            <a:r>
+              <a:rPr lang="en-US" b="1" dirty="0" smtClean="0"/>
+              <a:t>8.1.2</a:t>
+            </a:r>
+            <a:r>
+              <a:rPr lang="en-US" b="1" dirty="0"/>
+              <a:t>	Source:</a:t>
+            </a:r>
+            <a:r>
+              <a:rPr lang="en-US" dirty="0"/>
+              <a:t>  Dr. </a:t>
+            </a:r>
+            <a:r>
+              <a:rPr lang="en-US" dirty="0" err="1"/>
+              <a:t>Panos</a:t>
+            </a:r>
+            <a:r>
+              <a:rPr lang="en-US" dirty="0"/>
+              <a:t> S. </a:t>
+            </a:r>
+            <a:r>
+              <a:rPr lang="en-US" dirty="0" err="1"/>
+              <a:t>Shiakolas</a:t>
+            </a:r>
+            <a:r>
+              <a:rPr lang="en-US" dirty="0"/>
+              <a:t> (Sponsor)</a:t>
+            </a:r>
+          </a:p>
+          <a:p>
+            <a:pPr lvl="1"/>
+            <a:r>
+              <a:rPr lang="en-US" b="1" dirty="0" smtClean="0"/>
+              <a:t>8.1.3 	Constraints</a:t>
+            </a:r>
+            <a:r>
+              <a:rPr lang="en-US" b="1" dirty="0"/>
+              <a:t>:</a:t>
+            </a:r>
+            <a:r>
+              <a:rPr lang="en-US" dirty="0"/>
+              <a:t>  None</a:t>
+            </a:r>
+          </a:p>
+          <a:p>
+            <a:pPr lvl="1"/>
+            <a:r>
+              <a:rPr lang="en-US" b="1" dirty="0" smtClean="0"/>
+              <a:t>8.1.4	Standards</a:t>
+            </a:r>
+            <a:r>
+              <a:rPr lang="en-US" b="1" dirty="0"/>
+              <a:t>:</a:t>
+            </a:r>
+            <a:r>
+              <a:rPr lang="en-US" dirty="0"/>
+              <a:t>  Binary Text</a:t>
+            </a:r>
+          </a:p>
+          <a:p>
+            <a:pPr lvl="1"/>
+            <a:r>
+              <a:rPr lang="en-US" b="1" dirty="0" smtClean="0"/>
+              <a:t>8.1.5</a:t>
+            </a:r>
+            <a:r>
+              <a:rPr lang="en-US" b="1" dirty="0"/>
+              <a:t>	Priority:</a:t>
+            </a:r>
+            <a:r>
+              <a:rPr lang="en-US" dirty="0"/>
+              <a:t>  1 – Critical</a:t>
+            </a:r>
+          </a:p>
+          <a:p>
+            <a:r>
+              <a:rPr lang="en-US" b="1" dirty="0"/>
+              <a:t>8.2	Abstract Hardware Interface</a:t>
+            </a:r>
+          </a:p>
+          <a:p>
+            <a:pPr lvl="1"/>
+            <a:r>
+              <a:rPr lang="en-US" b="1" dirty="0" smtClean="0"/>
+              <a:t>8.2.1</a:t>
+            </a:r>
+            <a:r>
+              <a:rPr lang="en-US" b="1" dirty="0"/>
+              <a:t>	Description:</a:t>
+            </a:r>
+            <a:r>
+              <a:rPr lang="en-US" dirty="0"/>
+              <a:t> The system shall allow for multiple different printers and multiple </a:t>
+            </a:r>
+            <a:r>
+              <a:rPr lang="en-US" dirty="0" smtClean="0"/>
+              <a:t>				        different </a:t>
+            </a:r>
+            <a:r>
+              <a:rPr lang="en-US" dirty="0"/>
+              <a:t>heads to be used with minimal software change.</a:t>
+            </a:r>
+          </a:p>
+          <a:p>
+            <a:pPr lvl="1"/>
+            <a:r>
+              <a:rPr lang="en-US" b="1" dirty="0" smtClean="0"/>
+              <a:t>8.2.2</a:t>
+            </a:r>
+            <a:r>
+              <a:rPr lang="en-US" b="1" dirty="0"/>
+              <a:t>	Source:</a:t>
+            </a:r>
+            <a:r>
+              <a:rPr lang="en-US" dirty="0"/>
+              <a:t>  Jesse Bowles (Team Member)</a:t>
+            </a:r>
+          </a:p>
+          <a:p>
+            <a:pPr lvl="1"/>
+            <a:r>
+              <a:rPr lang="en-US" b="1" dirty="0" smtClean="0"/>
+              <a:t>8.2.3 	Constraints</a:t>
+            </a:r>
+            <a:r>
+              <a:rPr lang="en-US" b="1" dirty="0"/>
+              <a:t>:</a:t>
+            </a:r>
+            <a:r>
+              <a:rPr lang="en-US" dirty="0"/>
+              <a:t>  Unknown hardware interface </a:t>
+            </a:r>
+          </a:p>
+          <a:p>
+            <a:pPr lvl="1"/>
+            <a:r>
+              <a:rPr lang="en-US" b="1" dirty="0" smtClean="0"/>
+              <a:t>8.2.4 	Standards</a:t>
+            </a:r>
+            <a:r>
+              <a:rPr lang="en-US" b="1" dirty="0"/>
+              <a:t>:</a:t>
+            </a:r>
+            <a:r>
+              <a:rPr lang="en-US" dirty="0"/>
+              <a:t>  None</a:t>
+            </a:r>
+          </a:p>
+          <a:p>
+            <a:pPr lvl="1"/>
+            <a:r>
+              <a:rPr lang="en-US" b="1" dirty="0" smtClean="0"/>
+              <a:t>8.2.5</a:t>
+            </a:r>
+            <a:r>
+              <a:rPr lang="en-US" b="1" dirty="0"/>
+              <a:t>	Priority:</a:t>
+            </a:r>
+            <a:r>
+              <a:rPr lang="en-US" dirty="0"/>
+              <a:t>  1 – Critical</a:t>
+            </a:r>
+          </a:p>
+          <a:p>
+            <a:pPr lvl="1"/>
+            <a:endParaRPr lang="en-US" dirty="0"/>
+          </a:p>
+        </p:txBody>
+      </p:sp>
+    </p:spTree>
+    <p:extLst>
+      <p:ext uri="{BB962C8B-B14F-4D97-AF65-F5344CB8AC3E}">
+        <p14:creationId xmlns:p14="http://schemas.microsoft.com/office/powerpoint/2010/main" val="3885607426"/>
+      </p:ext>
+    </p:extLst>
+  </p:cSld>
+  <p:clrMapOvr>
+    <a:masterClrMapping/>
+  </p:clrMapOvr>
+</p:sld>
+</file>
+
+<file path=ppt/slides/slide23.xml><?xml version="1.0" encoding="utf-8"?>
+<p:sld xmlns:a="http://schemas.openxmlformats.org/drawingml/2006/main" xmlns:r="http://schemas.openxmlformats.org/officeDocument/2006/relationships" xmlns:p="http://schemas.openxmlformats.org/presentationml/2006/main">
+  <p:cSld>
+    <p:spTree>
+      <p:nvGrpSpPr>
+        <p:cNvPr id="1" name=""/>
+        <p:cNvGrpSpPr/>
+        <p:nvPr/>
+      </p:nvGrpSpPr>
+      <p:grpSpPr>
+        <a:xfrm>
+          <a:off x="0" y="0"/>
+          <a:ext cx="0" cy="0"/>
+          <a:chOff x="0" y="0"/>
+          <a:chExt cx="0" cy="0"/>
+        </a:xfrm>
+      </p:grpSpPr>
+      <p:sp>
+        <p:nvSpPr>
+          <p:cNvPr id="2" name="Title 1"/>
+          <p:cNvSpPr>
+            <a:spLocks noGrp="1"/>
+          </p:cNvSpPr>
+          <p:nvPr>
+            <p:ph type="title"/>
+          </p:nvPr>
+        </p:nvSpPr>
+        <p:spPr>
+          <a:xfrm>
+            <a:off x="130628" y="274638"/>
+            <a:ext cx="11462657" cy="1143000"/>
+          </a:xfrm>
+        </p:spPr>
+        <p:txBody>
+          <a:bodyPr/>
+          <a:lstStyle/>
+          <a:p>
+            <a:r>
+              <a:rPr lang="en-US" sz="4500" dirty="0" smtClean="0"/>
+              <a:t>Other Requirements: </a:t>
+            </a:r>
+            <a:r>
+              <a:rPr lang="en-US" sz="4500" dirty="0" smtClean="0"/>
+              <a:t>Additional</a:t>
+            </a:r>
+            <a:endParaRPr lang="en-US" sz="4500" dirty="0"/>
+          </a:p>
+        </p:txBody>
+      </p:sp>
+      <p:sp>
+        <p:nvSpPr>
+          <p:cNvPr id="3" name="Content Placeholder 2"/>
+          <p:cNvSpPr>
+            <a:spLocks noGrp="1"/>
+          </p:cNvSpPr>
+          <p:nvPr>
+            <p:ph idx="1"/>
+          </p:nvPr>
+        </p:nvSpPr>
+        <p:spPr>
+          <a:xfrm>
+            <a:off x="609599" y="1284514"/>
+            <a:ext cx="10765971" cy="5334000"/>
+          </a:xfrm>
+        </p:spPr>
+        <p:txBody>
+          <a:bodyPr>
+            <a:normAutofit/>
+          </a:bodyPr>
+          <a:lstStyle/>
+          <a:p>
+            <a:r>
+              <a:rPr lang="en-US" b="1" dirty="0"/>
+              <a:t>8.3	Modular and Scalable Design</a:t>
+            </a:r>
+          </a:p>
+          <a:p>
+            <a:pPr lvl="1"/>
+            <a:r>
+              <a:rPr lang="en-US" b="1" dirty="0" smtClean="0"/>
+              <a:t>8.3.1</a:t>
+            </a:r>
+            <a:r>
+              <a:rPr lang="en-US" b="1" dirty="0"/>
+              <a:t>	Description:</a:t>
+            </a:r>
+            <a:r>
+              <a:rPr lang="en-US" dirty="0"/>
+              <a:t> The software shall be developed using proven design principles to </a:t>
+            </a:r>
+            <a:r>
+              <a:rPr lang="en-US" dirty="0" smtClean="0"/>
+              <a:t>				        ensure </a:t>
+            </a:r>
+            <a:r>
+              <a:rPr lang="en-US" dirty="0"/>
+              <a:t>that it can be scaled and maintained by future development </a:t>
+            </a:r>
+            <a:r>
+              <a:rPr lang="en-US" dirty="0" smtClean="0"/>
+              <a:t>			        teams</a:t>
+            </a:r>
+            <a:r>
+              <a:rPr lang="en-US" dirty="0"/>
+              <a:t>.</a:t>
+            </a:r>
+          </a:p>
+          <a:p>
+            <a:pPr lvl="1"/>
+            <a:r>
+              <a:rPr lang="en-US" b="1" dirty="0" smtClean="0"/>
+              <a:t>8.3.2</a:t>
+            </a:r>
+            <a:r>
+              <a:rPr lang="en-US" b="1" dirty="0"/>
+              <a:t>	Source:</a:t>
+            </a:r>
+            <a:r>
+              <a:rPr lang="en-US" dirty="0"/>
+              <a:t>  Dr. </a:t>
+            </a:r>
+            <a:r>
+              <a:rPr lang="en-US" dirty="0" err="1"/>
+              <a:t>Panos</a:t>
+            </a:r>
+            <a:r>
+              <a:rPr lang="en-US" dirty="0"/>
+              <a:t> S. </a:t>
+            </a:r>
+            <a:r>
+              <a:rPr lang="en-US" dirty="0" err="1"/>
+              <a:t>Shiakolas</a:t>
+            </a:r>
+            <a:r>
+              <a:rPr lang="en-US" dirty="0"/>
+              <a:t> (Sponsor)</a:t>
+            </a:r>
+          </a:p>
+          <a:p>
+            <a:pPr lvl="1"/>
+            <a:r>
+              <a:rPr lang="en-US" b="1" dirty="0" smtClean="0"/>
+              <a:t>8.3.3 	Constraints</a:t>
+            </a:r>
+            <a:r>
+              <a:rPr lang="en-US" b="1" dirty="0"/>
+              <a:t>:</a:t>
+            </a:r>
+            <a:r>
+              <a:rPr lang="en-US" dirty="0"/>
+              <a:t>  None</a:t>
+            </a:r>
+          </a:p>
+          <a:p>
+            <a:pPr lvl="1"/>
+            <a:r>
+              <a:rPr lang="en-US" b="1" dirty="0" smtClean="0"/>
+              <a:t>8.3.4 	Standards</a:t>
+            </a:r>
+            <a:r>
+              <a:rPr lang="en-US" b="1" dirty="0"/>
+              <a:t>:</a:t>
+            </a:r>
+            <a:r>
+              <a:rPr lang="en-US" dirty="0"/>
+              <a:t>  S.O.L.I.D. Design Principles</a:t>
+            </a:r>
+          </a:p>
+          <a:p>
+            <a:pPr lvl="1"/>
+            <a:r>
+              <a:rPr lang="en-US" b="1" dirty="0" smtClean="0"/>
+              <a:t>8.3.5</a:t>
+            </a:r>
+            <a:r>
+              <a:rPr lang="en-US" b="1" dirty="0"/>
+              <a:t>	Priority:</a:t>
+            </a:r>
+            <a:r>
+              <a:rPr lang="en-US" dirty="0"/>
+              <a:t>  1 – Critical</a:t>
+            </a:r>
+          </a:p>
+          <a:p>
+            <a:pPr lvl="1"/>
+            <a:endParaRPr lang="en-US" dirty="0"/>
+          </a:p>
+        </p:txBody>
+      </p:sp>
+    </p:spTree>
+    <p:extLst>
+      <p:ext uri="{BB962C8B-B14F-4D97-AF65-F5344CB8AC3E}">
+        <p14:creationId xmlns:p14="http://schemas.microsoft.com/office/powerpoint/2010/main" val="3191933334"/>
+      </p:ext>
+    </p:extLst>
+  </p:cSld>
+  <p:clrMapOvr>
+    <a:masterClrMapping/>
+  </p:clrMapOvr>
+</p:sld>
+</file>
+
+<file path=ppt/slides/slide24.xml><?xml version="1.0" encoding="utf-8"?>
+<p:sld xmlns:a="http://schemas.openxmlformats.org/drawingml/2006/main" xmlns:r="http://schemas.openxmlformats.org/officeDocument/2006/relationships" xmlns:p="http://schemas.openxmlformats.org/presentationml/2006/main">
+  <p:cSld>
+    <p:spTree>
+      <p:nvGrpSpPr>
+        <p:cNvPr id="1" name=""/>
+        <p:cNvGrpSpPr/>
+        <p:nvPr/>
+      </p:nvGrpSpPr>
+      <p:grpSpPr>
+        <a:xfrm>
+          <a:off x="0" y="0"/>
+          <a:ext cx="0" cy="0"/>
+          <a:chOff x="0" y="0"/>
+          <a:chExt cx="0" cy="0"/>
+        </a:xfrm>
+      </p:grpSpPr>
+      <p:sp>
+        <p:nvSpPr>
+          <p:cNvPr id="2" name="Title 1"/>
+          <p:cNvSpPr>
+            <a:spLocks noGrp="1"/>
+          </p:cNvSpPr>
+          <p:nvPr>
+            <p:ph type="title"/>
+          </p:nvPr>
+        </p:nvSpPr>
+        <p:spPr>
+          <a:xfrm>
+            <a:off x="130628" y="274638"/>
+            <a:ext cx="11462657" cy="1143000"/>
+          </a:xfrm>
+        </p:spPr>
+        <p:txBody>
+          <a:bodyPr/>
+          <a:lstStyle/>
+          <a:p>
+            <a:r>
+              <a:rPr lang="en-US" sz="4500" dirty="0" smtClean="0"/>
+              <a:t>Other Requirements: </a:t>
+            </a:r>
+            <a:r>
+              <a:rPr lang="en-US" sz="4500" dirty="0" smtClean="0"/>
+              <a:t>Acceptance Criteria</a:t>
+            </a:r>
+            <a:endParaRPr lang="en-US" sz="4500" dirty="0"/>
+          </a:p>
+        </p:txBody>
+      </p:sp>
+      <p:sp>
+        <p:nvSpPr>
+          <p:cNvPr id="3" name="Content Placeholder 2"/>
+          <p:cNvSpPr>
+            <a:spLocks noGrp="1"/>
+          </p:cNvSpPr>
+          <p:nvPr>
+            <p:ph idx="1"/>
+          </p:nvPr>
+        </p:nvSpPr>
+        <p:spPr>
+          <a:xfrm>
+            <a:off x="609599" y="1284514"/>
+            <a:ext cx="10765971" cy="5334000"/>
+          </a:xfrm>
+        </p:spPr>
+        <p:txBody>
+          <a:bodyPr>
+            <a:normAutofit/>
+          </a:bodyPr>
+          <a:lstStyle/>
+          <a:p>
+            <a:r>
+              <a:rPr lang="en-US" b="1" dirty="0"/>
+              <a:t>9.1	Verify that the system reads STL files</a:t>
+            </a:r>
+          </a:p>
+          <a:p>
+            <a:pPr lvl="1"/>
+            <a:r>
+              <a:rPr lang="en-US" b="1" dirty="0" smtClean="0"/>
+              <a:t>9.1.1</a:t>
+            </a:r>
+            <a:r>
+              <a:rPr lang="en-US" b="1" dirty="0"/>
+              <a:t>	Requirement(s) addressed:</a:t>
+            </a:r>
+            <a:r>
+              <a:rPr lang="en-US" dirty="0"/>
+              <a:t>  </a:t>
+            </a:r>
+            <a:endParaRPr lang="en-US" dirty="0" smtClean="0"/>
+          </a:p>
+          <a:p>
+            <a:pPr lvl="2"/>
+            <a:r>
+              <a:rPr lang="en-US" dirty="0" smtClean="0"/>
+              <a:t>3.1 </a:t>
+            </a:r>
+            <a:r>
+              <a:rPr lang="en-US" dirty="0"/>
+              <a:t>– STL File Input</a:t>
+            </a:r>
+          </a:p>
+          <a:p>
+            <a:pPr lvl="1"/>
+            <a:r>
+              <a:rPr lang="en-US" b="1" dirty="0" smtClean="0"/>
+              <a:t>9.1.2</a:t>
+            </a:r>
+            <a:r>
+              <a:rPr lang="en-US" b="1" dirty="0"/>
+              <a:t>	Verification Procedure:</a:t>
+            </a:r>
+            <a:r>
+              <a:rPr lang="en-US" dirty="0"/>
+              <a:t>  The user will be able to see the file has been accepted and </a:t>
+            </a:r>
+            <a:r>
+              <a:rPr lang="en-US" dirty="0" smtClean="0"/>
+              <a:t>				             the </a:t>
+            </a:r>
+            <a:r>
+              <a:rPr lang="en-US" dirty="0"/>
+              <a:t>file name will be displayed in the GUI.</a:t>
+            </a:r>
+          </a:p>
+          <a:p>
+            <a:r>
+              <a:rPr lang="en-US" b="1" dirty="0"/>
+              <a:t>9.2	Verify the database interface</a:t>
+            </a:r>
+          </a:p>
+          <a:p>
+            <a:pPr lvl="1"/>
+            <a:r>
+              <a:rPr lang="en-US" b="1" dirty="0" smtClean="0"/>
+              <a:t>9.2.1</a:t>
+            </a:r>
+            <a:r>
+              <a:rPr lang="en-US" b="1" dirty="0"/>
+              <a:t>	Requirement(s) addressed:</a:t>
+            </a:r>
+            <a:r>
+              <a:rPr lang="en-US" dirty="0"/>
+              <a:t> </a:t>
+            </a:r>
+            <a:endParaRPr lang="en-US" dirty="0" smtClean="0"/>
+          </a:p>
+          <a:p>
+            <a:pPr lvl="3"/>
+            <a:r>
+              <a:rPr lang="en-US" dirty="0" smtClean="0"/>
+              <a:t>3.2 </a:t>
+            </a:r>
+            <a:r>
+              <a:rPr lang="en-US" dirty="0"/>
+              <a:t>– Graphical User </a:t>
+            </a:r>
+            <a:r>
+              <a:rPr lang="en-US" dirty="0" smtClean="0"/>
+              <a:t>Interface</a:t>
+            </a:r>
+          </a:p>
+          <a:p>
+            <a:pPr lvl="3"/>
+            <a:r>
+              <a:rPr lang="en-US" dirty="0" smtClean="0"/>
+              <a:t>3.13 </a:t>
+            </a:r>
+            <a:r>
+              <a:rPr lang="en-US" dirty="0"/>
+              <a:t>– </a:t>
+            </a:r>
+            <a:r>
+              <a:rPr lang="en-US" dirty="0" smtClean="0"/>
+              <a:t>Database Interface</a:t>
+            </a:r>
+          </a:p>
+          <a:p>
+            <a:pPr lvl="3"/>
+            <a:r>
+              <a:rPr lang="en-US" dirty="0" smtClean="0"/>
+              <a:t>3.14 </a:t>
+            </a:r>
+            <a:r>
+              <a:rPr lang="en-US" dirty="0"/>
+              <a:t>– Store and Load Material </a:t>
+            </a:r>
+            <a:r>
+              <a:rPr lang="en-US" dirty="0" smtClean="0"/>
+              <a:t>Records</a:t>
+            </a:r>
+          </a:p>
+          <a:p>
+            <a:pPr lvl="3"/>
+            <a:r>
+              <a:rPr lang="en-US" dirty="0" smtClean="0"/>
+              <a:t>8.1 </a:t>
+            </a:r>
+            <a:r>
+              <a:rPr lang="en-US" dirty="0"/>
+              <a:t>– Material Database</a:t>
+            </a:r>
+          </a:p>
+          <a:p>
+            <a:pPr lvl="1"/>
+            <a:r>
+              <a:rPr lang="en-US" b="1" dirty="0" smtClean="0"/>
+              <a:t>9.2.2</a:t>
+            </a:r>
+            <a:r>
+              <a:rPr lang="en-US" b="1" dirty="0"/>
+              <a:t>	Verification Procedure:</a:t>
+            </a:r>
+            <a:r>
+              <a:rPr lang="en-US" dirty="0"/>
+              <a:t>  The user will load the GUI and click on the view/edit </a:t>
+            </a:r>
+            <a:r>
+              <a:rPr lang="en-US" dirty="0" smtClean="0"/>
+              <a:t>					             database </a:t>
+            </a:r>
+            <a:r>
+              <a:rPr lang="en-US" dirty="0"/>
+              <a:t>button.  The user then will see and be able to edit </a:t>
+            </a:r>
+            <a:r>
+              <a:rPr lang="en-US" dirty="0" smtClean="0"/>
+              <a:t>				             stored </a:t>
+            </a:r>
+            <a:r>
+              <a:rPr lang="en-US" dirty="0"/>
+              <a:t>values.   Upon changing values the user will return to </a:t>
+            </a:r>
+            <a:r>
+              <a:rPr lang="en-US" dirty="0" smtClean="0"/>
+              <a:t>				             the </a:t>
+            </a:r>
+            <a:r>
+              <a:rPr lang="en-US" dirty="0"/>
+              <a:t>main menu.  Clicking on the view/edit button again will </a:t>
+            </a:r>
+            <a:r>
+              <a:rPr lang="en-US" dirty="0" smtClean="0"/>
+              <a:t>				            display </a:t>
+            </a:r>
+            <a:r>
+              <a:rPr lang="en-US" dirty="0"/>
+              <a:t>the edited values.</a:t>
+            </a:r>
+          </a:p>
+          <a:p>
+            <a:pPr lvl="1"/>
+            <a:endParaRPr lang="en-US" dirty="0"/>
+          </a:p>
+        </p:txBody>
+      </p:sp>
+    </p:spTree>
+    <p:extLst>
+      <p:ext uri="{BB962C8B-B14F-4D97-AF65-F5344CB8AC3E}">
+        <p14:creationId xmlns:p14="http://schemas.microsoft.com/office/powerpoint/2010/main" val="2873829836"/>
+      </p:ext>
+    </p:extLst>
+  </p:cSld>
+  <p:clrMapOvr>
+    <a:masterClrMapping/>
+  </p:clrMapOvr>
+</p:sld>
+</file>
+
+<file path=ppt/slides/slide25.xml><?xml version="1.0" encoding="utf-8"?>
+<p:sld xmlns:a="http://schemas.openxmlformats.org/drawingml/2006/main" xmlns:r="http://schemas.openxmlformats.org/officeDocument/2006/relationships" xmlns:p="http://schemas.openxmlformats.org/presentationml/2006/main">
+  <p:cSld>
+    <p:spTree>
+      <p:nvGrpSpPr>
+        <p:cNvPr id="1" name=""/>
+        <p:cNvGrpSpPr/>
+        <p:nvPr/>
+      </p:nvGrpSpPr>
+      <p:grpSpPr>
+        <a:xfrm>
+          <a:off x="0" y="0"/>
+          <a:ext cx="0" cy="0"/>
+          <a:chOff x="0" y="0"/>
+          <a:chExt cx="0" cy="0"/>
+        </a:xfrm>
+      </p:grpSpPr>
+      <p:sp>
+        <p:nvSpPr>
+          <p:cNvPr id="2" name="Title 1"/>
+          <p:cNvSpPr>
+            <a:spLocks noGrp="1"/>
+          </p:cNvSpPr>
+          <p:nvPr>
+            <p:ph type="title"/>
+          </p:nvPr>
+        </p:nvSpPr>
+        <p:spPr>
+          <a:xfrm>
+            <a:off x="130628" y="274638"/>
+            <a:ext cx="11462657" cy="1143000"/>
+          </a:xfrm>
+        </p:spPr>
+        <p:txBody>
+          <a:bodyPr/>
+          <a:lstStyle/>
+          <a:p>
+            <a:r>
+              <a:rPr lang="en-US" sz="4500" dirty="0" smtClean="0"/>
+              <a:t>Other Requirements: </a:t>
+            </a:r>
+            <a:r>
+              <a:rPr lang="en-US" sz="4500" dirty="0" smtClean="0"/>
+              <a:t>Acceptance Criteria</a:t>
+            </a:r>
+            <a:endParaRPr lang="en-US" sz="4500" dirty="0"/>
+          </a:p>
+        </p:txBody>
+      </p:sp>
+      <p:sp>
+        <p:nvSpPr>
+          <p:cNvPr id="3" name="Content Placeholder 2"/>
+          <p:cNvSpPr>
+            <a:spLocks noGrp="1"/>
+          </p:cNvSpPr>
+          <p:nvPr>
+            <p:ph idx="1"/>
+          </p:nvPr>
+        </p:nvSpPr>
+        <p:spPr>
+          <a:xfrm>
+            <a:off x="609599" y="1284514"/>
+            <a:ext cx="10765971" cy="5334000"/>
+          </a:xfrm>
+        </p:spPr>
+        <p:txBody>
+          <a:bodyPr>
+            <a:normAutofit fontScale="92500" lnSpcReduction="10000"/>
+          </a:bodyPr>
+          <a:lstStyle/>
+          <a:p>
+            <a:r>
+              <a:rPr lang="en-US" b="1" dirty="0"/>
+              <a:t>9.3	Verify the system prints a model</a:t>
+            </a:r>
+          </a:p>
+          <a:p>
+            <a:pPr lvl="1"/>
+            <a:r>
+              <a:rPr lang="en-US" b="1" dirty="0" smtClean="0"/>
+              <a:t>9.3.1</a:t>
+            </a:r>
+            <a:r>
+              <a:rPr lang="en-US" b="1" dirty="0"/>
+              <a:t>	Requirement(s) addressed:</a:t>
+            </a:r>
+            <a:r>
+              <a:rPr lang="en-US" dirty="0"/>
+              <a:t>  </a:t>
+            </a:r>
+            <a:endParaRPr lang="en-US" dirty="0" smtClean="0"/>
+          </a:p>
+          <a:p>
+            <a:pPr lvl="2"/>
+            <a:r>
+              <a:rPr lang="en-US" dirty="0" smtClean="0"/>
+              <a:t>3.1 </a:t>
+            </a:r>
+            <a:r>
+              <a:rPr lang="en-US" dirty="0"/>
+              <a:t>– STL File </a:t>
+            </a:r>
+            <a:r>
+              <a:rPr lang="en-US" dirty="0" smtClean="0"/>
+              <a:t>Input					3.3 </a:t>
+            </a:r>
+            <a:r>
+              <a:rPr lang="en-US" dirty="0"/>
+              <a:t>– Generate Machine </a:t>
+            </a:r>
+            <a:r>
+              <a:rPr lang="en-US" dirty="0" smtClean="0"/>
+              <a:t>Instructions</a:t>
+            </a:r>
+          </a:p>
+          <a:p>
+            <a:pPr lvl="2"/>
+            <a:r>
+              <a:rPr lang="en-US" dirty="0" smtClean="0"/>
+              <a:t>3.4 – Issue Machine Instructions			3.6 – Monitor Temperature</a:t>
+            </a:r>
+          </a:p>
+          <a:p>
+            <a:pPr lvl="2"/>
+            <a:r>
+              <a:rPr lang="en-US" dirty="0" smtClean="0"/>
+              <a:t>3.7 – Monitor Position				3.8 – Identify Material Constraints</a:t>
+            </a:r>
+          </a:p>
+          <a:p>
+            <a:pPr lvl="2"/>
+            <a:r>
+              <a:rPr lang="en-US" dirty="0" smtClean="0"/>
+              <a:t>3.9 – Identify Materials				3.10 – Identify Shapes</a:t>
+            </a:r>
+          </a:p>
+          <a:p>
+            <a:pPr lvl="2"/>
+            <a:r>
+              <a:rPr lang="en-US" dirty="0" smtClean="0"/>
+              <a:t>3.11 – Determine Shape of Support Material Structure	3.12 – Create Printing Path</a:t>
+            </a:r>
+          </a:p>
+          <a:p>
+            <a:pPr lvl="2"/>
+            <a:r>
+              <a:rPr lang="en-US" dirty="0" smtClean="0"/>
+              <a:t>3.14 – Store and Load Material Records			3.15 – Slice Geometry into Thickness Levels</a:t>
+            </a:r>
+          </a:p>
+          <a:p>
+            <a:pPr lvl="2"/>
+            <a:r>
+              <a:rPr lang="en-US" dirty="0" smtClean="0"/>
+              <a:t>3.16 – Monitor Flow Sensors 				4.2 – Host Software to Printer Connection</a:t>
+            </a:r>
+          </a:p>
+          <a:p>
+            <a:pPr lvl="1"/>
+            <a:r>
+              <a:rPr lang="en-US" b="1" dirty="0" smtClean="0"/>
+              <a:t>9.3.2</a:t>
+            </a:r>
+            <a:r>
+              <a:rPr lang="en-US" b="1" dirty="0"/>
+              <a:t>	Verification Procedure:</a:t>
+            </a:r>
+            <a:r>
+              <a:rPr lang="en-US" dirty="0"/>
+              <a:t>  The user will load an STL file and click print.  The system will </a:t>
+            </a:r>
+            <a:r>
+              <a:rPr lang="en-US" dirty="0" smtClean="0"/>
+              <a:t>				             then </a:t>
+            </a:r>
+            <a:r>
+              <a:rPr lang="en-US" dirty="0"/>
+              <a:t>print the correct shape and material.</a:t>
+            </a:r>
+          </a:p>
+          <a:p>
+            <a:r>
+              <a:rPr lang="en-US" b="1" dirty="0"/>
+              <a:t>9.4	Verify the system stops printing of out of operational range</a:t>
+            </a:r>
+          </a:p>
+          <a:p>
+            <a:pPr lvl="1"/>
+            <a:r>
+              <a:rPr lang="en-US" b="1" dirty="0" smtClean="0"/>
+              <a:t>9.4.1</a:t>
+            </a:r>
+            <a:r>
+              <a:rPr lang="en-US" b="1" dirty="0"/>
+              <a:t>	Requirement(s) addressed:</a:t>
+            </a:r>
+            <a:r>
+              <a:rPr lang="en-US" dirty="0"/>
+              <a:t>  </a:t>
+            </a:r>
+            <a:endParaRPr lang="en-US" dirty="0" smtClean="0"/>
+          </a:p>
+          <a:p>
+            <a:pPr lvl="2"/>
+            <a:r>
+              <a:rPr lang="en-US" dirty="0" smtClean="0"/>
+              <a:t>6.1 </a:t>
+            </a:r>
+            <a:r>
+              <a:rPr lang="en-US" dirty="0"/>
+              <a:t>– Temperature cutoff </a:t>
+            </a:r>
+            <a:r>
+              <a:rPr lang="en-US" dirty="0" smtClean="0"/>
+              <a:t>threshold			 </a:t>
+            </a:r>
+            <a:r>
+              <a:rPr lang="en-US" dirty="0"/>
+              <a:t>3.16 – Monitor Flow Sensors</a:t>
+            </a:r>
+          </a:p>
+          <a:p>
+            <a:pPr lvl="1"/>
+            <a:r>
+              <a:rPr lang="en-US" b="1" dirty="0" smtClean="0"/>
+              <a:t>9.4.2</a:t>
+            </a:r>
+            <a:r>
+              <a:rPr lang="en-US" b="1" dirty="0"/>
+              <a:t>	Verification Procedure:</a:t>
+            </a:r>
+            <a:r>
+              <a:rPr lang="en-US" dirty="0"/>
+              <a:t>  During a print run a fan will be pointed at the head reducing its </a:t>
+            </a:r>
+            <a:r>
+              <a:rPr lang="en-US" dirty="0" smtClean="0"/>
+              <a:t>				           temperature </a:t>
+            </a:r>
+            <a:r>
+              <a:rPr lang="en-US" dirty="0"/>
+              <a:t>to below specified material requirements and the </a:t>
+            </a:r>
+            <a:r>
+              <a:rPr lang="en-US" dirty="0" smtClean="0"/>
+              <a:t>				           printer </a:t>
+            </a:r>
+            <a:r>
+              <a:rPr lang="en-US" dirty="0"/>
+              <a:t>will stop printing until the temperature is raised to the </a:t>
+            </a:r>
+            <a:r>
+              <a:rPr lang="en-US" dirty="0" smtClean="0"/>
+              <a:t>				           correct </a:t>
+            </a:r>
+            <a:r>
+              <a:rPr lang="en-US" dirty="0"/>
+              <a:t>level.</a:t>
+            </a:r>
+          </a:p>
+          <a:p>
+            <a:pPr lvl="1"/>
+            <a:endParaRPr lang="en-US" dirty="0"/>
+          </a:p>
+        </p:txBody>
+      </p:sp>
+    </p:spTree>
+    <p:extLst>
+      <p:ext uri="{BB962C8B-B14F-4D97-AF65-F5344CB8AC3E}">
+        <p14:creationId xmlns:p14="http://schemas.microsoft.com/office/powerpoint/2010/main" val="4246882689"/>
+      </p:ext>
+    </p:extLst>
+  </p:cSld>
+  <p:clrMapOvr>
+    <a:masterClrMapping/>
+  </p:clrMapOvr>
+</p:sld>
+</file>
+
+<file path=ppt/slides/slide26.xml><?xml version="1.0" encoding="utf-8"?>
 <p:sld xmlns:a="http://schemas.openxmlformats.org/drawingml/2006/main" xmlns:r="http://schemas.openxmlformats.org/officeDocument/2006/relationships" xmlns:p="http://schemas.openxmlformats.org/presentationml/2006/main">
   <p:cSld>
     <p:spTree>
@@ -6385,7 +7732,7 @@
 </p:sld>
 </file>
 
-<file path=ppt/slides/slide22.xml><?xml version="1.0" encoding="utf-8"?>
+<file path=ppt/slides/slide27.xml><?xml version="1.0" encoding="utf-8"?>
 <p:sld xmlns:a="http://schemas.openxmlformats.org/drawingml/2006/main" xmlns:r="http://schemas.openxmlformats.org/officeDocument/2006/relationships" xmlns:p="http://schemas.openxmlformats.org/presentationml/2006/main">
   <p:cSld>
     <p:spTree>

--- a/SRS Presentation/SRS Presentation.pptx
+++ b/SRS Presentation/SRS Presentation.pptx
@@ -36,6 +36,9 @@
     <p:sldId id="288" r:id="rId30"/>
     <p:sldId id="289" r:id="rId31"/>
     <p:sldId id="290" r:id="rId32"/>
+    <p:sldId id="291" r:id="rId33"/>
+    <p:sldId id="292" r:id="rId34"/>
+    <p:sldId id="293" r:id="rId35"/>
   </p:sldIdLst>
   <p:sldSz cx="12192000" cy="6858000"/>
   <p:notesSz cx="6858000" cy="9144000"/>
@@ -136,7 +139,7 @@
   </p:defaultTextStyle>
   <p:extLst>
     <p:ext uri="{EFAFB233-063F-42B5-8137-9DF3F51BA10A}">
-      <p15:sldGuideLst xmlns:p15="http://schemas.microsoft.com/office/powerpoint/2012/main">
+      <p15:sldGuideLst xmlns:p15="http://schemas.microsoft.com/office/powerpoint/2012/main" xmlns="">
         <p15:guide id="1" orient="horz" pos="2160">
           <p15:clr>
             <a:srgbClr val="A4A3A4"/>
@@ -8468,7 +8471,7 @@
             <p:ph idx="1"/>
             <p:extLst>
               <p:ext uri="{D42A27DB-BD31-4B8C-83A1-F6EECF244321}">
-                <p14:modId xmlns:p14="http://schemas.microsoft.com/office/powerpoint/2010/main" val="954283900"/>
+                <p14:modId xmlns:p14="http://schemas.microsoft.com/office/powerpoint/2010/main" val="1191464793"/>
               </p:ext>
             </p:extLst>
           </p:nvPr>
@@ -8999,12 +9002,12 @@
                         </a:spcAft>
                       </a:pPr>
                       <a:r>
-                        <a:rPr lang="en-US" sz="2400">
+                        <a:rPr lang="en-US" sz="2400" dirty="0">
                           <a:effectLst/>
                         </a:rPr>
                         <a:t>Raspberry Pi Model B R2.0</a:t>
                       </a:r>
-                      <a:endParaRPr lang="en-US" sz="2400">
+                      <a:endParaRPr lang="en-US" sz="2400" dirty="0">
                         <a:effectLst/>
                         <a:latin typeface="Times New Roman" panose="02020603050405020304" pitchFamily="18" charset="0"/>
                         <a:ea typeface="Times New Roman" panose="02020603050405020304" pitchFamily="18" charset="0"/>
@@ -9755,12 +9758,12 @@
                         </a:spcAft>
                       </a:pPr>
                       <a:r>
-                        <a:rPr lang="en-US" sz="2400">
+                        <a:rPr lang="en-US" sz="2400" dirty="0">
                           <a:effectLst/>
                         </a:rPr>
                         <a:t>Total</a:t>
                       </a:r>
-                      <a:endParaRPr lang="en-US" sz="2400">
+                      <a:endParaRPr lang="en-US" sz="2400" dirty="0">
                         <a:effectLst/>
                         <a:latin typeface="Times New Roman" panose="02020603050405020304" pitchFamily="18" charset="0"/>
                         <a:ea typeface="Times New Roman" panose="02020603050405020304" pitchFamily="18" charset="0"/>
@@ -9876,13 +9879,5657 @@
           <a:bodyPr/>
           <a:lstStyle/>
           <a:p>
-            <a:endParaRPr lang="en-US"/>
+            <a:r>
+              <a:rPr lang="en-US" dirty="0" smtClean="0"/>
+              <a:t>Feasibility: </a:t>
+            </a:r>
+            <a:r>
+              <a:rPr lang="en-US" dirty="0" smtClean="0"/>
+              <a:t>Size – Function Points</a:t>
+            </a:r>
+            <a:endParaRPr lang="en-US" dirty="0"/>
+          </a:p>
+        </p:txBody>
+      </p:sp>
+      <p:graphicFrame>
+        <p:nvGraphicFramePr>
+          <p:cNvPr id="16" name="Table 15"/>
+          <p:cNvGraphicFramePr>
+            <a:graphicFrameLocks noGrp="1"/>
+          </p:cNvGraphicFramePr>
+          <p:nvPr>
+            <p:extLst>
+              <p:ext uri="{D42A27DB-BD31-4B8C-83A1-F6EECF244321}">
+                <p14:modId xmlns:p14="http://schemas.microsoft.com/office/powerpoint/2010/main" val="2522195874"/>
+              </p:ext>
+            </p:extLst>
+          </p:nvPr>
+        </p:nvGraphicFramePr>
+        <p:xfrm>
+          <a:off x="849089" y="1135581"/>
+          <a:ext cx="8763002" cy="5589701"/>
+        </p:xfrm>
+        <a:graphic>
+          <a:graphicData uri="http://schemas.openxmlformats.org/drawingml/2006/table">
+            <a:tbl>
+              <a:tblPr>
+                <a:tableStyleId>{BC89EF96-8CEA-46FF-86C4-4CE0E7609802}</a:tableStyleId>
+              </a:tblPr>
+              <a:tblGrid>
+                <a:gridCol w="1683447"/>
+                <a:gridCol w="1683447"/>
+                <a:gridCol w="1682629"/>
+                <a:gridCol w="1683447"/>
+                <a:gridCol w="2030032"/>
+              </a:tblGrid>
+              <a:tr h="389686">
+                <a:tc gridSpan="5">
+                  <a:txBody>
+                    <a:bodyPr/>
+                    <a:lstStyle/>
+                    <a:p>
+                      <a:pPr marL="64770" marR="0" algn="ctr">
+                        <a:lnSpc>
+                          <a:spcPts val="1370"/>
+                        </a:lnSpc>
+                        <a:spcBef>
+                          <a:spcPts val="0"/>
+                        </a:spcBef>
+                        <a:spcAft>
+                          <a:spcPts val="0"/>
+                        </a:spcAft>
+                      </a:pPr>
+                      <a:endParaRPr lang="en-US" sz="2000" dirty="0" smtClean="0">
+                        <a:effectLst/>
+                      </a:endParaRPr>
+                    </a:p>
+                    <a:p>
+                      <a:pPr marL="64770" marR="0" algn="ctr">
+                        <a:lnSpc>
+                          <a:spcPts val="1370"/>
+                        </a:lnSpc>
+                        <a:spcBef>
+                          <a:spcPts val="0"/>
+                        </a:spcBef>
+                        <a:spcAft>
+                          <a:spcPts val="0"/>
+                        </a:spcAft>
+                      </a:pPr>
+                      <a:r>
+                        <a:rPr lang="en-US" sz="2000" dirty="0" smtClean="0">
+                          <a:effectLst/>
+                        </a:rPr>
+                        <a:t>Function </a:t>
+                      </a:r>
+                      <a:r>
+                        <a:rPr lang="en-US" sz="2000" dirty="0">
+                          <a:effectLst/>
+                        </a:rPr>
+                        <a:t>Points Analysis</a:t>
+                      </a:r>
+                      <a:endParaRPr lang="en-US" sz="2000" dirty="0">
+                        <a:effectLst/>
+                        <a:latin typeface="Times New Roman"/>
+                        <a:ea typeface="Times New Roman"/>
+                      </a:endParaRPr>
+                    </a:p>
+                  </a:txBody>
+                  <a:tcPr marL="0" marR="0" marT="0" marB="0"/>
+                </a:tc>
+                <a:tc hMerge="1">
+                  <a:txBody>
+                    <a:bodyPr/>
+                    <a:lstStyle/>
+                    <a:p>
+                      <a:endParaRPr lang="en-US"/>
+                    </a:p>
+                  </a:txBody>
+                  <a:tcPr/>
+                </a:tc>
+                <a:tc hMerge="1">
+                  <a:txBody>
+                    <a:bodyPr/>
+                    <a:lstStyle/>
+                    <a:p>
+                      <a:endParaRPr lang="en-US"/>
+                    </a:p>
+                  </a:txBody>
+                  <a:tcPr/>
+                </a:tc>
+                <a:tc hMerge="1">
+                  <a:txBody>
+                    <a:bodyPr/>
+                    <a:lstStyle/>
+                    <a:p>
+                      <a:endParaRPr lang="en-US"/>
+                    </a:p>
+                  </a:txBody>
+                  <a:tcPr/>
+                </a:tc>
+                <a:tc hMerge="1">
+                  <a:txBody>
+                    <a:bodyPr/>
+                    <a:lstStyle/>
+                    <a:p>
+                      <a:endParaRPr lang="en-US"/>
+                    </a:p>
+                  </a:txBody>
+                  <a:tcPr/>
+                </a:tc>
+              </a:tr>
+              <a:tr h="684338">
+                <a:tc>
+                  <a:txBody>
+                    <a:bodyPr/>
+                    <a:lstStyle/>
+                    <a:p>
+                      <a:pPr marL="65405" marR="0">
+                        <a:lnSpc>
+                          <a:spcPts val="1370"/>
+                        </a:lnSpc>
+                        <a:spcBef>
+                          <a:spcPts val="0"/>
+                        </a:spcBef>
+                        <a:spcAft>
+                          <a:spcPts val="0"/>
+                        </a:spcAft>
+                      </a:pPr>
+                      <a:endParaRPr lang="en-US" sz="2000" dirty="0" smtClean="0">
+                        <a:effectLst/>
+                      </a:endParaRPr>
+                    </a:p>
+                    <a:p>
+                      <a:pPr marL="65405" marR="0">
+                        <a:lnSpc>
+                          <a:spcPts val="1370"/>
+                        </a:lnSpc>
+                        <a:spcBef>
+                          <a:spcPts val="0"/>
+                        </a:spcBef>
+                        <a:spcAft>
+                          <a:spcPts val="0"/>
+                        </a:spcAft>
+                      </a:pPr>
+                      <a:r>
+                        <a:rPr lang="en-US" sz="2000" dirty="0" smtClean="0">
+                          <a:effectLst/>
+                        </a:rPr>
+                        <a:t>P</a:t>
+                      </a:r>
+                      <a:r>
+                        <a:rPr lang="en-US" sz="2000" spc="-5" dirty="0" smtClean="0">
+                          <a:effectLst/>
+                        </a:rPr>
+                        <a:t>r</a:t>
+                      </a:r>
+                      <a:r>
+                        <a:rPr lang="en-US" sz="2000" dirty="0" smtClean="0">
+                          <a:effectLst/>
+                        </a:rPr>
+                        <a:t>og</a:t>
+                      </a:r>
+                      <a:r>
+                        <a:rPr lang="en-US" sz="2000" spc="-5" dirty="0" smtClean="0">
+                          <a:effectLst/>
+                        </a:rPr>
+                        <a:t>r</a:t>
+                      </a:r>
+                      <a:r>
+                        <a:rPr lang="en-US" sz="2000" spc="10" dirty="0" smtClean="0">
+                          <a:effectLst/>
+                        </a:rPr>
+                        <a:t>a</a:t>
+                      </a:r>
+                      <a:r>
+                        <a:rPr lang="en-US" sz="2000" dirty="0" smtClean="0">
+                          <a:effectLst/>
+                        </a:rPr>
+                        <a:t>m</a:t>
+                      </a:r>
+                      <a:endParaRPr lang="en-US" sz="2000" dirty="0">
+                        <a:effectLst/>
+                      </a:endParaRPr>
+                    </a:p>
+                    <a:p>
+                      <a:pPr marL="65405" marR="0">
+                        <a:lnSpc>
+                          <a:spcPct val="115000"/>
+                        </a:lnSpc>
+                        <a:spcBef>
+                          <a:spcPts val="205"/>
+                        </a:spcBef>
+                        <a:spcAft>
+                          <a:spcPts val="0"/>
+                        </a:spcAft>
+                      </a:pPr>
+                      <a:r>
+                        <a:rPr lang="en-US" sz="2000" dirty="0">
+                          <a:effectLst/>
+                        </a:rPr>
+                        <a:t>Chara</a:t>
+                      </a:r>
+                      <a:r>
+                        <a:rPr lang="en-US" sz="2000" spc="-5" dirty="0">
+                          <a:effectLst/>
+                        </a:rPr>
+                        <a:t>c</a:t>
+                      </a:r>
+                      <a:r>
+                        <a:rPr lang="en-US" sz="2000" dirty="0">
+                          <a:effectLst/>
+                        </a:rPr>
+                        <a:t>te</a:t>
+                      </a:r>
+                      <a:r>
+                        <a:rPr lang="en-US" sz="2000" spc="-5" dirty="0">
+                          <a:effectLst/>
+                        </a:rPr>
+                        <a:t>r</a:t>
+                      </a:r>
+                      <a:r>
+                        <a:rPr lang="en-US" sz="2000" dirty="0">
+                          <a:effectLst/>
+                        </a:rPr>
+                        <a:t>istic</a:t>
+                      </a:r>
+                      <a:endParaRPr lang="en-US" sz="2000" dirty="0">
+                        <a:effectLst/>
+                        <a:latin typeface="Times New Roman"/>
+                        <a:ea typeface="Times New Roman"/>
+                      </a:endParaRPr>
+                    </a:p>
+                  </a:txBody>
+                  <a:tcPr marL="0" marR="0" marT="0" marB="0"/>
+                </a:tc>
+                <a:tc>
+                  <a:txBody>
+                    <a:bodyPr/>
+                    <a:lstStyle/>
+                    <a:p>
+                      <a:pPr marL="64770" marR="0">
+                        <a:lnSpc>
+                          <a:spcPts val="1370"/>
+                        </a:lnSpc>
+                        <a:spcBef>
+                          <a:spcPts val="0"/>
+                        </a:spcBef>
+                        <a:spcAft>
+                          <a:spcPts val="0"/>
+                        </a:spcAft>
+                      </a:pPr>
+                      <a:endParaRPr lang="en-US" sz="2000" dirty="0" smtClean="0">
+                        <a:effectLst/>
+                      </a:endParaRPr>
+                    </a:p>
+                    <a:p>
+                      <a:pPr marL="64770" marR="0">
+                        <a:lnSpc>
+                          <a:spcPts val="1370"/>
+                        </a:lnSpc>
+                        <a:spcBef>
+                          <a:spcPts val="0"/>
+                        </a:spcBef>
+                        <a:spcAft>
+                          <a:spcPts val="0"/>
+                        </a:spcAft>
+                      </a:pPr>
+                      <a:r>
+                        <a:rPr lang="en-US" sz="2000" dirty="0" smtClean="0">
+                          <a:effectLst/>
+                        </a:rPr>
+                        <a:t>Low</a:t>
+                      </a:r>
+                      <a:endParaRPr lang="en-US" sz="2000" dirty="0">
+                        <a:effectLst/>
+                      </a:endParaRPr>
+                    </a:p>
+                    <a:p>
+                      <a:pPr marL="64770" marR="0">
+                        <a:lnSpc>
+                          <a:spcPct val="115000"/>
+                        </a:lnSpc>
+                        <a:spcBef>
+                          <a:spcPts val="0"/>
+                        </a:spcBef>
+                        <a:spcAft>
+                          <a:spcPts val="0"/>
+                        </a:spcAft>
+                      </a:pPr>
+                      <a:r>
+                        <a:rPr lang="en-US" sz="2000" dirty="0">
+                          <a:effectLst/>
+                        </a:rPr>
+                        <a:t>C</a:t>
+                      </a:r>
+                      <a:r>
+                        <a:rPr lang="en-US" sz="2000" spc="10" dirty="0">
+                          <a:effectLst/>
+                        </a:rPr>
+                        <a:t>o</a:t>
+                      </a:r>
+                      <a:r>
+                        <a:rPr lang="en-US" sz="2000" spc="-15" dirty="0">
+                          <a:effectLst/>
+                        </a:rPr>
+                        <a:t>m</a:t>
+                      </a:r>
+                      <a:r>
+                        <a:rPr lang="en-US" sz="2000" spc="5" dirty="0">
+                          <a:effectLst/>
+                        </a:rPr>
+                        <a:t>p</a:t>
+                      </a:r>
+                      <a:r>
+                        <a:rPr lang="en-US" sz="2000" dirty="0">
+                          <a:effectLst/>
+                        </a:rPr>
+                        <a:t>lexity</a:t>
+                      </a:r>
+                      <a:endParaRPr lang="en-US" sz="2000" dirty="0">
+                        <a:effectLst/>
+                        <a:latin typeface="Times New Roman"/>
+                        <a:ea typeface="Times New Roman"/>
+                      </a:endParaRPr>
+                    </a:p>
+                  </a:txBody>
+                  <a:tcPr marL="0" marR="0" marT="0" marB="0"/>
+                </a:tc>
+                <a:tc>
+                  <a:txBody>
+                    <a:bodyPr/>
+                    <a:lstStyle/>
+                    <a:p>
+                      <a:pPr marL="64770" marR="0">
+                        <a:lnSpc>
+                          <a:spcPts val="1370"/>
+                        </a:lnSpc>
+                        <a:spcBef>
+                          <a:spcPts val="0"/>
+                        </a:spcBef>
+                        <a:spcAft>
+                          <a:spcPts val="0"/>
+                        </a:spcAft>
+                      </a:pPr>
+                      <a:endParaRPr lang="en-US" sz="2000" spc="-5" dirty="0" smtClean="0">
+                        <a:effectLst/>
+                      </a:endParaRPr>
+                    </a:p>
+                    <a:p>
+                      <a:pPr marL="64770" marR="0">
+                        <a:lnSpc>
+                          <a:spcPts val="1370"/>
+                        </a:lnSpc>
+                        <a:spcBef>
+                          <a:spcPts val="0"/>
+                        </a:spcBef>
+                        <a:spcAft>
+                          <a:spcPts val="0"/>
+                        </a:spcAft>
+                      </a:pPr>
+                      <a:r>
+                        <a:rPr lang="en-US" sz="2000" spc="-5" dirty="0" smtClean="0">
+                          <a:effectLst/>
+                        </a:rPr>
+                        <a:t>M</a:t>
+                      </a:r>
+                      <a:r>
+                        <a:rPr lang="en-US" sz="2000" dirty="0" smtClean="0">
+                          <a:effectLst/>
+                        </a:rPr>
+                        <a:t>o</a:t>
+                      </a:r>
+                      <a:r>
+                        <a:rPr lang="en-US" sz="2000" spc="5" dirty="0" smtClean="0">
+                          <a:effectLst/>
+                        </a:rPr>
+                        <a:t>d</a:t>
+                      </a:r>
+                      <a:r>
+                        <a:rPr lang="en-US" sz="2000" spc="-5" dirty="0" smtClean="0">
+                          <a:effectLst/>
+                        </a:rPr>
+                        <a:t>er</a:t>
+                      </a:r>
+                      <a:r>
+                        <a:rPr lang="en-US" sz="2000" dirty="0" smtClean="0">
+                          <a:effectLst/>
+                        </a:rPr>
+                        <a:t>ate</a:t>
+                      </a:r>
+                      <a:endParaRPr lang="en-US" sz="2000" dirty="0">
+                        <a:effectLst/>
+                      </a:endParaRPr>
+                    </a:p>
+                    <a:p>
+                      <a:pPr marL="64770" marR="0">
+                        <a:lnSpc>
+                          <a:spcPct val="115000"/>
+                        </a:lnSpc>
+                        <a:spcBef>
+                          <a:spcPts val="0"/>
+                        </a:spcBef>
+                        <a:spcAft>
+                          <a:spcPts val="0"/>
+                        </a:spcAft>
+                      </a:pPr>
+                      <a:r>
+                        <a:rPr lang="en-US" sz="2000" dirty="0">
+                          <a:effectLst/>
+                        </a:rPr>
+                        <a:t>C</a:t>
+                      </a:r>
+                      <a:r>
+                        <a:rPr lang="en-US" sz="2000" spc="10" dirty="0">
+                          <a:effectLst/>
+                        </a:rPr>
+                        <a:t>o</a:t>
+                      </a:r>
+                      <a:r>
+                        <a:rPr lang="en-US" sz="2000" spc="-15" dirty="0">
+                          <a:effectLst/>
+                        </a:rPr>
+                        <a:t>m</a:t>
+                      </a:r>
+                      <a:r>
+                        <a:rPr lang="en-US" sz="2000" spc="5" dirty="0">
+                          <a:effectLst/>
+                        </a:rPr>
+                        <a:t>p</a:t>
+                      </a:r>
+                      <a:r>
+                        <a:rPr lang="en-US" sz="2000" dirty="0">
+                          <a:effectLst/>
+                        </a:rPr>
+                        <a:t>lexity</a:t>
+                      </a:r>
+                      <a:endParaRPr lang="en-US" sz="2000" dirty="0">
+                        <a:effectLst/>
+                        <a:latin typeface="Times New Roman"/>
+                        <a:ea typeface="Times New Roman"/>
+                      </a:endParaRPr>
+                    </a:p>
+                  </a:txBody>
+                  <a:tcPr marL="0" marR="0" marT="0" marB="0"/>
+                </a:tc>
+                <a:tc>
+                  <a:txBody>
+                    <a:bodyPr/>
+                    <a:lstStyle/>
+                    <a:p>
+                      <a:pPr marL="64770" marR="0">
+                        <a:lnSpc>
+                          <a:spcPts val="1370"/>
+                        </a:lnSpc>
+                        <a:spcBef>
+                          <a:spcPts val="0"/>
+                        </a:spcBef>
+                        <a:spcAft>
+                          <a:spcPts val="0"/>
+                        </a:spcAft>
+                      </a:pPr>
+                      <a:endParaRPr lang="en-US" sz="2000" dirty="0" smtClean="0">
+                        <a:effectLst/>
+                      </a:endParaRPr>
+                    </a:p>
+                    <a:p>
+                      <a:pPr marL="64770" marR="0">
+                        <a:lnSpc>
+                          <a:spcPts val="1370"/>
+                        </a:lnSpc>
+                        <a:spcBef>
+                          <a:spcPts val="0"/>
+                        </a:spcBef>
+                        <a:spcAft>
+                          <a:spcPts val="0"/>
+                        </a:spcAft>
+                      </a:pPr>
+                      <a:r>
+                        <a:rPr lang="en-US" sz="2000" dirty="0" smtClean="0">
+                          <a:effectLst/>
+                        </a:rPr>
+                        <a:t>H</a:t>
+                      </a:r>
+                      <a:r>
+                        <a:rPr lang="en-US" sz="2000" spc="5" dirty="0" smtClean="0">
+                          <a:effectLst/>
+                        </a:rPr>
+                        <a:t>i</a:t>
+                      </a:r>
+                      <a:r>
+                        <a:rPr lang="en-US" sz="2000" dirty="0" smtClean="0">
+                          <a:effectLst/>
+                        </a:rPr>
+                        <a:t>gh</a:t>
+                      </a:r>
+                      <a:endParaRPr lang="en-US" sz="2000" dirty="0">
+                        <a:effectLst/>
+                      </a:endParaRPr>
+                    </a:p>
+                    <a:p>
+                      <a:pPr marL="64770" marR="0">
+                        <a:lnSpc>
+                          <a:spcPct val="115000"/>
+                        </a:lnSpc>
+                        <a:spcBef>
+                          <a:spcPts val="0"/>
+                        </a:spcBef>
+                        <a:spcAft>
+                          <a:spcPts val="0"/>
+                        </a:spcAft>
+                      </a:pPr>
+                      <a:r>
+                        <a:rPr lang="en-US" sz="2000" dirty="0">
+                          <a:effectLst/>
+                        </a:rPr>
+                        <a:t>C</a:t>
+                      </a:r>
+                      <a:r>
+                        <a:rPr lang="en-US" sz="2000" spc="10" dirty="0">
+                          <a:effectLst/>
+                        </a:rPr>
+                        <a:t>o</a:t>
+                      </a:r>
+                      <a:r>
+                        <a:rPr lang="en-US" sz="2000" spc="-15" dirty="0">
+                          <a:effectLst/>
+                        </a:rPr>
+                        <a:t>m</a:t>
+                      </a:r>
+                      <a:r>
+                        <a:rPr lang="en-US" sz="2000" spc="5" dirty="0">
+                          <a:effectLst/>
+                        </a:rPr>
+                        <a:t>p</a:t>
+                      </a:r>
+                      <a:r>
+                        <a:rPr lang="en-US" sz="2000" dirty="0">
+                          <a:effectLst/>
+                        </a:rPr>
+                        <a:t>lexity</a:t>
+                      </a:r>
+                      <a:endParaRPr lang="en-US" sz="2000" dirty="0">
+                        <a:effectLst/>
+                        <a:latin typeface="Times New Roman"/>
+                        <a:ea typeface="Times New Roman"/>
+                      </a:endParaRPr>
+                    </a:p>
+                  </a:txBody>
+                  <a:tcPr marL="0" marR="0" marT="0" marB="0"/>
+                </a:tc>
+                <a:tc>
+                  <a:txBody>
+                    <a:bodyPr/>
+                    <a:lstStyle/>
+                    <a:p>
+                      <a:pPr marL="64770" marR="0">
+                        <a:lnSpc>
+                          <a:spcPts val="1370"/>
+                        </a:lnSpc>
+                        <a:spcBef>
+                          <a:spcPts val="0"/>
+                        </a:spcBef>
+                        <a:spcAft>
+                          <a:spcPts val="0"/>
+                        </a:spcAft>
+                      </a:pPr>
+                      <a:endParaRPr lang="en-US" sz="2000" dirty="0" smtClean="0">
+                        <a:effectLst/>
+                      </a:endParaRPr>
+                    </a:p>
+                    <a:p>
+                      <a:pPr marL="64770" marR="0">
+                        <a:lnSpc>
+                          <a:spcPts val="1370"/>
+                        </a:lnSpc>
+                        <a:spcBef>
+                          <a:spcPts val="0"/>
+                        </a:spcBef>
+                        <a:spcAft>
+                          <a:spcPts val="0"/>
+                        </a:spcAft>
+                      </a:pPr>
+                      <a:r>
+                        <a:rPr lang="en-US" sz="2000" dirty="0" smtClean="0">
+                          <a:effectLst/>
+                        </a:rPr>
+                        <a:t>Fu</a:t>
+                      </a:r>
+                      <a:r>
+                        <a:rPr lang="en-US" sz="2000" spc="5" dirty="0" smtClean="0">
+                          <a:effectLst/>
+                        </a:rPr>
+                        <a:t>n</a:t>
+                      </a:r>
+                      <a:r>
+                        <a:rPr lang="en-US" sz="2000" spc="-5" dirty="0" smtClean="0">
+                          <a:effectLst/>
+                        </a:rPr>
+                        <a:t>c</a:t>
+                      </a:r>
+                      <a:r>
+                        <a:rPr lang="en-US" sz="2000" dirty="0" smtClean="0">
+                          <a:effectLst/>
+                        </a:rPr>
+                        <a:t>tion Poi</a:t>
+                      </a:r>
+                      <a:r>
+                        <a:rPr lang="en-US" sz="2000" spc="5" dirty="0" smtClean="0">
+                          <a:effectLst/>
+                        </a:rPr>
+                        <a:t>n</a:t>
+                      </a:r>
+                      <a:r>
+                        <a:rPr lang="en-US" sz="2000" dirty="0" smtClean="0">
+                          <a:effectLst/>
+                        </a:rPr>
+                        <a:t>t</a:t>
+                      </a:r>
+                      <a:endParaRPr lang="en-US" sz="2000" dirty="0">
+                        <a:effectLst/>
+                      </a:endParaRPr>
+                    </a:p>
+                    <a:p>
+                      <a:pPr marL="64770" marR="0">
+                        <a:lnSpc>
+                          <a:spcPct val="115000"/>
+                        </a:lnSpc>
+                        <a:spcBef>
+                          <a:spcPts val="0"/>
+                        </a:spcBef>
+                        <a:spcAft>
+                          <a:spcPts val="0"/>
+                        </a:spcAft>
+                      </a:pPr>
+                      <a:r>
+                        <a:rPr lang="en-US" sz="2000" dirty="0">
+                          <a:effectLst/>
+                        </a:rPr>
+                        <a:t>Totals</a:t>
+                      </a:r>
+                      <a:endParaRPr lang="en-US" sz="2000" dirty="0">
+                        <a:effectLst/>
+                        <a:latin typeface="Times New Roman"/>
+                        <a:ea typeface="Times New Roman"/>
+                      </a:endParaRPr>
+                    </a:p>
+                  </a:txBody>
+                  <a:tcPr marL="0" marR="0" marT="0" marB="0"/>
+                </a:tc>
+              </a:tr>
+              <a:tr h="534849">
+                <a:tc>
+                  <a:txBody>
+                    <a:bodyPr/>
+                    <a:lstStyle/>
+                    <a:p>
+                      <a:pPr marL="65405" marR="0">
+                        <a:lnSpc>
+                          <a:spcPts val="1370"/>
+                        </a:lnSpc>
+                        <a:spcBef>
+                          <a:spcPts val="0"/>
+                        </a:spcBef>
+                        <a:spcAft>
+                          <a:spcPts val="0"/>
+                        </a:spcAft>
+                      </a:pPr>
+                      <a:endParaRPr lang="en-US" sz="2000" dirty="0" smtClean="0">
+                        <a:effectLst/>
+                      </a:endParaRPr>
+                    </a:p>
+                    <a:p>
+                      <a:pPr marL="65405" marR="0">
+                        <a:lnSpc>
+                          <a:spcPts val="1370"/>
+                        </a:lnSpc>
+                        <a:spcBef>
+                          <a:spcPts val="0"/>
+                        </a:spcBef>
+                        <a:spcAft>
+                          <a:spcPts val="0"/>
+                        </a:spcAft>
+                      </a:pPr>
+                      <a:r>
+                        <a:rPr lang="en-US" sz="2000" dirty="0" smtClean="0">
+                          <a:effectLst/>
+                        </a:rPr>
+                        <a:t>Nu</a:t>
+                      </a:r>
+                      <a:r>
+                        <a:rPr lang="en-US" sz="2000" spc="-15" dirty="0" smtClean="0">
+                          <a:effectLst/>
+                        </a:rPr>
+                        <a:t>m</a:t>
+                      </a:r>
+                      <a:r>
+                        <a:rPr lang="en-US" sz="2000" spc="5" dirty="0" smtClean="0">
+                          <a:effectLst/>
+                        </a:rPr>
+                        <a:t>be</a:t>
+                      </a:r>
+                      <a:r>
+                        <a:rPr lang="en-US" sz="2000" dirty="0" smtClean="0">
+                          <a:effectLst/>
+                        </a:rPr>
+                        <a:t>r</a:t>
+                      </a:r>
+                      <a:r>
+                        <a:rPr lang="en-US" sz="2000" spc="-5" dirty="0" smtClean="0">
+                          <a:effectLst/>
+                        </a:rPr>
+                        <a:t> </a:t>
+                      </a:r>
+                      <a:r>
+                        <a:rPr lang="en-US" sz="2000" dirty="0">
+                          <a:effectLst/>
+                        </a:rPr>
+                        <a:t>of</a:t>
+                      </a:r>
+                      <a:r>
+                        <a:rPr lang="en-US" sz="2000" spc="5" dirty="0">
+                          <a:effectLst/>
+                        </a:rPr>
+                        <a:t> </a:t>
+                      </a:r>
+                      <a:r>
+                        <a:rPr lang="en-US" sz="2000" dirty="0">
+                          <a:effectLst/>
+                        </a:rPr>
+                        <a:t>I</a:t>
+                      </a:r>
+                      <a:r>
+                        <a:rPr lang="en-US" sz="2000" spc="5" dirty="0">
+                          <a:effectLst/>
+                        </a:rPr>
+                        <a:t>npu</a:t>
+                      </a:r>
+                      <a:r>
+                        <a:rPr lang="en-US" sz="2000" dirty="0">
+                          <a:effectLst/>
+                        </a:rPr>
+                        <a:t>ts</a:t>
+                      </a:r>
+                      <a:endParaRPr lang="en-US" sz="2000" dirty="0">
+                        <a:effectLst/>
+                        <a:latin typeface="Times New Roman"/>
+                        <a:ea typeface="Times New Roman"/>
+                      </a:endParaRPr>
+                    </a:p>
+                  </a:txBody>
+                  <a:tcPr marL="0" marR="0" marT="0" marB="0"/>
+                </a:tc>
+                <a:tc>
+                  <a:txBody>
+                    <a:bodyPr/>
+                    <a:lstStyle/>
+                    <a:p>
+                      <a:pPr marL="64770" marR="0">
+                        <a:lnSpc>
+                          <a:spcPts val="1345"/>
+                        </a:lnSpc>
+                        <a:spcBef>
+                          <a:spcPts val="0"/>
+                        </a:spcBef>
+                        <a:spcAft>
+                          <a:spcPts val="0"/>
+                        </a:spcAft>
+                      </a:pPr>
+                      <a:endParaRPr lang="en-US" sz="2000" dirty="0" smtClean="0">
+                        <a:effectLst/>
+                      </a:endParaRPr>
+                    </a:p>
+                    <a:p>
+                      <a:pPr marL="64770" marR="0">
+                        <a:lnSpc>
+                          <a:spcPts val="1345"/>
+                        </a:lnSpc>
+                        <a:spcBef>
+                          <a:spcPts val="0"/>
+                        </a:spcBef>
+                        <a:spcAft>
+                          <a:spcPts val="0"/>
+                        </a:spcAft>
+                      </a:pPr>
+                      <a:r>
+                        <a:rPr lang="en-US" sz="2000" dirty="0" smtClean="0">
+                          <a:effectLst/>
+                        </a:rPr>
+                        <a:t>12*3</a:t>
+                      </a:r>
+                      <a:endParaRPr lang="en-US" sz="2000" dirty="0">
+                        <a:effectLst/>
+                        <a:latin typeface="Times New Roman"/>
+                        <a:ea typeface="Times New Roman"/>
+                      </a:endParaRPr>
+                    </a:p>
+                  </a:txBody>
+                  <a:tcPr marL="0" marR="0" marT="0" marB="0"/>
+                </a:tc>
+                <a:tc>
+                  <a:txBody>
+                    <a:bodyPr/>
+                    <a:lstStyle/>
+                    <a:p>
+                      <a:pPr marL="64770" marR="0">
+                        <a:lnSpc>
+                          <a:spcPts val="1345"/>
+                        </a:lnSpc>
+                        <a:spcBef>
+                          <a:spcPts val="0"/>
+                        </a:spcBef>
+                        <a:spcAft>
+                          <a:spcPts val="0"/>
+                        </a:spcAft>
+                      </a:pPr>
+                      <a:endParaRPr lang="en-US" sz="2000" dirty="0" smtClean="0">
+                        <a:effectLst/>
+                      </a:endParaRPr>
+                    </a:p>
+                    <a:p>
+                      <a:pPr marL="64770" marR="0">
+                        <a:lnSpc>
+                          <a:spcPts val="1345"/>
+                        </a:lnSpc>
+                        <a:spcBef>
+                          <a:spcPts val="0"/>
+                        </a:spcBef>
+                        <a:spcAft>
+                          <a:spcPts val="0"/>
+                        </a:spcAft>
+                      </a:pPr>
+                      <a:r>
+                        <a:rPr lang="en-US" sz="2000" dirty="0" smtClean="0">
+                          <a:effectLst/>
+                        </a:rPr>
+                        <a:t>1*4</a:t>
+                      </a:r>
+                      <a:endParaRPr lang="en-US" sz="2000" dirty="0">
+                        <a:effectLst/>
+                        <a:latin typeface="Times New Roman"/>
+                        <a:ea typeface="Times New Roman"/>
+                      </a:endParaRPr>
+                    </a:p>
+                  </a:txBody>
+                  <a:tcPr marL="0" marR="0" marT="0" marB="0"/>
+                </a:tc>
+                <a:tc>
+                  <a:txBody>
+                    <a:bodyPr/>
+                    <a:lstStyle/>
+                    <a:p>
+                      <a:pPr marL="64770" marR="0">
+                        <a:lnSpc>
+                          <a:spcPts val="1345"/>
+                        </a:lnSpc>
+                        <a:spcBef>
+                          <a:spcPts val="0"/>
+                        </a:spcBef>
+                        <a:spcAft>
+                          <a:spcPts val="0"/>
+                        </a:spcAft>
+                      </a:pPr>
+                      <a:endParaRPr lang="en-US" sz="2000" dirty="0" smtClean="0">
+                        <a:effectLst/>
+                      </a:endParaRPr>
+                    </a:p>
+                    <a:p>
+                      <a:pPr marL="64770" marR="0">
+                        <a:lnSpc>
+                          <a:spcPts val="1345"/>
+                        </a:lnSpc>
+                        <a:spcBef>
+                          <a:spcPts val="0"/>
+                        </a:spcBef>
+                        <a:spcAft>
+                          <a:spcPts val="0"/>
+                        </a:spcAft>
+                      </a:pPr>
+                      <a:r>
+                        <a:rPr lang="en-US" sz="2000" dirty="0" smtClean="0">
+                          <a:effectLst/>
+                        </a:rPr>
+                        <a:t>2*6</a:t>
+                      </a:r>
+                      <a:endParaRPr lang="en-US" sz="2000" dirty="0">
+                        <a:effectLst/>
+                        <a:latin typeface="Times New Roman"/>
+                        <a:ea typeface="Times New Roman"/>
+                      </a:endParaRPr>
+                    </a:p>
+                  </a:txBody>
+                  <a:tcPr marL="0" marR="0" marT="0" marB="0"/>
+                </a:tc>
+                <a:tc>
+                  <a:txBody>
+                    <a:bodyPr/>
+                    <a:lstStyle/>
+                    <a:p>
+                      <a:pPr marL="64770" marR="0">
+                        <a:lnSpc>
+                          <a:spcPts val="1345"/>
+                        </a:lnSpc>
+                        <a:spcBef>
+                          <a:spcPts val="0"/>
+                        </a:spcBef>
+                        <a:spcAft>
+                          <a:spcPts val="0"/>
+                        </a:spcAft>
+                      </a:pPr>
+                      <a:endParaRPr lang="en-US" sz="2000" dirty="0" smtClean="0">
+                        <a:effectLst/>
+                      </a:endParaRPr>
+                    </a:p>
+                    <a:p>
+                      <a:pPr marL="64770" marR="0">
+                        <a:lnSpc>
+                          <a:spcPts val="1345"/>
+                        </a:lnSpc>
+                        <a:spcBef>
+                          <a:spcPts val="0"/>
+                        </a:spcBef>
+                        <a:spcAft>
+                          <a:spcPts val="0"/>
+                        </a:spcAft>
+                      </a:pPr>
+                      <a:r>
+                        <a:rPr lang="en-US" sz="2000" dirty="0" smtClean="0">
+                          <a:effectLst/>
+                        </a:rPr>
+                        <a:t>52</a:t>
+                      </a:r>
+                      <a:endParaRPr lang="en-US" sz="2000" dirty="0">
+                        <a:effectLst/>
+                        <a:latin typeface="Times New Roman"/>
+                        <a:ea typeface="Times New Roman"/>
+                      </a:endParaRPr>
+                    </a:p>
+                  </a:txBody>
+                  <a:tcPr marL="0" marR="0" marT="0" marB="0"/>
+                </a:tc>
+              </a:tr>
+              <a:tr h="684338">
+                <a:tc>
+                  <a:txBody>
+                    <a:bodyPr/>
+                    <a:lstStyle/>
+                    <a:p>
+                      <a:pPr marL="65405" marR="0">
+                        <a:lnSpc>
+                          <a:spcPts val="1370"/>
+                        </a:lnSpc>
+                        <a:spcBef>
+                          <a:spcPts val="0"/>
+                        </a:spcBef>
+                        <a:spcAft>
+                          <a:spcPts val="0"/>
+                        </a:spcAft>
+                      </a:pPr>
+                      <a:endParaRPr lang="en-US" sz="2000" dirty="0" smtClean="0">
+                        <a:effectLst/>
+                      </a:endParaRPr>
+                    </a:p>
+                    <a:p>
+                      <a:pPr marL="65405" marR="0">
+                        <a:lnSpc>
+                          <a:spcPts val="1370"/>
+                        </a:lnSpc>
+                        <a:spcBef>
+                          <a:spcPts val="0"/>
+                        </a:spcBef>
+                        <a:spcAft>
+                          <a:spcPts val="0"/>
+                        </a:spcAft>
+                      </a:pPr>
+                      <a:r>
+                        <a:rPr lang="en-US" sz="2000" dirty="0" smtClean="0">
+                          <a:effectLst/>
+                        </a:rPr>
+                        <a:t>Nu</a:t>
+                      </a:r>
+                      <a:r>
+                        <a:rPr lang="en-US" sz="2000" spc="-15" dirty="0" smtClean="0">
+                          <a:effectLst/>
+                        </a:rPr>
+                        <a:t>m</a:t>
+                      </a:r>
+                      <a:r>
+                        <a:rPr lang="en-US" sz="2000" spc="5" dirty="0" smtClean="0">
+                          <a:effectLst/>
+                        </a:rPr>
+                        <a:t>be</a:t>
+                      </a:r>
+                      <a:r>
+                        <a:rPr lang="en-US" sz="2000" dirty="0" smtClean="0">
+                          <a:effectLst/>
+                        </a:rPr>
+                        <a:t>r</a:t>
+                      </a:r>
+                      <a:r>
+                        <a:rPr lang="en-US" sz="2000" spc="-5" dirty="0" smtClean="0">
+                          <a:effectLst/>
+                        </a:rPr>
+                        <a:t> </a:t>
+                      </a:r>
+                      <a:r>
+                        <a:rPr lang="en-US" sz="2000" dirty="0">
+                          <a:effectLst/>
+                        </a:rPr>
+                        <a:t>of</a:t>
+                      </a:r>
+                    </a:p>
+                    <a:p>
+                      <a:pPr marL="65405" marR="0">
+                        <a:lnSpc>
+                          <a:spcPct val="115000"/>
+                        </a:lnSpc>
+                        <a:spcBef>
+                          <a:spcPts val="205"/>
+                        </a:spcBef>
+                        <a:spcAft>
+                          <a:spcPts val="0"/>
+                        </a:spcAft>
+                      </a:pPr>
+                      <a:r>
+                        <a:rPr lang="en-US" sz="2000" dirty="0">
+                          <a:effectLst/>
+                        </a:rPr>
+                        <a:t>O</a:t>
+                      </a:r>
+                      <a:r>
+                        <a:rPr lang="en-US" sz="2000" spc="5" dirty="0">
+                          <a:effectLst/>
+                        </a:rPr>
+                        <a:t>u</a:t>
+                      </a:r>
+                      <a:r>
+                        <a:rPr lang="en-US" sz="2000" dirty="0">
+                          <a:effectLst/>
+                        </a:rPr>
+                        <a:t>tp</a:t>
+                      </a:r>
+                      <a:r>
+                        <a:rPr lang="en-US" sz="2000" spc="5" dirty="0">
+                          <a:effectLst/>
+                        </a:rPr>
+                        <a:t>u</a:t>
+                      </a:r>
+                      <a:r>
+                        <a:rPr lang="en-US" sz="2000" dirty="0">
+                          <a:effectLst/>
+                        </a:rPr>
+                        <a:t>ts</a:t>
+                      </a:r>
+                      <a:endParaRPr lang="en-US" sz="2000" dirty="0">
+                        <a:effectLst/>
+                        <a:latin typeface="Times New Roman"/>
+                        <a:ea typeface="Times New Roman"/>
+                      </a:endParaRPr>
+                    </a:p>
+                  </a:txBody>
+                  <a:tcPr marL="0" marR="0" marT="0" marB="0"/>
+                </a:tc>
+                <a:tc>
+                  <a:txBody>
+                    <a:bodyPr/>
+                    <a:lstStyle/>
+                    <a:p>
+                      <a:pPr marL="64770" marR="0">
+                        <a:lnSpc>
+                          <a:spcPts val="1345"/>
+                        </a:lnSpc>
+                        <a:spcBef>
+                          <a:spcPts val="0"/>
+                        </a:spcBef>
+                        <a:spcAft>
+                          <a:spcPts val="0"/>
+                        </a:spcAft>
+                      </a:pPr>
+                      <a:endParaRPr lang="en-US" sz="2000" dirty="0" smtClean="0">
+                        <a:effectLst/>
+                      </a:endParaRPr>
+                    </a:p>
+                    <a:p>
+                      <a:pPr marL="64770" marR="0">
+                        <a:lnSpc>
+                          <a:spcPts val="1345"/>
+                        </a:lnSpc>
+                        <a:spcBef>
+                          <a:spcPts val="0"/>
+                        </a:spcBef>
+                        <a:spcAft>
+                          <a:spcPts val="0"/>
+                        </a:spcAft>
+                      </a:pPr>
+                      <a:r>
+                        <a:rPr lang="en-US" sz="2000" dirty="0" smtClean="0">
+                          <a:effectLst/>
+                        </a:rPr>
+                        <a:t>2*4</a:t>
+                      </a:r>
+                      <a:endParaRPr lang="en-US" sz="2000" dirty="0">
+                        <a:effectLst/>
+                        <a:latin typeface="Times New Roman"/>
+                        <a:ea typeface="Times New Roman"/>
+                      </a:endParaRPr>
+                    </a:p>
+                  </a:txBody>
+                  <a:tcPr marL="0" marR="0" marT="0" marB="0"/>
+                </a:tc>
+                <a:tc>
+                  <a:txBody>
+                    <a:bodyPr/>
+                    <a:lstStyle/>
+                    <a:p>
+                      <a:pPr marL="64770" marR="0">
+                        <a:lnSpc>
+                          <a:spcPts val="1345"/>
+                        </a:lnSpc>
+                        <a:spcBef>
+                          <a:spcPts val="0"/>
+                        </a:spcBef>
+                        <a:spcAft>
+                          <a:spcPts val="0"/>
+                        </a:spcAft>
+                      </a:pPr>
+                      <a:endParaRPr lang="en-US" sz="2000" dirty="0" smtClean="0">
+                        <a:effectLst/>
+                      </a:endParaRPr>
+                    </a:p>
+                    <a:p>
+                      <a:pPr marL="64770" marR="0">
+                        <a:lnSpc>
+                          <a:spcPts val="1345"/>
+                        </a:lnSpc>
+                        <a:spcBef>
+                          <a:spcPts val="0"/>
+                        </a:spcBef>
+                        <a:spcAft>
+                          <a:spcPts val="0"/>
+                        </a:spcAft>
+                      </a:pPr>
+                      <a:r>
+                        <a:rPr lang="en-US" sz="2000" dirty="0" smtClean="0">
+                          <a:effectLst/>
+                        </a:rPr>
+                        <a:t>0*5</a:t>
+                      </a:r>
+                      <a:endParaRPr lang="en-US" sz="2000" dirty="0">
+                        <a:effectLst/>
+                        <a:latin typeface="Times New Roman"/>
+                        <a:ea typeface="Times New Roman"/>
+                      </a:endParaRPr>
+                    </a:p>
+                  </a:txBody>
+                  <a:tcPr marL="0" marR="0" marT="0" marB="0"/>
+                </a:tc>
+                <a:tc>
+                  <a:txBody>
+                    <a:bodyPr/>
+                    <a:lstStyle/>
+                    <a:p>
+                      <a:pPr marL="64770" marR="0">
+                        <a:lnSpc>
+                          <a:spcPts val="1345"/>
+                        </a:lnSpc>
+                        <a:spcBef>
+                          <a:spcPts val="0"/>
+                        </a:spcBef>
+                        <a:spcAft>
+                          <a:spcPts val="0"/>
+                        </a:spcAft>
+                      </a:pPr>
+                      <a:endParaRPr lang="en-US" sz="2000" dirty="0" smtClean="0">
+                        <a:effectLst/>
+                      </a:endParaRPr>
+                    </a:p>
+                    <a:p>
+                      <a:pPr marL="64770" marR="0">
+                        <a:lnSpc>
+                          <a:spcPts val="1345"/>
+                        </a:lnSpc>
+                        <a:spcBef>
+                          <a:spcPts val="0"/>
+                        </a:spcBef>
+                        <a:spcAft>
+                          <a:spcPts val="0"/>
+                        </a:spcAft>
+                      </a:pPr>
+                      <a:r>
+                        <a:rPr lang="en-US" sz="2000" dirty="0" smtClean="0">
+                          <a:effectLst/>
+                        </a:rPr>
+                        <a:t>4*7</a:t>
+                      </a:r>
+                      <a:endParaRPr lang="en-US" sz="2000" dirty="0">
+                        <a:effectLst/>
+                        <a:latin typeface="Times New Roman"/>
+                        <a:ea typeface="Times New Roman"/>
+                      </a:endParaRPr>
+                    </a:p>
+                  </a:txBody>
+                  <a:tcPr marL="0" marR="0" marT="0" marB="0"/>
+                </a:tc>
+                <a:tc>
+                  <a:txBody>
+                    <a:bodyPr/>
+                    <a:lstStyle/>
+                    <a:p>
+                      <a:pPr marL="64770" marR="0">
+                        <a:lnSpc>
+                          <a:spcPts val="1345"/>
+                        </a:lnSpc>
+                        <a:spcBef>
+                          <a:spcPts val="0"/>
+                        </a:spcBef>
+                        <a:spcAft>
+                          <a:spcPts val="0"/>
+                        </a:spcAft>
+                      </a:pPr>
+                      <a:endParaRPr lang="en-US" sz="2000" dirty="0" smtClean="0">
+                        <a:effectLst/>
+                      </a:endParaRPr>
+                    </a:p>
+                    <a:p>
+                      <a:pPr marL="64770" marR="0">
+                        <a:lnSpc>
+                          <a:spcPts val="1345"/>
+                        </a:lnSpc>
+                        <a:spcBef>
+                          <a:spcPts val="0"/>
+                        </a:spcBef>
+                        <a:spcAft>
+                          <a:spcPts val="0"/>
+                        </a:spcAft>
+                      </a:pPr>
+                      <a:r>
+                        <a:rPr lang="en-US" sz="2000" dirty="0" smtClean="0">
+                          <a:effectLst/>
+                        </a:rPr>
+                        <a:t>36</a:t>
+                      </a:r>
+                      <a:endParaRPr lang="en-US" sz="2000" dirty="0">
+                        <a:effectLst/>
+                        <a:latin typeface="Times New Roman"/>
+                        <a:ea typeface="Times New Roman"/>
+                      </a:endParaRPr>
+                    </a:p>
+                  </a:txBody>
+                  <a:tcPr marL="0" marR="0" marT="0" marB="0"/>
+                </a:tc>
+              </a:tr>
+              <a:tr h="363305">
+                <a:tc>
+                  <a:txBody>
+                    <a:bodyPr/>
+                    <a:lstStyle/>
+                    <a:p>
+                      <a:pPr marL="65405" marR="0">
+                        <a:lnSpc>
+                          <a:spcPts val="1370"/>
+                        </a:lnSpc>
+                        <a:spcBef>
+                          <a:spcPts val="0"/>
+                        </a:spcBef>
+                        <a:spcAft>
+                          <a:spcPts val="0"/>
+                        </a:spcAft>
+                      </a:pPr>
+                      <a:endParaRPr lang="en-US" sz="2000" dirty="0" smtClean="0">
+                        <a:effectLst/>
+                      </a:endParaRPr>
+                    </a:p>
+                    <a:p>
+                      <a:pPr marL="65405" marR="0">
+                        <a:lnSpc>
+                          <a:spcPts val="1370"/>
+                        </a:lnSpc>
+                        <a:spcBef>
+                          <a:spcPts val="0"/>
+                        </a:spcBef>
+                        <a:spcAft>
+                          <a:spcPts val="0"/>
+                        </a:spcAft>
+                      </a:pPr>
+                      <a:r>
+                        <a:rPr lang="en-US" sz="2000" dirty="0" smtClean="0">
+                          <a:effectLst/>
+                        </a:rPr>
+                        <a:t>I</a:t>
+                      </a:r>
+                      <a:r>
+                        <a:rPr lang="en-US" sz="2000" spc="5" dirty="0" smtClean="0">
+                          <a:effectLst/>
+                        </a:rPr>
+                        <a:t>nqu</a:t>
+                      </a:r>
+                      <a:r>
+                        <a:rPr lang="en-US" sz="2000" dirty="0" smtClean="0">
+                          <a:effectLst/>
+                        </a:rPr>
+                        <a:t>iri</a:t>
+                      </a:r>
+                      <a:r>
+                        <a:rPr lang="en-US" sz="2000" spc="-5" dirty="0" smtClean="0">
+                          <a:effectLst/>
+                        </a:rPr>
+                        <a:t>e</a:t>
+                      </a:r>
+                      <a:r>
+                        <a:rPr lang="en-US" sz="2000" dirty="0" smtClean="0">
+                          <a:effectLst/>
+                        </a:rPr>
+                        <a:t>s</a:t>
+                      </a:r>
+                      <a:endParaRPr lang="en-US" sz="2000" dirty="0">
+                        <a:effectLst/>
+                        <a:latin typeface="Times New Roman"/>
+                        <a:ea typeface="Times New Roman"/>
+                      </a:endParaRPr>
+                    </a:p>
+                  </a:txBody>
+                  <a:tcPr marL="0" marR="0" marT="0" marB="0"/>
+                </a:tc>
+                <a:tc>
+                  <a:txBody>
+                    <a:bodyPr/>
+                    <a:lstStyle/>
+                    <a:p>
+                      <a:pPr marL="64770" marR="0">
+                        <a:lnSpc>
+                          <a:spcPts val="1345"/>
+                        </a:lnSpc>
+                        <a:spcBef>
+                          <a:spcPts val="0"/>
+                        </a:spcBef>
+                        <a:spcAft>
+                          <a:spcPts val="0"/>
+                        </a:spcAft>
+                      </a:pPr>
+                      <a:endParaRPr lang="en-US" sz="2000" dirty="0" smtClean="0">
+                        <a:effectLst/>
+                      </a:endParaRPr>
+                    </a:p>
+                    <a:p>
+                      <a:pPr marL="64770" marR="0">
+                        <a:lnSpc>
+                          <a:spcPts val="1345"/>
+                        </a:lnSpc>
+                        <a:spcBef>
+                          <a:spcPts val="0"/>
+                        </a:spcBef>
+                        <a:spcAft>
+                          <a:spcPts val="0"/>
+                        </a:spcAft>
+                      </a:pPr>
+                      <a:r>
+                        <a:rPr lang="en-US" sz="2000" dirty="0" smtClean="0">
+                          <a:effectLst/>
+                        </a:rPr>
+                        <a:t>2*3</a:t>
+                      </a:r>
+                      <a:endParaRPr lang="en-US" sz="2000" dirty="0">
+                        <a:effectLst/>
+                        <a:latin typeface="Times New Roman"/>
+                        <a:ea typeface="Times New Roman"/>
+                      </a:endParaRPr>
+                    </a:p>
+                  </a:txBody>
+                  <a:tcPr marL="0" marR="0" marT="0" marB="0"/>
+                </a:tc>
+                <a:tc>
+                  <a:txBody>
+                    <a:bodyPr/>
+                    <a:lstStyle/>
+                    <a:p>
+                      <a:pPr marL="64770" marR="0">
+                        <a:lnSpc>
+                          <a:spcPts val="1345"/>
+                        </a:lnSpc>
+                        <a:spcBef>
+                          <a:spcPts val="0"/>
+                        </a:spcBef>
+                        <a:spcAft>
+                          <a:spcPts val="0"/>
+                        </a:spcAft>
+                      </a:pPr>
+                      <a:endParaRPr lang="en-US" sz="2000" dirty="0" smtClean="0">
+                        <a:effectLst/>
+                      </a:endParaRPr>
+                    </a:p>
+                    <a:p>
+                      <a:pPr marL="64770" marR="0">
+                        <a:lnSpc>
+                          <a:spcPts val="1345"/>
+                        </a:lnSpc>
+                        <a:spcBef>
+                          <a:spcPts val="0"/>
+                        </a:spcBef>
+                        <a:spcAft>
+                          <a:spcPts val="0"/>
+                        </a:spcAft>
+                      </a:pPr>
+                      <a:r>
+                        <a:rPr lang="en-US" sz="2000" dirty="0" smtClean="0">
+                          <a:effectLst/>
+                        </a:rPr>
+                        <a:t>0*4</a:t>
+                      </a:r>
+                      <a:endParaRPr lang="en-US" sz="2000" dirty="0">
+                        <a:effectLst/>
+                        <a:latin typeface="Times New Roman"/>
+                        <a:ea typeface="Times New Roman"/>
+                      </a:endParaRPr>
+                    </a:p>
+                  </a:txBody>
+                  <a:tcPr marL="0" marR="0" marT="0" marB="0"/>
+                </a:tc>
+                <a:tc>
+                  <a:txBody>
+                    <a:bodyPr/>
+                    <a:lstStyle/>
+                    <a:p>
+                      <a:pPr marL="64770" marR="0">
+                        <a:lnSpc>
+                          <a:spcPts val="1345"/>
+                        </a:lnSpc>
+                        <a:spcBef>
+                          <a:spcPts val="0"/>
+                        </a:spcBef>
+                        <a:spcAft>
+                          <a:spcPts val="0"/>
+                        </a:spcAft>
+                      </a:pPr>
+                      <a:endParaRPr lang="en-US" sz="2000" dirty="0" smtClean="0">
+                        <a:effectLst/>
+                      </a:endParaRPr>
+                    </a:p>
+                    <a:p>
+                      <a:pPr marL="64770" marR="0">
+                        <a:lnSpc>
+                          <a:spcPts val="1345"/>
+                        </a:lnSpc>
+                        <a:spcBef>
+                          <a:spcPts val="0"/>
+                        </a:spcBef>
+                        <a:spcAft>
+                          <a:spcPts val="0"/>
+                        </a:spcAft>
+                      </a:pPr>
+                      <a:r>
+                        <a:rPr lang="en-US" sz="2000" dirty="0" smtClean="0">
+                          <a:effectLst/>
+                        </a:rPr>
+                        <a:t>2*6</a:t>
+                      </a:r>
+                      <a:endParaRPr lang="en-US" sz="2000" dirty="0">
+                        <a:effectLst/>
+                        <a:latin typeface="Times New Roman"/>
+                        <a:ea typeface="Times New Roman"/>
+                      </a:endParaRPr>
+                    </a:p>
+                  </a:txBody>
+                  <a:tcPr marL="0" marR="0" marT="0" marB="0"/>
+                </a:tc>
+                <a:tc>
+                  <a:txBody>
+                    <a:bodyPr/>
+                    <a:lstStyle/>
+                    <a:p>
+                      <a:pPr marL="64770" marR="0">
+                        <a:lnSpc>
+                          <a:spcPts val="1345"/>
+                        </a:lnSpc>
+                        <a:spcBef>
+                          <a:spcPts val="0"/>
+                        </a:spcBef>
+                        <a:spcAft>
+                          <a:spcPts val="0"/>
+                        </a:spcAft>
+                      </a:pPr>
+                      <a:endParaRPr lang="en-US" sz="2000" dirty="0" smtClean="0">
+                        <a:effectLst/>
+                      </a:endParaRPr>
+                    </a:p>
+                    <a:p>
+                      <a:pPr marL="64770" marR="0">
+                        <a:lnSpc>
+                          <a:spcPts val="1345"/>
+                        </a:lnSpc>
+                        <a:spcBef>
+                          <a:spcPts val="0"/>
+                        </a:spcBef>
+                        <a:spcAft>
+                          <a:spcPts val="0"/>
+                        </a:spcAft>
+                      </a:pPr>
+                      <a:r>
+                        <a:rPr lang="en-US" sz="2000" dirty="0" smtClean="0">
+                          <a:effectLst/>
+                        </a:rPr>
+                        <a:t>18</a:t>
+                      </a:r>
+                      <a:endParaRPr lang="en-US" sz="2000" dirty="0">
+                        <a:effectLst/>
+                        <a:latin typeface="Times New Roman"/>
+                        <a:ea typeface="Times New Roman"/>
+                      </a:endParaRPr>
+                    </a:p>
+                  </a:txBody>
+                  <a:tcPr marL="0" marR="0" marT="0" marB="0"/>
+                </a:tc>
+              </a:tr>
+              <a:tr h="684338">
+                <a:tc>
+                  <a:txBody>
+                    <a:bodyPr/>
+                    <a:lstStyle/>
+                    <a:p>
+                      <a:pPr marL="65405" marR="0">
+                        <a:lnSpc>
+                          <a:spcPts val="1375"/>
+                        </a:lnSpc>
+                        <a:spcBef>
+                          <a:spcPts val="0"/>
+                        </a:spcBef>
+                        <a:spcAft>
+                          <a:spcPts val="0"/>
+                        </a:spcAft>
+                      </a:pPr>
+                      <a:endParaRPr lang="en-US" sz="2000" dirty="0" smtClean="0">
+                        <a:effectLst/>
+                      </a:endParaRPr>
+                    </a:p>
+                    <a:p>
+                      <a:pPr marL="65405" marR="0">
+                        <a:lnSpc>
+                          <a:spcPts val="1375"/>
+                        </a:lnSpc>
+                        <a:spcBef>
+                          <a:spcPts val="0"/>
+                        </a:spcBef>
+                        <a:spcAft>
+                          <a:spcPts val="0"/>
+                        </a:spcAft>
+                      </a:pPr>
+                      <a:r>
+                        <a:rPr lang="en-US" sz="2000" dirty="0" smtClean="0">
+                          <a:effectLst/>
+                        </a:rPr>
+                        <a:t>Logical </a:t>
+                      </a:r>
+                      <a:r>
+                        <a:rPr lang="en-US" sz="2000" dirty="0">
+                          <a:effectLst/>
+                        </a:rPr>
+                        <a:t>I</a:t>
+                      </a:r>
+                      <a:r>
+                        <a:rPr lang="en-US" sz="2000" spc="5" dirty="0">
+                          <a:effectLst/>
+                        </a:rPr>
+                        <a:t>n</a:t>
+                      </a:r>
+                      <a:r>
+                        <a:rPr lang="en-US" sz="2000" dirty="0">
+                          <a:effectLst/>
+                        </a:rPr>
+                        <a:t>t</a:t>
+                      </a:r>
+                      <a:r>
+                        <a:rPr lang="en-US" sz="2000" spc="-10" dirty="0">
+                          <a:effectLst/>
+                        </a:rPr>
+                        <a:t>e</a:t>
+                      </a:r>
+                      <a:r>
+                        <a:rPr lang="en-US" sz="2000" spc="-5" dirty="0">
+                          <a:effectLst/>
+                        </a:rPr>
+                        <a:t>r</a:t>
+                      </a:r>
+                      <a:r>
+                        <a:rPr lang="en-US" sz="2000" spc="5" dirty="0">
+                          <a:effectLst/>
+                        </a:rPr>
+                        <a:t>n</a:t>
+                      </a:r>
+                      <a:r>
+                        <a:rPr lang="en-US" sz="2000" dirty="0">
+                          <a:effectLst/>
+                        </a:rPr>
+                        <a:t>al</a:t>
+                      </a:r>
+                    </a:p>
+                    <a:p>
+                      <a:pPr marL="65405" marR="0">
+                        <a:lnSpc>
+                          <a:spcPct val="115000"/>
+                        </a:lnSpc>
+                        <a:spcBef>
+                          <a:spcPts val="205"/>
+                        </a:spcBef>
+                        <a:spcAft>
+                          <a:spcPts val="0"/>
+                        </a:spcAft>
+                      </a:pPr>
+                      <a:r>
+                        <a:rPr lang="en-US" sz="2000" dirty="0">
+                          <a:effectLst/>
+                        </a:rPr>
+                        <a:t>Files</a:t>
+                      </a:r>
+                      <a:endParaRPr lang="en-US" sz="2000" dirty="0">
+                        <a:effectLst/>
+                        <a:latin typeface="Times New Roman"/>
+                        <a:ea typeface="Times New Roman"/>
+                      </a:endParaRPr>
+                    </a:p>
+                  </a:txBody>
+                  <a:tcPr marL="0" marR="0" marT="0" marB="0"/>
+                </a:tc>
+                <a:tc>
+                  <a:txBody>
+                    <a:bodyPr/>
+                    <a:lstStyle/>
+                    <a:p>
+                      <a:pPr marL="64770" marR="0">
+                        <a:lnSpc>
+                          <a:spcPts val="1350"/>
+                        </a:lnSpc>
+                        <a:spcBef>
+                          <a:spcPts val="0"/>
+                        </a:spcBef>
+                        <a:spcAft>
+                          <a:spcPts val="0"/>
+                        </a:spcAft>
+                      </a:pPr>
+                      <a:endParaRPr lang="en-US" sz="2000" dirty="0" smtClean="0">
+                        <a:effectLst/>
+                      </a:endParaRPr>
+                    </a:p>
+                    <a:p>
+                      <a:pPr marL="64770" marR="0">
+                        <a:lnSpc>
+                          <a:spcPts val="1350"/>
+                        </a:lnSpc>
+                        <a:spcBef>
+                          <a:spcPts val="0"/>
+                        </a:spcBef>
+                        <a:spcAft>
+                          <a:spcPts val="0"/>
+                        </a:spcAft>
+                      </a:pPr>
+                      <a:r>
+                        <a:rPr lang="en-US" sz="2000" dirty="0" smtClean="0">
+                          <a:effectLst/>
+                        </a:rPr>
+                        <a:t>1*7</a:t>
+                      </a:r>
+                      <a:endParaRPr lang="en-US" sz="2000" dirty="0">
+                        <a:effectLst/>
+                        <a:latin typeface="Times New Roman"/>
+                        <a:ea typeface="Times New Roman"/>
+                      </a:endParaRPr>
+                    </a:p>
+                  </a:txBody>
+                  <a:tcPr marL="0" marR="0" marT="0" marB="0"/>
+                </a:tc>
+                <a:tc>
+                  <a:txBody>
+                    <a:bodyPr/>
+                    <a:lstStyle/>
+                    <a:p>
+                      <a:pPr marL="64770" marR="0">
+                        <a:lnSpc>
+                          <a:spcPts val="1350"/>
+                        </a:lnSpc>
+                        <a:spcBef>
+                          <a:spcPts val="0"/>
+                        </a:spcBef>
+                        <a:spcAft>
+                          <a:spcPts val="0"/>
+                        </a:spcAft>
+                      </a:pPr>
+                      <a:endParaRPr lang="en-US" sz="2000" dirty="0" smtClean="0">
+                        <a:effectLst/>
+                      </a:endParaRPr>
+                    </a:p>
+                    <a:p>
+                      <a:pPr marL="64770" marR="0">
+                        <a:lnSpc>
+                          <a:spcPts val="1350"/>
+                        </a:lnSpc>
+                        <a:spcBef>
+                          <a:spcPts val="0"/>
+                        </a:spcBef>
+                        <a:spcAft>
+                          <a:spcPts val="0"/>
+                        </a:spcAft>
+                      </a:pPr>
+                      <a:r>
+                        <a:rPr lang="en-US" sz="2000" dirty="0" smtClean="0">
+                          <a:effectLst/>
+                        </a:rPr>
+                        <a:t>0*10</a:t>
+                      </a:r>
+                      <a:endParaRPr lang="en-US" sz="2000" dirty="0">
+                        <a:effectLst/>
+                        <a:latin typeface="Times New Roman"/>
+                        <a:ea typeface="Times New Roman"/>
+                      </a:endParaRPr>
+                    </a:p>
+                  </a:txBody>
+                  <a:tcPr marL="0" marR="0" marT="0" marB="0"/>
+                </a:tc>
+                <a:tc>
+                  <a:txBody>
+                    <a:bodyPr/>
+                    <a:lstStyle/>
+                    <a:p>
+                      <a:pPr marL="64770" marR="0">
+                        <a:lnSpc>
+                          <a:spcPts val="1350"/>
+                        </a:lnSpc>
+                        <a:spcBef>
+                          <a:spcPts val="0"/>
+                        </a:spcBef>
+                        <a:spcAft>
+                          <a:spcPts val="0"/>
+                        </a:spcAft>
+                      </a:pPr>
+                      <a:endParaRPr lang="en-US" sz="2000" dirty="0" smtClean="0">
+                        <a:effectLst/>
+                      </a:endParaRPr>
+                    </a:p>
+                    <a:p>
+                      <a:pPr marL="64770" marR="0">
+                        <a:lnSpc>
+                          <a:spcPts val="1350"/>
+                        </a:lnSpc>
+                        <a:spcBef>
+                          <a:spcPts val="0"/>
+                        </a:spcBef>
+                        <a:spcAft>
+                          <a:spcPts val="0"/>
+                        </a:spcAft>
+                      </a:pPr>
+                      <a:r>
+                        <a:rPr lang="en-US" sz="2000" dirty="0" smtClean="0">
+                          <a:effectLst/>
+                        </a:rPr>
+                        <a:t>2*15</a:t>
+                      </a:r>
+                      <a:endParaRPr lang="en-US" sz="2000" dirty="0">
+                        <a:effectLst/>
+                        <a:latin typeface="Times New Roman"/>
+                        <a:ea typeface="Times New Roman"/>
+                      </a:endParaRPr>
+                    </a:p>
+                  </a:txBody>
+                  <a:tcPr marL="0" marR="0" marT="0" marB="0"/>
+                </a:tc>
+                <a:tc>
+                  <a:txBody>
+                    <a:bodyPr/>
+                    <a:lstStyle/>
+                    <a:p>
+                      <a:pPr marL="64770" marR="0">
+                        <a:lnSpc>
+                          <a:spcPts val="1350"/>
+                        </a:lnSpc>
+                        <a:spcBef>
+                          <a:spcPts val="0"/>
+                        </a:spcBef>
+                        <a:spcAft>
+                          <a:spcPts val="0"/>
+                        </a:spcAft>
+                      </a:pPr>
+                      <a:endParaRPr lang="en-US" sz="2000" dirty="0" smtClean="0">
+                        <a:effectLst/>
+                      </a:endParaRPr>
+                    </a:p>
+                    <a:p>
+                      <a:pPr marL="64770" marR="0">
+                        <a:lnSpc>
+                          <a:spcPts val="1350"/>
+                        </a:lnSpc>
+                        <a:spcBef>
+                          <a:spcPts val="0"/>
+                        </a:spcBef>
+                        <a:spcAft>
+                          <a:spcPts val="0"/>
+                        </a:spcAft>
+                      </a:pPr>
+                      <a:r>
+                        <a:rPr lang="en-US" sz="2000" dirty="0" smtClean="0">
+                          <a:effectLst/>
+                        </a:rPr>
+                        <a:t>37</a:t>
+                      </a:r>
+                      <a:endParaRPr lang="en-US" sz="2000" dirty="0">
+                        <a:effectLst/>
+                        <a:latin typeface="Times New Roman"/>
+                        <a:ea typeface="Times New Roman"/>
+                      </a:endParaRPr>
+                    </a:p>
+                  </a:txBody>
+                  <a:tcPr marL="0" marR="0" marT="0" marB="0"/>
+                </a:tc>
+              </a:tr>
+              <a:tr h="684338">
+                <a:tc>
+                  <a:txBody>
+                    <a:bodyPr/>
+                    <a:lstStyle/>
+                    <a:p>
+                      <a:pPr marL="65405" marR="0">
+                        <a:lnSpc>
+                          <a:spcPts val="1370"/>
+                        </a:lnSpc>
+                        <a:spcBef>
+                          <a:spcPts val="0"/>
+                        </a:spcBef>
+                        <a:spcAft>
+                          <a:spcPts val="0"/>
+                        </a:spcAft>
+                      </a:pPr>
+                      <a:endParaRPr lang="en-US" sz="2000" dirty="0" smtClean="0">
+                        <a:effectLst/>
+                      </a:endParaRPr>
+                    </a:p>
+                    <a:p>
+                      <a:pPr marL="65405" marR="0">
+                        <a:lnSpc>
+                          <a:spcPts val="1370"/>
+                        </a:lnSpc>
+                        <a:spcBef>
+                          <a:spcPts val="0"/>
+                        </a:spcBef>
+                        <a:spcAft>
+                          <a:spcPts val="0"/>
+                        </a:spcAft>
+                      </a:pPr>
+                      <a:r>
+                        <a:rPr lang="en-US" sz="2000" dirty="0" smtClean="0">
+                          <a:effectLst/>
+                        </a:rPr>
+                        <a:t>Ext</a:t>
+                      </a:r>
+                      <a:r>
+                        <a:rPr lang="en-US" sz="2000" spc="-10" dirty="0" smtClean="0">
+                          <a:effectLst/>
+                        </a:rPr>
+                        <a:t>e</a:t>
+                      </a:r>
+                      <a:r>
+                        <a:rPr lang="en-US" sz="2000" spc="-5" dirty="0" smtClean="0">
+                          <a:effectLst/>
+                        </a:rPr>
+                        <a:t>r</a:t>
+                      </a:r>
+                      <a:r>
+                        <a:rPr lang="en-US" sz="2000" spc="5" dirty="0" smtClean="0">
+                          <a:effectLst/>
+                        </a:rPr>
+                        <a:t>n</a:t>
+                      </a:r>
+                      <a:r>
+                        <a:rPr lang="en-US" sz="2000" dirty="0" smtClean="0">
+                          <a:effectLst/>
+                        </a:rPr>
+                        <a:t>al</a:t>
+                      </a:r>
+                      <a:endParaRPr lang="en-US" sz="2000" dirty="0">
+                        <a:effectLst/>
+                      </a:endParaRPr>
+                    </a:p>
+                    <a:p>
+                      <a:pPr marL="65405" marR="0">
+                        <a:lnSpc>
+                          <a:spcPct val="115000"/>
+                        </a:lnSpc>
+                        <a:spcBef>
+                          <a:spcPts val="205"/>
+                        </a:spcBef>
+                        <a:spcAft>
+                          <a:spcPts val="0"/>
+                        </a:spcAft>
+                      </a:pPr>
+                      <a:r>
+                        <a:rPr lang="en-US" sz="2000" dirty="0">
+                          <a:effectLst/>
+                        </a:rPr>
+                        <a:t>I</a:t>
+                      </a:r>
+                      <a:r>
+                        <a:rPr lang="en-US" sz="2000" spc="5" dirty="0">
+                          <a:effectLst/>
+                        </a:rPr>
+                        <a:t>n</a:t>
+                      </a:r>
+                      <a:r>
+                        <a:rPr lang="en-US" sz="2000" dirty="0">
+                          <a:effectLst/>
+                        </a:rPr>
+                        <a:t>t</a:t>
+                      </a:r>
+                      <a:r>
+                        <a:rPr lang="en-US" sz="2000" spc="-10" dirty="0">
+                          <a:effectLst/>
+                        </a:rPr>
+                        <a:t>e</a:t>
+                      </a:r>
+                      <a:r>
+                        <a:rPr lang="en-US" sz="2000" spc="-5" dirty="0">
+                          <a:effectLst/>
+                        </a:rPr>
+                        <a:t>r</a:t>
+                      </a:r>
+                      <a:r>
+                        <a:rPr lang="en-US" sz="2000" spc="5" dirty="0">
+                          <a:effectLst/>
+                        </a:rPr>
+                        <a:t>f</a:t>
+                      </a:r>
+                      <a:r>
+                        <a:rPr lang="en-US" sz="2000" dirty="0">
+                          <a:effectLst/>
+                        </a:rPr>
+                        <a:t>a</a:t>
+                      </a:r>
+                      <a:r>
+                        <a:rPr lang="en-US" sz="2000" spc="-5" dirty="0">
+                          <a:effectLst/>
+                        </a:rPr>
+                        <a:t>c</a:t>
+                      </a:r>
+                      <a:r>
+                        <a:rPr lang="en-US" sz="2000" dirty="0">
+                          <a:effectLst/>
+                        </a:rPr>
+                        <a:t>e</a:t>
+                      </a:r>
+                      <a:r>
+                        <a:rPr lang="en-US" sz="2000" spc="-5" dirty="0">
+                          <a:effectLst/>
+                        </a:rPr>
+                        <a:t> </a:t>
+                      </a:r>
+                      <a:r>
+                        <a:rPr lang="en-US" sz="2000" dirty="0">
+                          <a:effectLst/>
+                        </a:rPr>
+                        <a:t>File</a:t>
+                      </a:r>
+                      <a:endParaRPr lang="en-US" sz="2000" dirty="0">
+                        <a:effectLst/>
+                        <a:latin typeface="Times New Roman"/>
+                        <a:ea typeface="Times New Roman"/>
+                      </a:endParaRPr>
+                    </a:p>
+                  </a:txBody>
+                  <a:tcPr marL="0" marR="0" marT="0" marB="0"/>
+                </a:tc>
+                <a:tc>
+                  <a:txBody>
+                    <a:bodyPr/>
+                    <a:lstStyle/>
+                    <a:p>
+                      <a:pPr marL="64770" marR="0">
+                        <a:lnSpc>
+                          <a:spcPts val="1345"/>
+                        </a:lnSpc>
+                        <a:spcBef>
+                          <a:spcPts val="0"/>
+                        </a:spcBef>
+                        <a:spcAft>
+                          <a:spcPts val="0"/>
+                        </a:spcAft>
+                      </a:pPr>
+                      <a:endParaRPr lang="en-US" sz="2000" dirty="0" smtClean="0">
+                        <a:effectLst/>
+                      </a:endParaRPr>
+                    </a:p>
+                    <a:p>
+                      <a:pPr marL="64770" marR="0">
+                        <a:lnSpc>
+                          <a:spcPts val="1345"/>
+                        </a:lnSpc>
+                        <a:spcBef>
+                          <a:spcPts val="0"/>
+                        </a:spcBef>
+                        <a:spcAft>
+                          <a:spcPts val="0"/>
+                        </a:spcAft>
+                      </a:pPr>
+                      <a:r>
+                        <a:rPr lang="en-US" sz="2000" dirty="0" smtClean="0">
+                          <a:effectLst/>
+                        </a:rPr>
+                        <a:t>0*5</a:t>
+                      </a:r>
+                      <a:endParaRPr lang="en-US" sz="2000" dirty="0">
+                        <a:effectLst/>
+                        <a:latin typeface="Times New Roman"/>
+                        <a:ea typeface="Times New Roman"/>
+                      </a:endParaRPr>
+                    </a:p>
+                  </a:txBody>
+                  <a:tcPr marL="0" marR="0" marT="0" marB="0"/>
+                </a:tc>
+                <a:tc>
+                  <a:txBody>
+                    <a:bodyPr/>
+                    <a:lstStyle/>
+                    <a:p>
+                      <a:pPr marL="64770" marR="0">
+                        <a:lnSpc>
+                          <a:spcPts val="1345"/>
+                        </a:lnSpc>
+                        <a:spcBef>
+                          <a:spcPts val="0"/>
+                        </a:spcBef>
+                        <a:spcAft>
+                          <a:spcPts val="0"/>
+                        </a:spcAft>
+                      </a:pPr>
+                      <a:endParaRPr lang="en-US" sz="2000" dirty="0" smtClean="0">
+                        <a:effectLst/>
+                      </a:endParaRPr>
+                    </a:p>
+                    <a:p>
+                      <a:pPr marL="64770" marR="0">
+                        <a:lnSpc>
+                          <a:spcPts val="1345"/>
+                        </a:lnSpc>
+                        <a:spcBef>
+                          <a:spcPts val="0"/>
+                        </a:spcBef>
+                        <a:spcAft>
+                          <a:spcPts val="0"/>
+                        </a:spcAft>
+                      </a:pPr>
+                      <a:r>
+                        <a:rPr lang="en-US" sz="2000" dirty="0" smtClean="0">
+                          <a:effectLst/>
+                        </a:rPr>
+                        <a:t>0*7</a:t>
+                      </a:r>
+                      <a:endParaRPr lang="en-US" sz="2000" dirty="0">
+                        <a:effectLst/>
+                        <a:latin typeface="Times New Roman"/>
+                        <a:ea typeface="Times New Roman"/>
+                      </a:endParaRPr>
+                    </a:p>
+                  </a:txBody>
+                  <a:tcPr marL="0" marR="0" marT="0" marB="0"/>
+                </a:tc>
+                <a:tc>
+                  <a:txBody>
+                    <a:bodyPr/>
+                    <a:lstStyle/>
+                    <a:p>
+                      <a:pPr marL="64770" marR="0">
+                        <a:lnSpc>
+                          <a:spcPts val="1345"/>
+                        </a:lnSpc>
+                        <a:spcBef>
+                          <a:spcPts val="0"/>
+                        </a:spcBef>
+                        <a:spcAft>
+                          <a:spcPts val="0"/>
+                        </a:spcAft>
+                      </a:pPr>
+                      <a:endParaRPr lang="en-US" sz="2000" dirty="0" smtClean="0">
+                        <a:effectLst/>
+                      </a:endParaRPr>
+                    </a:p>
+                    <a:p>
+                      <a:pPr marL="64770" marR="0">
+                        <a:lnSpc>
+                          <a:spcPts val="1345"/>
+                        </a:lnSpc>
+                        <a:spcBef>
+                          <a:spcPts val="0"/>
+                        </a:spcBef>
+                        <a:spcAft>
+                          <a:spcPts val="0"/>
+                        </a:spcAft>
+                      </a:pPr>
+                      <a:r>
+                        <a:rPr lang="en-US" sz="2000" dirty="0" smtClean="0">
+                          <a:effectLst/>
+                        </a:rPr>
+                        <a:t>1*10</a:t>
+                      </a:r>
+                      <a:endParaRPr lang="en-US" sz="2000" dirty="0">
+                        <a:effectLst/>
+                        <a:latin typeface="Times New Roman"/>
+                        <a:ea typeface="Times New Roman"/>
+                      </a:endParaRPr>
+                    </a:p>
+                  </a:txBody>
+                  <a:tcPr marL="0" marR="0" marT="0" marB="0"/>
+                </a:tc>
+                <a:tc>
+                  <a:txBody>
+                    <a:bodyPr/>
+                    <a:lstStyle/>
+                    <a:p>
+                      <a:pPr marL="64770" marR="0">
+                        <a:lnSpc>
+                          <a:spcPts val="1345"/>
+                        </a:lnSpc>
+                        <a:spcBef>
+                          <a:spcPts val="0"/>
+                        </a:spcBef>
+                        <a:spcAft>
+                          <a:spcPts val="0"/>
+                        </a:spcAft>
+                      </a:pPr>
+                      <a:endParaRPr lang="en-US" sz="2000" dirty="0" smtClean="0">
+                        <a:effectLst/>
+                      </a:endParaRPr>
+                    </a:p>
+                    <a:p>
+                      <a:pPr marL="64770" marR="0">
+                        <a:lnSpc>
+                          <a:spcPts val="1345"/>
+                        </a:lnSpc>
+                        <a:spcBef>
+                          <a:spcPts val="0"/>
+                        </a:spcBef>
+                        <a:spcAft>
+                          <a:spcPts val="0"/>
+                        </a:spcAft>
+                      </a:pPr>
+                      <a:r>
+                        <a:rPr lang="en-US" sz="2000" dirty="0" smtClean="0">
+                          <a:effectLst/>
+                        </a:rPr>
+                        <a:t>10</a:t>
+                      </a:r>
+                      <a:endParaRPr lang="en-US" sz="2000" dirty="0">
+                        <a:effectLst/>
+                        <a:latin typeface="Times New Roman"/>
+                        <a:ea typeface="Times New Roman"/>
+                      </a:endParaRPr>
+                    </a:p>
+                  </a:txBody>
+                  <a:tcPr marL="0" marR="0" marT="0" marB="0"/>
+                </a:tc>
+              </a:tr>
+              <a:tr h="363305">
+                <a:tc gridSpan="4">
+                  <a:txBody>
+                    <a:bodyPr/>
+                    <a:lstStyle/>
+                    <a:p>
+                      <a:pPr marL="1700530" marR="0" algn="l">
+                        <a:lnSpc>
+                          <a:spcPts val="1370"/>
+                        </a:lnSpc>
+                        <a:spcBef>
+                          <a:spcPts val="0"/>
+                        </a:spcBef>
+                        <a:spcAft>
+                          <a:spcPts val="0"/>
+                        </a:spcAft>
+                      </a:pPr>
+                      <a:endParaRPr lang="en-US" sz="2000" dirty="0" smtClean="0">
+                        <a:effectLst/>
+                      </a:endParaRPr>
+                    </a:p>
+                    <a:p>
+                      <a:pPr marL="1700530" marR="0" algn="l">
+                        <a:lnSpc>
+                          <a:spcPts val="1370"/>
+                        </a:lnSpc>
+                        <a:spcBef>
+                          <a:spcPts val="0"/>
+                        </a:spcBef>
+                        <a:spcAft>
+                          <a:spcPts val="0"/>
+                        </a:spcAft>
+                      </a:pPr>
+                      <a:r>
+                        <a:rPr lang="en-US" sz="2000" dirty="0" smtClean="0">
+                          <a:effectLst/>
+                        </a:rPr>
+                        <a:t>Una</a:t>
+                      </a:r>
+                      <a:r>
+                        <a:rPr lang="en-US" sz="2000" spc="5" dirty="0" smtClean="0">
+                          <a:effectLst/>
+                        </a:rPr>
+                        <a:t>d</a:t>
+                      </a:r>
+                      <a:r>
+                        <a:rPr lang="en-US" sz="2000" dirty="0" smtClean="0">
+                          <a:effectLst/>
+                        </a:rPr>
+                        <a:t>just</a:t>
+                      </a:r>
+                      <a:r>
+                        <a:rPr lang="en-US" sz="2000" spc="-5" dirty="0" smtClean="0">
+                          <a:effectLst/>
+                        </a:rPr>
+                        <a:t>e</a:t>
+                      </a:r>
+                      <a:r>
+                        <a:rPr lang="en-US" sz="2000" dirty="0" smtClean="0">
+                          <a:effectLst/>
+                        </a:rPr>
+                        <a:t>d</a:t>
+                      </a:r>
+                      <a:r>
+                        <a:rPr lang="en-US" sz="2000" spc="5" dirty="0" smtClean="0">
+                          <a:effectLst/>
+                        </a:rPr>
+                        <a:t> </a:t>
+                      </a:r>
+                      <a:r>
+                        <a:rPr lang="en-US" sz="2000" dirty="0">
+                          <a:effectLst/>
+                        </a:rPr>
+                        <a:t>Fu</a:t>
+                      </a:r>
+                      <a:r>
+                        <a:rPr lang="en-US" sz="2000" spc="5" dirty="0">
+                          <a:effectLst/>
+                        </a:rPr>
+                        <a:t>n</a:t>
+                      </a:r>
+                      <a:r>
+                        <a:rPr lang="en-US" sz="2000" spc="-5" dirty="0">
+                          <a:effectLst/>
+                        </a:rPr>
+                        <a:t>c</a:t>
+                      </a:r>
+                      <a:r>
+                        <a:rPr lang="en-US" sz="2000" dirty="0">
+                          <a:effectLst/>
+                        </a:rPr>
+                        <a:t>tion </a:t>
+                      </a:r>
+                      <a:r>
+                        <a:rPr lang="en-US" sz="2000" spc="-15" dirty="0">
+                          <a:effectLst/>
+                        </a:rPr>
+                        <a:t>P</a:t>
+                      </a:r>
+                      <a:r>
+                        <a:rPr lang="en-US" sz="2000" dirty="0">
+                          <a:effectLst/>
+                        </a:rPr>
+                        <a:t>oi</a:t>
+                      </a:r>
+                      <a:r>
+                        <a:rPr lang="en-US" sz="2000" spc="5" dirty="0">
+                          <a:effectLst/>
+                        </a:rPr>
+                        <a:t>n</a:t>
+                      </a:r>
+                      <a:r>
+                        <a:rPr lang="en-US" sz="2000" dirty="0">
+                          <a:effectLst/>
+                        </a:rPr>
+                        <a:t>ts</a:t>
+                      </a:r>
+                      <a:endParaRPr lang="en-US" sz="2000" dirty="0">
+                        <a:effectLst/>
+                        <a:latin typeface="Times New Roman"/>
+                        <a:ea typeface="Times New Roman"/>
+                      </a:endParaRPr>
+                    </a:p>
+                  </a:txBody>
+                  <a:tcPr marL="0" marR="0" marT="0" marB="0"/>
+                </a:tc>
+                <a:tc hMerge="1">
+                  <a:txBody>
+                    <a:bodyPr/>
+                    <a:lstStyle/>
+                    <a:p>
+                      <a:endParaRPr lang="en-US"/>
+                    </a:p>
+                  </a:txBody>
+                  <a:tcPr/>
+                </a:tc>
+                <a:tc hMerge="1">
+                  <a:txBody>
+                    <a:bodyPr/>
+                    <a:lstStyle/>
+                    <a:p>
+                      <a:endParaRPr lang="en-US"/>
+                    </a:p>
+                  </a:txBody>
+                  <a:tcPr/>
+                </a:tc>
+                <a:tc hMerge="1">
+                  <a:txBody>
+                    <a:bodyPr/>
+                    <a:lstStyle/>
+                    <a:p>
+                      <a:endParaRPr lang="en-US"/>
+                    </a:p>
+                  </a:txBody>
+                  <a:tcPr/>
+                </a:tc>
+                <a:tc>
+                  <a:txBody>
+                    <a:bodyPr/>
+                    <a:lstStyle/>
+                    <a:p>
+                      <a:pPr marL="64770" marR="0">
+                        <a:lnSpc>
+                          <a:spcPts val="1345"/>
+                        </a:lnSpc>
+                        <a:spcBef>
+                          <a:spcPts val="0"/>
+                        </a:spcBef>
+                        <a:spcAft>
+                          <a:spcPts val="0"/>
+                        </a:spcAft>
+                      </a:pPr>
+                      <a:endParaRPr lang="en-US" sz="2000" dirty="0" smtClean="0">
+                        <a:effectLst/>
+                      </a:endParaRPr>
+                    </a:p>
+                    <a:p>
+                      <a:pPr marL="64770" marR="0">
+                        <a:lnSpc>
+                          <a:spcPts val="1345"/>
+                        </a:lnSpc>
+                        <a:spcBef>
+                          <a:spcPts val="0"/>
+                        </a:spcBef>
+                        <a:spcAft>
+                          <a:spcPts val="0"/>
+                        </a:spcAft>
+                      </a:pPr>
+                      <a:r>
+                        <a:rPr lang="en-US" sz="2000" dirty="0" smtClean="0">
+                          <a:effectLst/>
+                        </a:rPr>
+                        <a:t>153</a:t>
+                      </a:r>
+                      <a:endParaRPr lang="en-US" sz="2000" dirty="0">
+                        <a:effectLst/>
+                        <a:latin typeface="Times New Roman"/>
+                        <a:ea typeface="Times New Roman"/>
+                      </a:endParaRPr>
+                    </a:p>
+                  </a:txBody>
+                  <a:tcPr marL="0" marR="0" marT="0" marB="0"/>
+                </a:tc>
+              </a:tr>
+              <a:tr h="654930">
+                <a:tc gridSpan="4">
+                  <a:txBody>
+                    <a:bodyPr/>
+                    <a:lstStyle/>
+                    <a:p>
+                      <a:pPr marL="1967865" marR="1956435" algn="l">
+                        <a:lnSpc>
+                          <a:spcPct val="115000"/>
+                        </a:lnSpc>
+                        <a:spcBef>
+                          <a:spcPts val="0"/>
+                        </a:spcBef>
+                        <a:spcAft>
+                          <a:spcPts val="0"/>
+                        </a:spcAft>
+                      </a:pPr>
+                      <a:endParaRPr lang="en-US" sz="2000" dirty="0" smtClean="0">
+                        <a:effectLst/>
+                      </a:endParaRPr>
+                    </a:p>
+                    <a:p>
+                      <a:pPr marL="1967865" marR="1956435" algn="l">
+                        <a:lnSpc>
+                          <a:spcPct val="115000"/>
+                        </a:lnSpc>
+                        <a:spcBef>
+                          <a:spcPts val="0"/>
+                        </a:spcBef>
+                        <a:spcAft>
+                          <a:spcPts val="0"/>
+                        </a:spcAft>
+                      </a:pPr>
+                      <a:r>
+                        <a:rPr lang="en-US" sz="2000" dirty="0" smtClean="0">
+                          <a:effectLst/>
+                        </a:rPr>
+                        <a:t>Adjust</a:t>
+                      </a:r>
+                      <a:r>
+                        <a:rPr lang="en-US" sz="2000" spc="-5" dirty="0" smtClean="0">
+                          <a:effectLst/>
+                        </a:rPr>
+                        <a:t>me</a:t>
+                      </a:r>
+                      <a:r>
+                        <a:rPr lang="en-US" sz="2000" spc="5" dirty="0" smtClean="0">
+                          <a:effectLst/>
+                        </a:rPr>
+                        <a:t>n</a:t>
+                      </a:r>
+                      <a:r>
+                        <a:rPr lang="en-US" sz="2000" dirty="0" smtClean="0">
+                          <a:effectLst/>
+                        </a:rPr>
+                        <a:t>t </a:t>
+                      </a:r>
+                      <a:r>
+                        <a:rPr lang="en-US" sz="2000" spc="-5" dirty="0">
+                          <a:effectLst/>
+                        </a:rPr>
+                        <a:t>F</a:t>
+                      </a:r>
+                      <a:r>
+                        <a:rPr lang="en-US" sz="2000" dirty="0">
+                          <a:effectLst/>
+                        </a:rPr>
+                        <a:t>a</a:t>
+                      </a:r>
+                      <a:r>
+                        <a:rPr lang="en-US" sz="2000" spc="-5" dirty="0">
+                          <a:effectLst/>
+                        </a:rPr>
+                        <a:t>c</a:t>
+                      </a:r>
+                      <a:r>
+                        <a:rPr lang="en-US" sz="2000" dirty="0">
+                          <a:effectLst/>
+                        </a:rPr>
+                        <a:t>t</a:t>
+                      </a:r>
+                      <a:r>
+                        <a:rPr lang="en-US" sz="2000" spc="5" dirty="0">
+                          <a:effectLst/>
+                        </a:rPr>
+                        <a:t>o</a:t>
+                      </a:r>
+                      <a:r>
+                        <a:rPr lang="en-US" sz="2000" dirty="0">
+                          <a:effectLst/>
+                        </a:rPr>
+                        <a:t>r</a:t>
+                      </a:r>
+                      <a:endParaRPr lang="en-US" sz="2000" dirty="0">
+                        <a:effectLst/>
+                        <a:latin typeface="Times New Roman"/>
+                        <a:ea typeface="Times New Roman"/>
+                      </a:endParaRPr>
+                    </a:p>
+                  </a:txBody>
+                  <a:tcPr marL="0" marR="0" marT="0" marB="0"/>
+                </a:tc>
+                <a:tc hMerge="1">
+                  <a:txBody>
+                    <a:bodyPr/>
+                    <a:lstStyle/>
+                    <a:p>
+                      <a:endParaRPr lang="en-US"/>
+                    </a:p>
+                  </a:txBody>
+                  <a:tcPr/>
+                </a:tc>
+                <a:tc hMerge="1">
+                  <a:txBody>
+                    <a:bodyPr/>
+                    <a:lstStyle/>
+                    <a:p>
+                      <a:endParaRPr lang="en-US"/>
+                    </a:p>
+                  </a:txBody>
+                  <a:tcPr/>
+                </a:tc>
+                <a:tc hMerge="1">
+                  <a:txBody>
+                    <a:bodyPr/>
+                    <a:lstStyle/>
+                    <a:p>
+                      <a:endParaRPr lang="en-US"/>
+                    </a:p>
+                  </a:txBody>
+                  <a:tcPr/>
+                </a:tc>
+                <a:tc>
+                  <a:txBody>
+                    <a:bodyPr/>
+                    <a:lstStyle/>
+                    <a:p>
+                      <a:pPr marL="64770" marR="0">
+                        <a:lnSpc>
+                          <a:spcPts val="1360"/>
+                        </a:lnSpc>
+                        <a:spcBef>
+                          <a:spcPts val="0"/>
+                        </a:spcBef>
+                        <a:spcAft>
+                          <a:spcPts val="0"/>
+                        </a:spcAft>
+                      </a:pPr>
+                      <a:endParaRPr lang="en-US" sz="2000" dirty="0" smtClean="0">
+                        <a:effectLst/>
+                      </a:endParaRPr>
+                    </a:p>
+                    <a:p>
+                      <a:pPr marL="64770" marR="0">
+                        <a:lnSpc>
+                          <a:spcPts val="1360"/>
+                        </a:lnSpc>
+                        <a:spcBef>
+                          <a:spcPts val="0"/>
+                        </a:spcBef>
+                        <a:spcAft>
+                          <a:spcPts val="0"/>
+                        </a:spcAft>
+                      </a:pPr>
+                      <a:r>
+                        <a:rPr lang="en-US" sz="2000" dirty="0" smtClean="0">
+                          <a:effectLst/>
+                        </a:rPr>
+                        <a:t>.</a:t>
+                      </a:r>
+                      <a:r>
+                        <a:rPr lang="en-US" sz="2000" dirty="0">
+                          <a:effectLst/>
+                        </a:rPr>
+                        <a:t>99</a:t>
+                      </a:r>
+                      <a:endParaRPr lang="en-US" sz="2000" dirty="0">
+                        <a:effectLst/>
+                        <a:latin typeface="Times New Roman"/>
+                        <a:ea typeface="Times New Roman"/>
+                      </a:endParaRPr>
+                    </a:p>
+                  </a:txBody>
+                  <a:tcPr marL="0" marR="0" marT="0" marB="0"/>
+                </a:tc>
+              </a:tr>
+              <a:tr h="363305">
+                <a:tc gridSpan="4">
+                  <a:txBody>
+                    <a:bodyPr/>
+                    <a:lstStyle/>
+                    <a:p>
+                      <a:pPr marL="1618615" marR="0">
+                        <a:lnSpc>
+                          <a:spcPts val="1370"/>
+                        </a:lnSpc>
+                        <a:spcBef>
+                          <a:spcPts val="0"/>
+                        </a:spcBef>
+                        <a:spcAft>
+                          <a:spcPts val="0"/>
+                        </a:spcAft>
+                      </a:pPr>
+                      <a:endParaRPr lang="en-US" sz="2000" dirty="0" smtClean="0">
+                        <a:effectLst/>
+                      </a:endParaRPr>
+                    </a:p>
+                    <a:p>
+                      <a:pPr marL="1618615" marR="0">
+                        <a:lnSpc>
+                          <a:spcPts val="1370"/>
+                        </a:lnSpc>
+                        <a:spcBef>
+                          <a:spcPts val="0"/>
+                        </a:spcBef>
+                        <a:spcAft>
+                          <a:spcPts val="0"/>
+                        </a:spcAft>
+                      </a:pPr>
+                      <a:r>
+                        <a:rPr lang="en-US" sz="2000" dirty="0" smtClean="0">
+                          <a:effectLst/>
+                        </a:rPr>
+                        <a:t>Adjust</a:t>
+                      </a:r>
+                      <a:r>
+                        <a:rPr lang="en-US" sz="2000" spc="-5" dirty="0" smtClean="0">
+                          <a:effectLst/>
+                        </a:rPr>
+                        <a:t>e</a:t>
+                      </a:r>
+                      <a:r>
+                        <a:rPr lang="en-US" sz="2000" dirty="0" smtClean="0">
+                          <a:effectLst/>
+                        </a:rPr>
+                        <a:t>d</a:t>
+                      </a:r>
+                      <a:r>
+                        <a:rPr lang="en-US" sz="2000" spc="5" dirty="0" smtClean="0">
+                          <a:effectLst/>
+                        </a:rPr>
+                        <a:t> </a:t>
+                      </a:r>
+                      <a:r>
+                        <a:rPr lang="en-US" sz="2000" dirty="0">
+                          <a:effectLst/>
+                        </a:rPr>
+                        <a:t>Fu</a:t>
+                      </a:r>
+                      <a:r>
+                        <a:rPr lang="en-US" sz="2000" spc="5" dirty="0">
+                          <a:effectLst/>
+                        </a:rPr>
+                        <a:t>n</a:t>
+                      </a:r>
+                      <a:r>
+                        <a:rPr lang="en-US" sz="2000" spc="-5" dirty="0">
+                          <a:effectLst/>
+                        </a:rPr>
+                        <a:t>c</a:t>
+                      </a:r>
+                      <a:r>
+                        <a:rPr lang="en-US" sz="2000" dirty="0">
+                          <a:effectLst/>
+                        </a:rPr>
+                        <a:t>tion Poi</a:t>
+                      </a:r>
+                      <a:r>
+                        <a:rPr lang="en-US" sz="2000" spc="-5" dirty="0">
+                          <a:effectLst/>
+                        </a:rPr>
+                        <a:t>n</a:t>
+                      </a:r>
+                      <a:r>
+                        <a:rPr lang="en-US" sz="2000" dirty="0">
+                          <a:effectLst/>
+                        </a:rPr>
+                        <a:t>t To</a:t>
+                      </a:r>
+                      <a:r>
+                        <a:rPr lang="en-US" sz="2000" spc="-5" dirty="0">
+                          <a:effectLst/>
+                        </a:rPr>
+                        <a:t>t</a:t>
+                      </a:r>
+                      <a:r>
+                        <a:rPr lang="en-US" sz="2000" dirty="0">
+                          <a:effectLst/>
+                        </a:rPr>
+                        <a:t>al</a:t>
+                      </a:r>
+                      <a:endParaRPr lang="en-US" sz="2000" dirty="0">
+                        <a:effectLst/>
+                        <a:latin typeface="Times New Roman"/>
+                        <a:ea typeface="Times New Roman"/>
+                      </a:endParaRPr>
+                    </a:p>
+                  </a:txBody>
+                  <a:tcPr marL="0" marR="0" marT="0" marB="0"/>
+                </a:tc>
+                <a:tc hMerge="1">
+                  <a:txBody>
+                    <a:bodyPr/>
+                    <a:lstStyle/>
+                    <a:p>
+                      <a:endParaRPr lang="en-US"/>
+                    </a:p>
+                  </a:txBody>
+                  <a:tcPr/>
+                </a:tc>
+                <a:tc hMerge="1">
+                  <a:txBody>
+                    <a:bodyPr/>
+                    <a:lstStyle/>
+                    <a:p>
+                      <a:endParaRPr lang="en-US"/>
+                    </a:p>
+                  </a:txBody>
+                  <a:tcPr/>
+                </a:tc>
+                <a:tc hMerge="1">
+                  <a:txBody>
+                    <a:bodyPr/>
+                    <a:lstStyle/>
+                    <a:p>
+                      <a:endParaRPr lang="en-US"/>
+                    </a:p>
+                  </a:txBody>
+                  <a:tcPr/>
+                </a:tc>
+                <a:tc>
+                  <a:txBody>
+                    <a:bodyPr/>
+                    <a:lstStyle/>
+                    <a:p>
+                      <a:pPr marL="64770" marR="0">
+                        <a:lnSpc>
+                          <a:spcPts val="1345"/>
+                        </a:lnSpc>
+                        <a:spcBef>
+                          <a:spcPts val="0"/>
+                        </a:spcBef>
+                        <a:spcAft>
+                          <a:spcPts val="0"/>
+                        </a:spcAft>
+                        <a:tabLst>
+                          <a:tab pos="689610" algn="ctr"/>
+                        </a:tabLst>
+                      </a:pPr>
+                      <a:endParaRPr lang="en-US" sz="2000" dirty="0" smtClean="0">
+                        <a:effectLst/>
+                      </a:endParaRPr>
+                    </a:p>
+                    <a:p>
+                      <a:pPr marL="64770" marR="0">
+                        <a:lnSpc>
+                          <a:spcPts val="1345"/>
+                        </a:lnSpc>
+                        <a:spcBef>
+                          <a:spcPts val="0"/>
+                        </a:spcBef>
+                        <a:spcAft>
+                          <a:spcPts val="0"/>
+                        </a:spcAft>
+                        <a:tabLst>
+                          <a:tab pos="689610" algn="ctr"/>
+                        </a:tabLst>
+                      </a:pPr>
+                      <a:r>
+                        <a:rPr lang="en-US" sz="2000" dirty="0" smtClean="0">
+                          <a:effectLst/>
+                        </a:rPr>
+                        <a:t>152</a:t>
+                      </a:r>
+                      <a:r>
+                        <a:rPr lang="en-US" sz="2000" dirty="0">
+                          <a:effectLst/>
+                        </a:rPr>
+                        <a:t>	</a:t>
+                      </a:r>
+                      <a:endParaRPr lang="en-US" sz="2000" dirty="0">
+                        <a:effectLst/>
+                        <a:latin typeface="Times New Roman"/>
+                        <a:ea typeface="Times New Roman"/>
+                      </a:endParaRPr>
+                    </a:p>
+                  </a:txBody>
+                  <a:tcPr marL="0" marR="0" marT="0" marB="0"/>
+                </a:tc>
+              </a:tr>
+            </a:tbl>
+          </a:graphicData>
+        </a:graphic>
+      </p:graphicFrame>
+    </p:spTree>
+    <p:extLst>
+      <p:ext uri="{BB962C8B-B14F-4D97-AF65-F5344CB8AC3E}">
+        <p14:creationId xmlns:p14="http://schemas.microsoft.com/office/powerpoint/2010/main" val="3032287578"/>
+      </p:ext>
+    </p:extLst>
+  </p:cSld>
+  <p:clrMapOvr>
+    <a:masterClrMapping/>
+  </p:clrMapOvr>
+</p:sld>
+</file>
+
+<file path=ppt/slides/slide32.xml><?xml version="1.0" encoding="utf-8"?>
+<p:sld xmlns:a="http://schemas.openxmlformats.org/drawingml/2006/main" xmlns:r="http://schemas.openxmlformats.org/officeDocument/2006/relationships" xmlns:p="http://schemas.openxmlformats.org/presentationml/2006/main">
+  <p:cSld>
+    <p:spTree>
+      <p:nvGrpSpPr>
+        <p:cNvPr id="1" name=""/>
+        <p:cNvGrpSpPr/>
+        <p:nvPr/>
+      </p:nvGrpSpPr>
+      <p:grpSpPr>
+        <a:xfrm>
+          <a:off x="0" y="0"/>
+          <a:ext cx="0" cy="0"/>
+          <a:chOff x="0" y="0"/>
+          <a:chExt cx="0" cy="0"/>
+        </a:xfrm>
+      </p:grpSpPr>
+      <p:sp>
+        <p:nvSpPr>
+          <p:cNvPr id="2" name="Title 1"/>
+          <p:cNvSpPr>
+            <a:spLocks noGrp="1"/>
+          </p:cNvSpPr>
+          <p:nvPr>
+            <p:ph type="title"/>
+          </p:nvPr>
+        </p:nvSpPr>
+        <p:spPr/>
+        <p:txBody>
+          <a:bodyPr/>
+          <a:lstStyle/>
+          <a:p>
+            <a:r>
+              <a:rPr lang="en-US" dirty="0" smtClean="0"/>
+              <a:t>Feasibility: </a:t>
+            </a:r>
+            <a:r>
+              <a:rPr lang="en-US" dirty="0" smtClean="0"/>
+              <a:t>Size – Lines of Code</a:t>
+            </a:r>
+            <a:endParaRPr lang="en-US" dirty="0"/>
+          </a:p>
+        </p:txBody>
+      </p:sp>
+      <p:graphicFrame>
+        <p:nvGraphicFramePr>
+          <p:cNvPr id="3" name="Table 2"/>
+          <p:cNvGraphicFramePr>
+            <a:graphicFrameLocks noGrp="1"/>
+          </p:cNvGraphicFramePr>
+          <p:nvPr>
+            <p:extLst>
+              <p:ext uri="{D42A27DB-BD31-4B8C-83A1-F6EECF244321}">
+                <p14:modId xmlns:p14="http://schemas.microsoft.com/office/powerpoint/2010/main" val="3939427955"/>
+              </p:ext>
+            </p:extLst>
+          </p:nvPr>
+        </p:nvGraphicFramePr>
+        <p:xfrm>
+          <a:off x="576943" y="1273629"/>
+          <a:ext cx="10276113" cy="5023476"/>
+        </p:xfrm>
+        <a:graphic>
+          <a:graphicData uri="http://schemas.openxmlformats.org/drawingml/2006/table">
+            <a:tbl>
+              <a:tblPr>
+                <a:tableStyleId>{BC89EF96-8CEA-46FF-86C4-4CE0E7609802}</a:tableStyleId>
+              </a:tblPr>
+              <a:tblGrid>
+                <a:gridCol w="3425371"/>
+                <a:gridCol w="3425371"/>
+                <a:gridCol w="3425371"/>
+              </a:tblGrid>
+              <a:tr h="829390">
+                <a:tc gridSpan="3">
+                  <a:txBody>
+                    <a:bodyPr/>
+                    <a:lstStyle/>
+                    <a:p>
+                      <a:pPr marL="65405" marR="0" algn="ctr">
+                        <a:lnSpc>
+                          <a:spcPct val="115000"/>
+                        </a:lnSpc>
+                        <a:spcBef>
+                          <a:spcPts val="0"/>
+                        </a:spcBef>
+                        <a:spcAft>
+                          <a:spcPts val="0"/>
+                        </a:spcAft>
+                      </a:pPr>
+                      <a:r>
+                        <a:rPr lang="en-US" sz="2400" spc="5">
+                          <a:effectLst/>
+                        </a:rPr>
+                        <a:t>Size</a:t>
+                      </a:r>
+                      <a:r>
+                        <a:rPr lang="en-US" sz="2400">
+                          <a:effectLst/>
+                        </a:rPr>
+                        <a:t> Esti</a:t>
+                      </a:r>
+                      <a:r>
+                        <a:rPr lang="en-US" sz="2400" spc="-15">
+                          <a:effectLst/>
+                        </a:rPr>
+                        <a:t>m</a:t>
+                      </a:r>
+                      <a:r>
+                        <a:rPr lang="en-US" sz="2400">
+                          <a:effectLst/>
+                        </a:rPr>
+                        <a:t>ate – Lines of Code</a:t>
+                      </a:r>
+                      <a:endParaRPr lang="en-US" sz="2400">
+                        <a:effectLst/>
+                        <a:latin typeface="Times New Roman"/>
+                        <a:ea typeface="Times New Roman"/>
+                      </a:endParaRPr>
+                    </a:p>
+                  </a:txBody>
+                  <a:tcPr marL="0" marR="0" marT="0" marB="0"/>
+                </a:tc>
+                <a:tc hMerge="1">
+                  <a:txBody>
+                    <a:bodyPr/>
+                    <a:lstStyle/>
+                    <a:p>
+                      <a:endParaRPr lang="en-US"/>
+                    </a:p>
+                  </a:txBody>
+                  <a:tcPr/>
+                </a:tc>
+                <a:tc hMerge="1">
+                  <a:txBody>
+                    <a:bodyPr/>
+                    <a:lstStyle/>
+                    <a:p>
+                      <a:endParaRPr lang="en-US"/>
+                    </a:p>
+                  </a:txBody>
+                  <a:tcPr/>
+                </a:tc>
+              </a:tr>
+              <a:tr h="879667">
+                <a:tc>
+                  <a:txBody>
+                    <a:bodyPr/>
+                    <a:lstStyle/>
+                    <a:p>
+                      <a:pPr marL="0" marR="0">
+                        <a:lnSpc>
+                          <a:spcPct val="115000"/>
+                        </a:lnSpc>
+                        <a:spcBef>
+                          <a:spcPts val="0"/>
+                        </a:spcBef>
+                        <a:spcAft>
+                          <a:spcPts val="0"/>
+                        </a:spcAft>
+                      </a:pPr>
+                      <a:r>
+                        <a:rPr lang="en-US" sz="2400" dirty="0">
+                          <a:effectLst/>
+                        </a:rPr>
+                        <a:t> </a:t>
+                      </a:r>
+                      <a:endParaRPr lang="en-US" sz="2400" dirty="0">
+                        <a:effectLst/>
+                        <a:latin typeface="Times New Roman"/>
+                        <a:ea typeface="Times New Roman"/>
+                      </a:endParaRPr>
+                    </a:p>
+                  </a:txBody>
+                  <a:tcPr marL="0" marR="0" marT="0" marB="0"/>
+                </a:tc>
+                <a:tc>
+                  <a:txBody>
+                    <a:bodyPr/>
+                    <a:lstStyle/>
+                    <a:p>
+                      <a:pPr marL="64770" marR="0">
+                        <a:lnSpc>
+                          <a:spcPts val="1350"/>
+                        </a:lnSpc>
+                        <a:spcBef>
+                          <a:spcPts val="0"/>
+                        </a:spcBef>
+                        <a:spcAft>
+                          <a:spcPts val="0"/>
+                        </a:spcAft>
+                      </a:pPr>
+                      <a:endParaRPr lang="en-US" sz="2400" spc="-15" dirty="0" smtClean="0">
+                        <a:effectLst/>
+                      </a:endParaRPr>
+                    </a:p>
+                    <a:p>
+                      <a:pPr marL="64770" marR="0">
+                        <a:lnSpc>
+                          <a:spcPts val="1350"/>
+                        </a:lnSpc>
+                        <a:spcBef>
+                          <a:spcPts val="0"/>
+                        </a:spcBef>
+                        <a:spcAft>
+                          <a:spcPts val="0"/>
+                        </a:spcAft>
+                      </a:pPr>
+                      <a:r>
+                        <a:rPr lang="en-US" sz="2400" spc="-15" dirty="0" smtClean="0">
+                          <a:effectLst/>
+                        </a:rPr>
+                        <a:t>L</a:t>
+                      </a:r>
+                      <a:r>
+                        <a:rPr lang="en-US" sz="2400" dirty="0" smtClean="0">
+                          <a:effectLst/>
+                        </a:rPr>
+                        <a:t>ow </a:t>
+                      </a:r>
+                      <a:r>
+                        <a:rPr lang="en-US" sz="2400" spc="5" dirty="0">
+                          <a:effectLst/>
+                        </a:rPr>
+                        <a:t>S</a:t>
+                      </a:r>
+                      <a:r>
+                        <a:rPr lang="en-US" sz="2400" dirty="0">
+                          <a:effectLst/>
+                        </a:rPr>
+                        <a:t>i</a:t>
+                      </a:r>
+                      <a:r>
+                        <a:rPr lang="en-US" sz="2400" spc="5" dirty="0">
+                          <a:effectLst/>
+                        </a:rPr>
+                        <a:t>d</a:t>
+                      </a:r>
+                      <a:r>
+                        <a:rPr lang="en-US" sz="2400" dirty="0">
+                          <a:effectLst/>
+                        </a:rPr>
+                        <a:t>e Est</a:t>
+                      </a:r>
+                      <a:r>
+                        <a:rPr lang="en-US" sz="2400" spc="10" dirty="0">
+                          <a:effectLst/>
+                        </a:rPr>
+                        <a:t>i</a:t>
+                      </a:r>
+                      <a:r>
+                        <a:rPr lang="en-US" sz="2400" spc="-15" dirty="0">
+                          <a:effectLst/>
+                        </a:rPr>
+                        <a:t>m</a:t>
+                      </a:r>
+                      <a:r>
+                        <a:rPr lang="en-US" sz="2400" dirty="0">
+                          <a:effectLst/>
+                        </a:rPr>
+                        <a:t>ation</a:t>
+                      </a:r>
+                      <a:endParaRPr lang="en-US" sz="2400" dirty="0">
+                        <a:effectLst/>
+                        <a:latin typeface="Times New Roman"/>
+                        <a:ea typeface="Times New Roman"/>
+                      </a:endParaRPr>
+                    </a:p>
+                  </a:txBody>
+                  <a:tcPr marL="0" marR="0" marT="0" marB="0"/>
+                </a:tc>
+                <a:tc>
+                  <a:txBody>
+                    <a:bodyPr/>
+                    <a:lstStyle/>
+                    <a:p>
+                      <a:pPr marL="64770" marR="0">
+                        <a:lnSpc>
+                          <a:spcPts val="1375"/>
+                        </a:lnSpc>
+                        <a:spcBef>
+                          <a:spcPts val="0"/>
+                        </a:spcBef>
+                        <a:spcAft>
+                          <a:spcPts val="0"/>
+                        </a:spcAft>
+                      </a:pPr>
+                      <a:endParaRPr lang="en-US" sz="2400" dirty="0" smtClean="0">
+                        <a:effectLst/>
+                      </a:endParaRPr>
+                    </a:p>
+                    <a:p>
+                      <a:pPr marL="64770" marR="0">
+                        <a:lnSpc>
+                          <a:spcPts val="1375"/>
+                        </a:lnSpc>
+                        <a:spcBef>
+                          <a:spcPts val="0"/>
+                        </a:spcBef>
+                        <a:spcAft>
+                          <a:spcPts val="0"/>
+                        </a:spcAft>
+                      </a:pPr>
+                      <a:r>
+                        <a:rPr lang="en-US" sz="2400" dirty="0" smtClean="0">
+                          <a:effectLst/>
+                        </a:rPr>
+                        <a:t>H</a:t>
+                      </a:r>
+                      <a:r>
+                        <a:rPr lang="en-US" sz="2400" spc="5" dirty="0" smtClean="0">
+                          <a:effectLst/>
+                        </a:rPr>
+                        <a:t>i</a:t>
+                      </a:r>
+                      <a:r>
+                        <a:rPr lang="en-US" sz="2400" dirty="0" smtClean="0">
+                          <a:effectLst/>
+                        </a:rPr>
+                        <a:t>gh</a:t>
+                      </a:r>
+                      <a:r>
+                        <a:rPr lang="en-US" sz="2400" spc="10" dirty="0" smtClean="0">
+                          <a:effectLst/>
+                        </a:rPr>
+                        <a:t> </a:t>
+                      </a:r>
+                      <a:r>
+                        <a:rPr lang="en-US" sz="2400" spc="5" dirty="0">
+                          <a:effectLst/>
+                        </a:rPr>
+                        <a:t>S</a:t>
+                      </a:r>
+                      <a:r>
+                        <a:rPr lang="en-US" sz="2400" spc="-10" dirty="0">
+                          <a:effectLst/>
+                        </a:rPr>
+                        <a:t>i</a:t>
+                      </a:r>
+                      <a:r>
+                        <a:rPr lang="en-US" sz="2400" spc="5" dirty="0">
+                          <a:effectLst/>
+                        </a:rPr>
+                        <a:t>d</a:t>
+                      </a:r>
+                      <a:r>
+                        <a:rPr lang="en-US" sz="2400" dirty="0">
+                          <a:effectLst/>
+                        </a:rPr>
+                        <a:t>e Esti</a:t>
+                      </a:r>
+                      <a:r>
+                        <a:rPr lang="en-US" sz="2400" spc="-15" dirty="0">
+                          <a:effectLst/>
+                        </a:rPr>
+                        <a:t>m</a:t>
+                      </a:r>
+                      <a:r>
+                        <a:rPr lang="en-US" sz="2400" dirty="0">
+                          <a:effectLst/>
+                        </a:rPr>
+                        <a:t>ation</a:t>
+                      </a:r>
+                      <a:endParaRPr lang="en-US" sz="2400" dirty="0">
+                        <a:effectLst/>
+                        <a:latin typeface="Times New Roman"/>
+                        <a:ea typeface="Times New Roman"/>
+                      </a:endParaRPr>
+                    </a:p>
+                  </a:txBody>
+                  <a:tcPr marL="0" marR="0" marT="0" marB="0"/>
+                </a:tc>
+              </a:tr>
+              <a:tr h="829390">
+                <a:tc>
+                  <a:txBody>
+                    <a:bodyPr/>
+                    <a:lstStyle/>
+                    <a:p>
+                      <a:pPr marL="65405" marR="0">
+                        <a:lnSpc>
+                          <a:spcPts val="1370"/>
+                        </a:lnSpc>
+                        <a:spcBef>
+                          <a:spcPts val="0"/>
+                        </a:spcBef>
+                        <a:spcAft>
+                          <a:spcPts val="0"/>
+                        </a:spcAft>
+                      </a:pPr>
+                      <a:endParaRPr lang="en-US" sz="2400" spc="5" dirty="0" smtClean="0">
+                        <a:effectLst/>
+                      </a:endParaRPr>
+                    </a:p>
+                    <a:p>
+                      <a:pPr marL="65405" marR="0">
+                        <a:lnSpc>
+                          <a:spcPts val="1370"/>
+                        </a:lnSpc>
+                        <a:spcBef>
+                          <a:spcPts val="0"/>
+                        </a:spcBef>
+                        <a:spcAft>
+                          <a:spcPts val="0"/>
+                        </a:spcAft>
+                      </a:pPr>
+                      <a:r>
+                        <a:rPr lang="en-US" sz="2400" spc="5" dirty="0" smtClean="0">
+                          <a:effectLst/>
+                        </a:rPr>
+                        <a:t>S</a:t>
+                      </a:r>
+                      <a:r>
+                        <a:rPr lang="en-US" sz="2400" dirty="0" smtClean="0">
+                          <a:effectLst/>
+                        </a:rPr>
+                        <a:t>ize</a:t>
+                      </a:r>
+                      <a:r>
+                        <a:rPr lang="en-US" sz="2400" spc="-5" dirty="0" smtClean="0">
+                          <a:effectLst/>
+                        </a:rPr>
+                        <a:t> </a:t>
+                      </a:r>
+                      <a:r>
+                        <a:rPr lang="en-US" sz="2400" dirty="0">
+                          <a:effectLst/>
+                        </a:rPr>
+                        <a:t>Esti</a:t>
+                      </a:r>
+                      <a:r>
+                        <a:rPr lang="en-US" sz="2400" spc="-15" dirty="0">
+                          <a:effectLst/>
+                        </a:rPr>
+                        <a:t>m</a:t>
+                      </a:r>
+                      <a:r>
+                        <a:rPr lang="en-US" sz="2400" spc="10" dirty="0">
+                          <a:effectLst/>
+                        </a:rPr>
+                        <a:t>a</a:t>
+                      </a:r>
+                      <a:r>
+                        <a:rPr lang="en-US" sz="2400" dirty="0">
+                          <a:effectLst/>
+                        </a:rPr>
+                        <a:t>te</a:t>
+                      </a:r>
+                      <a:endParaRPr lang="en-US" sz="2400" dirty="0">
+                        <a:effectLst/>
+                        <a:latin typeface="Times New Roman"/>
+                        <a:ea typeface="Times New Roman"/>
+                      </a:endParaRPr>
+                    </a:p>
+                  </a:txBody>
+                  <a:tcPr marL="0" marR="0" marT="0" marB="0"/>
+                </a:tc>
+                <a:tc>
+                  <a:txBody>
+                    <a:bodyPr/>
+                    <a:lstStyle/>
+                    <a:p>
+                      <a:pPr marL="64770" marR="0">
+                        <a:lnSpc>
+                          <a:spcPts val="1345"/>
+                        </a:lnSpc>
+                        <a:spcBef>
+                          <a:spcPts val="0"/>
+                        </a:spcBef>
+                        <a:spcAft>
+                          <a:spcPts val="0"/>
+                        </a:spcAft>
+                      </a:pPr>
+                      <a:endParaRPr lang="en-US" sz="2400" dirty="0" smtClean="0">
+                        <a:effectLst/>
+                      </a:endParaRPr>
+                    </a:p>
+                    <a:p>
+                      <a:pPr marL="64770" marR="0">
+                        <a:lnSpc>
+                          <a:spcPts val="1345"/>
+                        </a:lnSpc>
+                        <a:spcBef>
+                          <a:spcPts val="0"/>
+                        </a:spcBef>
+                        <a:spcAft>
+                          <a:spcPts val="0"/>
+                        </a:spcAft>
+                      </a:pPr>
+                      <a:r>
+                        <a:rPr lang="en-US" sz="2400" dirty="0" smtClean="0">
+                          <a:effectLst/>
+                        </a:rPr>
+                        <a:t>6,000</a:t>
+                      </a:r>
+                      <a:r>
+                        <a:rPr lang="en-US" sz="2400" spc="10" dirty="0" smtClean="0">
+                          <a:effectLst/>
+                        </a:rPr>
+                        <a:t> </a:t>
+                      </a:r>
+                      <a:r>
+                        <a:rPr lang="en-US" sz="2400" spc="-25" dirty="0">
+                          <a:effectLst/>
+                        </a:rPr>
+                        <a:t>L</a:t>
+                      </a:r>
+                      <a:r>
+                        <a:rPr lang="en-US" sz="2400" dirty="0">
+                          <a:effectLst/>
+                        </a:rPr>
+                        <a:t>ines </a:t>
+                      </a:r>
+                      <a:r>
+                        <a:rPr lang="en-US" sz="2400" spc="10" dirty="0">
+                          <a:effectLst/>
+                        </a:rPr>
+                        <a:t>o</a:t>
+                      </a:r>
+                      <a:r>
+                        <a:rPr lang="en-US" sz="2400" dirty="0">
+                          <a:effectLst/>
+                        </a:rPr>
+                        <a:t>f Code</a:t>
+                      </a:r>
+                      <a:endParaRPr lang="en-US" sz="2400" dirty="0">
+                        <a:effectLst/>
+                        <a:latin typeface="Times New Roman"/>
+                        <a:ea typeface="Times New Roman"/>
+                      </a:endParaRPr>
+                    </a:p>
+                  </a:txBody>
+                  <a:tcPr marL="0" marR="0" marT="0" marB="0"/>
+                </a:tc>
+                <a:tc>
+                  <a:txBody>
+                    <a:bodyPr/>
+                    <a:lstStyle/>
+                    <a:p>
+                      <a:pPr marL="64770" marR="0">
+                        <a:lnSpc>
+                          <a:spcPts val="1345"/>
+                        </a:lnSpc>
+                        <a:spcBef>
+                          <a:spcPts val="0"/>
+                        </a:spcBef>
+                        <a:spcAft>
+                          <a:spcPts val="0"/>
+                        </a:spcAft>
+                      </a:pPr>
+                      <a:endParaRPr lang="en-US" sz="2400" dirty="0" smtClean="0">
+                        <a:effectLst/>
+                      </a:endParaRPr>
+                    </a:p>
+                    <a:p>
+                      <a:pPr marL="64770" marR="0">
+                        <a:lnSpc>
+                          <a:spcPts val="1345"/>
+                        </a:lnSpc>
+                        <a:spcBef>
+                          <a:spcPts val="0"/>
+                        </a:spcBef>
+                        <a:spcAft>
+                          <a:spcPts val="0"/>
+                        </a:spcAft>
+                      </a:pPr>
+                      <a:r>
+                        <a:rPr lang="en-US" sz="2400" dirty="0" smtClean="0">
+                          <a:effectLst/>
+                        </a:rPr>
+                        <a:t>10,000</a:t>
+                      </a:r>
+                      <a:r>
+                        <a:rPr lang="en-US" sz="2400" spc="10" dirty="0" smtClean="0">
+                          <a:effectLst/>
+                        </a:rPr>
+                        <a:t> </a:t>
+                      </a:r>
+                      <a:r>
+                        <a:rPr lang="en-US" sz="2400" spc="-25" dirty="0">
+                          <a:effectLst/>
+                        </a:rPr>
+                        <a:t>L</a:t>
+                      </a:r>
+                      <a:r>
+                        <a:rPr lang="en-US" sz="2400" dirty="0">
+                          <a:effectLst/>
+                        </a:rPr>
+                        <a:t>ines </a:t>
+                      </a:r>
+                      <a:r>
+                        <a:rPr lang="en-US" sz="2400" spc="10" dirty="0">
+                          <a:effectLst/>
+                        </a:rPr>
+                        <a:t>o</a:t>
+                      </a:r>
+                      <a:r>
+                        <a:rPr lang="en-US" sz="2400" dirty="0">
+                          <a:effectLst/>
+                        </a:rPr>
+                        <a:t>f Code</a:t>
+                      </a:r>
+                      <a:endParaRPr lang="en-US" sz="2400" dirty="0">
+                        <a:effectLst/>
+                        <a:latin typeface="Times New Roman"/>
+                        <a:ea typeface="Times New Roman"/>
+                      </a:endParaRPr>
+                    </a:p>
+                  </a:txBody>
+                  <a:tcPr marL="0" marR="0" marT="0" marB="0"/>
+                </a:tc>
+              </a:tr>
+              <a:tr h="826249">
+                <a:tc>
+                  <a:txBody>
+                    <a:bodyPr/>
+                    <a:lstStyle/>
+                    <a:p>
+                      <a:pPr marL="65405" marR="0">
+                        <a:lnSpc>
+                          <a:spcPts val="1370"/>
+                        </a:lnSpc>
+                        <a:spcBef>
+                          <a:spcPts val="0"/>
+                        </a:spcBef>
+                        <a:spcAft>
+                          <a:spcPts val="0"/>
+                        </a:spcAft>
+                      </a:pPr>
+                      <a:endParaRPr lang="en-US" sz="2400" dirty="0" smtClean="0">
+                        <a:effectLst/>
+                      </a:endParaRPr>
+                    </a:p>
+                    <a:p>
+                      <a:pPr marL="65405" marR="0">
+                        <a:lnSpc>
+                          <a:spcPts val="1370"/>
+                        </a:lnSpc>
+                        <a:spcBef>
+                          <a:spcPts val="0"/>
+                        </a:spcBef>
+                        <a:spcAft>
+                          <a:spcPts val="0"/>
+                        </a:spcAft>
+                      </a:pPr>
+                      <a:r>
+                        <a:rPr lang="en-US" sz="2400" dirty="0" smtClean="0">
+                          <a:effectLst/>
+                        </a:rPr>
+                        <a:t>P</a:t>
+                      </a:r>
+                      <a:r>
+                        <a:rPr lang="en-US" sz="2400" spc="-5" dirty="0" smtClean="0">
+                          <a:effectLst/>
+                        </a:rPr>
+                        <a:t>r</a:t>
+                      </a:r>
+                      <a:r>
+                        <a:rPr lang="en-US" sz="2400" dirty="0" smtClean="0">
+                          <a:effectLst/>
+                        </a:rPr>
+                        <a:t>o</a:t>
+                      </a:r>
+                      <a:r>
+                        <a:rPr lang="en-US" sz="2400" spc="5" dirty="0" smtClean="0">
+                          <a:effectLst/>
+                        </a:rPr>
+                        <a:t>du</a:t>
+                      </a:r>
+                      <a:r>
+                        <a:rPr lang="en-US" sz="2400" spc="-5" dirty="0" smtClean="0">
+                          <a:effectLst/>
+                        </a:rPr>
+                        <a:t>c</a:t>
+                      </a:r>
+                      <a:r>
+                        <a:rPr lang="en-US" sz="2400" dirty="0" smtClean="0">
+                          <a:effectLst/>
+                        </a:rPr>
+                        <a:t>tivity</a:t>
+                      </a:r>
+                      <a:endParaRPr lang="en-US" sz="2400" dirty="0">
+                        <a:effectLst/>
+                        <a:latin typeface="Times New Roman"/>
+                        <a:ea typeface="Times New Roman"/>
+                      </a:endParaRPr>
+                    </a:p>
+                  </a:txBody>
+                  <a:tcPr marL="0" marR="0" marT="0" marB="0"/>
+                </a:tc>
+                <a:tc>
+                  <a:txBody>
+                    <a:bodyPr/>
+                    <a:lstStyle/>
+                    <a:p>
+                      <a:pPr marL="64770" marR="0">
+                        <a:lnSpc>
+                          <a:spcPts val="1345"/>
+                        </a:lnSpc>
+                        <a:spcBef>
+                          <a:spcPts val="0"/>
+                        </a:spcBef>
+                        <a:spcAft>
+                          <a:spcPts val="0"/>
+                        </a:spcAft>
+                      </a:pPr>
+                      <a:endParaRPr lang="en-US" sz="2400" dirty="0" smtClean="0">
+                        <a:effectLst/>
+                      </a:endParaRPr>
+                    </a:p>
+                    <a:p>
+                      <a:pPr marL="64770" marR="0">
+                        <a:lnSpc>
+                          <a:spcPts val="1345"/>
+                        </a:lnSpc>
+                        <a:spcBef>
+                          <a:spcPts val="0"/>
+                        </a:spcBef>
+                        <a:spcAft>
+                          <a:spcPts val="0"/>
+                        </a:spcAft>
+                      </a:pPr>
+                      <a:r>
+                        <a:rPr lang="en-US" sz="2400" dirty="0" smtClean="0">
+                          <a:effectLst/>
+                        </a:rPr>
+                        <a:t>300</a:t>
+                      </a:r>
+                      <a:r>
+                        <a:rPr lang="en-US" sz="2400" spc="10" dirty="0" smtClean="0">
+                          <a:effectLst/>
+                        </a:rPr>
+                        <a:t> </a:t>
+                      </a:r>
+                      <a:r>
+                        <a:rPr lang="en-US" sz="2400" spc="-25" dirty="0">
+                          <a:effectLst/>
+                        </a:rPr>
+                        <a:t>L</a:t>
+                      </a:r>
+                      <a:r>
+                        <a:rPr lang="en-US" sz="2400" dirty="0">
+                          <a:effectLst/>
+                        </a:rPr>
+                        <a:t>ines </a:t>
+                      </a:r>
+                      <a:r>
+                        <a:rPr lang="en-US" sz="2400" spc="10" dirty="0">
+                          <a:effectLst/>
+                        </a:rPr>
+                        <a:t>o</a:t>
+                      </a:r>
+                      <a:r>
+                        <a:rPr lang="en-US" sz="2400" dirty="0">
+                          <a:effectLst/>
+                        </a:rPr>
+                        <a:t>f Code</a:t>
+                      </a:r>
+                      <a:endParaRPr lang="en-US" sz="2400" dirty="0">
+                        <a:effectLst/>
+                        <a:latin typeface="Times New Roman"/>
+                        <a:ea typeface="Times New Roman"/>
+                      </a:endParaRPr>
+                    </a:p>
+                  </a:txBody>
+                  <a:tcPr marL="0" marR="0" marT="0" marB="0"/>
+                </a:tc>
+                <a:tc>
+                  <a:txBody>
+                    <a:bodyPr/>
+                    <a:lstStyle/>
+                    <a:p>
+                      <a:pPr marL="64770" marR="0">
+                        <a:lnSpc>
+                          <a:spcPts val="1345"/>
+                        </a:lnSpc>
+                        <a:spcBef>
+                          <a:spcPts val="0"/>
+                        </a:spcBef>
+                        <a:spcAft>
+                          <a:spcPts val="0"/>
+                        </a:spcAft>
+                      </a:pPr>
+                      <a:endParaRPr lang="en-US" sz="2400" dirty="0" smtClean="0">
+                        <a:effectLst/>
+                      </a:endParaRPr>
+                    </a:p>
+                    <a:p>
+                      <a:pPr marL="64770" marR="0">
+                        <a:lnSpc>
+                          <a:spcPts val="1345"/>
+                        </a:lnSpc>
+                        <a:spcBef>
+                          <a:spcPts val="0"/>
+                        </a:spcBef>
+                        <a:spcAft>
+                          <a:spcPts val="0"/>
+                        </a:spcAft>
+                      </a:pPr>
+                      <a:r>
+                        <a:rPr lang="en-US" sz="2400" dirty="0" smtClean="0">
+                          <a:effectLst/>
+                        </a:rPr>
+                        <a:t>250</a:t>
+                      </a:r>
+                      <a:r>
+                        <a:rPr lang="en-US" sz="2400" spc="10" dirty="0" smtClean="0">
+                          <a:effectLst/>
+                        </a:rPr>
+                        <a:t> </a:t>
+                      </a:r>
+                      <a:r>
+                        <a:rPr lang="en-US" sz="2400" spc="-25" dirty="0">
+                          <a:effectLst/>
+                        </a:rPr>
+                        <a:t>L</a:t>
+                      </a:r>
+                      <a:r>
+                        <a:rPr lang="en-US" sz="2400" dirty="0">
+                          <a:effectLst/>
+                        </a:rPr>
+                        <a:t>ines </a:t>
+                      </a:r>
+                      <a:r>
+                        <a:rPr lang="en-US" sz="2400" spc="10" dirty="0">
+                          <a:effectLst/>
+                        </a:rPr>
+                        <a:t>o</a:t>
+                      </a:r>
+                      <a:r>
+                        <a:rPr lang="en-US" sz="2400" dirty="0">
+                          <a:effectLst/>
+                        </a:rPr>
+                        <a:t>f Code</a:t>
+                      </a:r>
+                      <a:endParaRPr lang="en-US" sz="2400" dirty="0">
+                        <a:effectLst/>
+                        <a:latin typeface="Times New Roman"/>
+                        <a:ea typeface="Times New Roman"/>
+                      </a:endParaRPr>
+                    </a:p>
+                  </a:txBody>
+                  <a:tcPr marL="0" marR="0" marT="0" marB="0"/>
+                </a:tc>
+              </a:tr>
+              <a:tr h="829390">
+                <a:tc>
+                  <a:txBody>
+                    <a:bodyPr/>
+                    <a:lstStyle/>
+                    <a:p>
+                      <a:pPr marL="65405" marR="0">
+                        <a:lnSpc>
+                          <a:spcPts val="1370"/>
+                        </a:lnSpc>
+                        <a:spcBef>
+                          <a:spcPts val="0"/>
+                        </a:spcBef>
+                        <a:spcAft>
+                          <a:spcPts val="0"/>
+                        </a:spcAft>
+                      </a:pPr>
+                      <a:endParaRPr lang="en-US" sz="2400" dirty="0" smtClean="0">
+                        <a:effectLst/>
+                      </a:endParaRPr>
+                    </a:p>
+                    <a:p>
+                      <a:pPr marL="65405" marR="0">
+                        <a:lnSpc>
+                          <a:spcPts val="1370"/>
+                        </a:lnSpc>
+                        <a:spcBef>
+                          <a:spcPts val="0"/>
+                        </a:spcBef>
+                        <a:spcAft>
+                          <a:spcPts val="0"/>
+                        </a:spcAft>
+                      </a:pPr>
+                      <a:r>
+                        <a:rPr lang="en-US" sz="2400" dirty="0" smtClean="0">
+                          <a:effectLst/>
+                        </a:rPr>
+                        <a:t>Ef</a:t>
+                      </a:r>
+                      <a:r>
+                        <a:rPr lang="en-US" sz="2400" spc="5" dirty="0" smtClean="0">
+                          <a:effectLst/>
+                        </a:rPr>
+                        <a:t>f</a:t>
+                      </a:r>
+                      <a:r>
+                        <a:rPr lang="en-US" sz="2400" dirty="0" smtClean="0">
+                          <a:effectLst/>
+                        </a:rPr>
+                        <a:t>o</a:t>
+                      </a:r>
+                      <a:r>
+                        <a:rPr lang="en-US" sz="2400" spc="-5" dirty="0" smtClean="0">
+                          <a:effectLst/>
+                        </a:rPr>
+                        <a:t>r</a:t>
+                      </a:r>
+                      <a:r>
+                        <a:rPr lang="en-US" sz="2400" dirty="0" smtClean="0">
+                          <a:effectLst/>
+                        </a:rPr>
+                        <a:t>t</a:t>
+                      </a:r>
+                      <a:endParaRPr lang="en-US" sz="2400" dirty="0">
+                        <a:effectLst/>
+                        <a:latin typeface="Times New Roman"/>
+                        <a:ea typeface="Times New Roman"/>
+                      </a:endParaRPr>
+                    </a:p>
+                  </a:txBody>
+                  <a:tcPr marL="0" marR="0" marT="0" marB="0"/>
+                </a:tc>
+                <a:tc>
+                  <a:txBody>
+                    <a:bodyPr/>
+                    <a:lstStyle/>
+                    <a:p>
+                      <a:pPr marL="64770" marR="0">
+                        <a:lnSpc>
+                          <a:spcPts val="1345"/>
+                        </a:lnSpc>
+                        <a:spcBef>
+                          <a:spcPts val="0"/>
+                        </a:spcBef>
+                        <a:spcAft>
+                          <a:spcPts val="0"/>
+                        </a:spcAft>
+                      </a:pPr>
+                      <a:endParaRPr lang="en-US" sz="2400" dirty="0" smtClean="0">
+                        <a:effectLst/>
+                      </a:endParaRPr>
+                    </a:p>
+                    <a:p>
+                      <a:pPr marL="64770" marR="0">
+                        <a:lnSpc>
+                          <a:spcPts val="1345"/>
+                        </a:lnSpc>
+                        <a:spcBef>
+                          <a:spcPts val="0"/>
+                        </a:spcBef>
+                        <a:spcAft>
+                          <a:spcPts val="0"/>
+                        </a:spcAft>
+                      </a:pPr>
+                      <a:r>
+                        <a:rPr lang="en-US" sz="2400" dirty="0" smtClean="0">
+                          <a:effectLst/>
+                        </a:rPr>
+                        <a:t>20 </a:t>
+                      </a:r>
+                      <a:r>
+                        <a:rPr lang="en-US" sz="2400" dirty="0">
+                          <a:effectLst/>
+                        </a:rPr>
+                        <a:t>Months</a:t>
+                      </a:r>
+                      <a:endParaRPr lang="en-US" sz="2400" dirty="0">
+                        <a:effectLst/>
+                        <a:latin typeface="Times New Roman"/>
+                        <a:ea typeface="Times New Roman"/>
+                      </a:endParaRPr>
+                    </a:p>
+                  </a:txBody>
+                  <a:tcPr marL="0" marR="0" marT="0" marB="0"/>
+                </a:tc>
+                <a:tc>
+                  <a:txBody>
+                    <a:bodyPr/>
+                    <a:lstStyle/>
+                    <a:p>
+                      <a:pPr marL="64770" marR="0">
+                        <a:lnSpc>
+                          <a:spcPts val="1345"/>
+                        </a:lnSpc>
+                        <a:spcBef>
+                          <a:spcPts val="0"/>
+                        </a:spcBef>
+                        <a:spcAft>
+                          <a:spcPts val="0"/>
+                        </a:spcAft>
+                      </a:pPr>
+                      <a:endParaRPr lang="en-US" sz="2400" dirty="0" smtClean="0">
+                        <a:effectLst/>
+                      </a:endParaRPr>
+                    </a:p>
+                    <a:p>
+                      <a:pPr marL="64770" marR="0">
+                        <a:lnSpc>
+                          <a:spcPts val="1345"/>
+                        </a:lnSpc>
+                        <a:spcBef>
+                          <a:spcPts val="0"/>
+                        </a:spcBef>
+                        <a:spcAft>
+                          <a:spcPts val="0"/>
+                        </a:spcAft>
+                      </a:pPr>
+                      <a:r>
+                        <a:rPr lang="en-US" sz="2400" dirty="0" smtClean="0">
+                          <a:effectLst/>
+                        </a:rPr>
+                        <a:t>40</a:t>
+                      </a:r>
+                      <a:endParaRPr lang="en-US" sz="2400" dirty="0">
+                        <a:effectLst/>
+                        <a:latin typeface="Times New Roman"/>
+                        <a:ea typeface="Times New Roman"/>
+                      </a:endParaRPr>
+                    </a:p>
+                  </a:txBody>
+                  <a:tcPr marL="0" marR="0" marT="0" marB="0"/>
+                </a:tc>
+              </a:tr>
+              <a:tr h="829390">
+                <a:tc>
+                  <a:txBody>
+                    <a:bodyPr/>
+                    <a:lstStyle/>
+                    <a:p>
+                      <a:pPr marL="65405" marR="0">
+                        <a:lnSpc>
+                          <a:spcPts val="1345"/>
+                        </a:lnSpc>
+                        <a:spcBef>
+                          <a:spcPts val="0"/>
+                        </a:spcBef>
+                        <a:spcAft>
+                          <a:spcPts val="0"/>
+                        </a:spcAft>
+                      </a:pPr>
+                      <a:endParaRPr lang="en-US" sz="2400" dirty="0" smtClean="0">
+                        <a:effectLst/>
+                      </a:endParaRPr>
+                    </a:p>
+                    <a:p>
+                      <a:pPr marL="65405" marR="0">
+                        <a:lnSpc>
+                          <a:spcPts val="1345"/>
+                        </a:lnSpc>
+                        <a:spcBef>
+                          <a:spcPts val="0"/>
+                        </a:spcBef>
+                        <a:spcAft>
+                          <a:spcPts val="0"/>
+                        </a:spcAft>
+                      </a:pPr>
+                      <a:r>
+                        <a:rPr lang="en-US" sz="2400" dirty="0" smtClean="0">
+                          <a:effectLst/>
+                        </a:rPr>
+                        <a:t>Du</a:t>
+                      </a:r>
+                      <a:r>
+                        <a:rPr lang="en-US" sz="2400" spc="-5" dirty="0" smtClean="0">
+                          <a:effectLst/>
+                        </a:rPr>
+                        <a:t>ra</a:t>
+                      </a:r>
+                      <a:r>
+                        <a:rPr lang="en-US" sz="2400" dirty="0" smtClean="0">
+                          <a:effectLst/>
+                        </a:rPr>
+                        <a:t>t</a:t>
+                      </a:r>
+                      <a:r>
+                        <a:rPr lang="en-US" sz="2400" spc="5" dirty="0" smtClean="0">
+                          <a:effectLst/>
+                        </a:rPr>
+                        <a:t>i</a:t>
+                      </a:r>
+                      <a:r>
+                        <a:rPr lang="en-US" sz="2400" dirty="0" smtClean="0">
+                          <a:effectLst/>
+                        </a:rPr>
+                        <a:t>on </a:t>
+                      </a:r>
+                      <a:r>
+                        <a:rPr lang="en-US" sz="2400" dirty="0">
+                          <a:effectLst/>
+                        </a:rPr>
+                        <a:t>of</a:t>
+                      </a:r>
+                      <a:r>
+                        <a:rPr lang="en-US" sz="2400" spc="-5" dirty="0">
+                          <a:effectLst/>
+                        </a:rPr>
+                        <a:t> </a:t>
+                      </a:r>
+                      <a:r>
+                        <a:rPr lang="en-US" sz="2400" dirty="0">
+                          <a:effectLst/>
+                        </a:rPr>
+                        <a:t>4 </a:t>
+                      </a:r>
+                      <a:r>
+                        <a:rPr lang="en-US" sz="2400" spc="5" dirty="0">
+                          <a:effectLst/>
+                        </a:rPr>
+                        <a:t>P</a:t>
+                      </a:r>
+                      <a:r>
+                        <a:rPr lang="en-US" sz="2400" spc="-5" dirty="0">
+                          <a:effectLst/>
+                        </a:rPr>
+                        <a:t>e</a:t>
+                      </a:r>
+                      <a:r>
+                        <a:rPr lang="en-US" sz="2400" dirty="0">
+                          <a:effectLst/>
+                        </a:rPr>
+                        <a:t>rson </a:t>
+                      </a:r>
+                      <a:r>
+                        <a:rPr lang="en-US" sz="2400" spc="5" dirty="0">
+                          <a:effectLst/>
+                        </a:rPr>
+                        <a:t>T</a:t>
+                      </a:r>
+                      <a:r>
+                        <a:rPr lang="en-US" sz="2400" spc="-5" dirty="0">
+                          <a:effectLst/>
+                        </a:rPr>
+                        <a:t>e</a:t>
+                      </a:r>
+                      <a:r>
+                        <a:rPr lang="en-US" sz="2400" spc="5" dirty="0">
+                          <a:effectLst/>
+                        </a:rPr>
+                        <a:t>a</a:t>
+                      </a:r>
+                      <a:r>
+                        <a:rPr lang="en-US" sz="2400" dirty="0">
+                          <a:effectLst/>
+                        </a:rPr>
+                        <a:t>m</a:t>
+                      </a:r>
+                      <a:endParaRPr lang="en-US" sz="2400" dirty="0">
+                        <a:effectLst/>
+                        <a:latin typeface="Times New Roman"/>
+                        <a:ea typeface="Times New Roman"/>
+                      </a:endParaRPr>
+                    </a:p>
+                  </a:txBody>
+                  <a:tcPr marL="0" marR="0" marT="0" marB="0"/>
+                </a:tc>
+                <a:tc>
+                  <a:txBody>
+                    <a:bodyPr/>
+                    <a:lstStyle/>
+                    <a:p>
+                      <a:pPr marL="64770" marR="0">
+                        <a:lnSpc>
+                          <a:spcPts val="1345"/>
+                        </a:lnSpc>
+                        <a:spcBef>
+                          <a:spcPts val="0"/>
+                        </a:spcBef>
+                        <a:spcAft>
+                          <a:spcPts val="0"/>
+                        </a:spcAft>
+                      </a:pPr>
+                      <a:endParaRPr lang="en-US" sz="2400" dirty="0" smtClean="0">
+                        <a:effectLst/>
+                      </a:endParaRPr>
+                    </a:p>
+                    <a:p>
+                      <a:pPr marL="64770" marR="0">
+                        <a:lnSpc>
+                          <a:spcPts val="1345"/>
+                        </a:lnSpc>
+                        <a:spcBef>
+                          <a:spcPts val="0"/>
+                        </a:spcBef>
+                        <a:spcAft>
+                          <a:spcPts val="0"/>
+                        </a:spcAft>
+                      </a:pPr>
+                      <a:r>
+                        <a:rPr lang="en-US" sz="2400" dirty="0" smtClean="0">
+                          <a:effectLst/>
+                        </a:rPr>
+                        <a:t>5 </a:t>
+                      </a:r>
+                      <a:r>
+                        <a:rPr lang="en-US" sz="2400" dirty="0">
+                          <a:effectLst/>
+                        </a:rPr>
+                        <a:t>Months</a:t>
+                      </a:r>
+                      <a:endParaRPr lang="en-US" sz="2400" dirty="0">
+                        <a:effectLst/>
+                        <a:latin typeface="Times New Roman"/>
+                        <a:ea typeface="Times New Roman"/>
+                      </a:endParaRPr>
+                    </a:p>
+                  </a:txBody>
+                  <a:tcPr marL="0" marR="0" marT="0" marB="0"/>
+                </a:tc>
+                <a:tc>
+                  <a:txBody>
+                    <a:bodyPr/>
+                    <a:lstStyle/>
+                    <a:p>
+                      <a:pPr marL="64770" marR="0">
+                        <a:lnSpc>
+                          <a:spcPts val="1345"/>
+                        </a:lnSpc>
+                        <a:spcBef>
+                          <a:spcPts val="0"/>
+                        </a:spcBef>
+                        <a:spcAft>
+                          <a:spcPts val="0"/>
+                        </a:spcAft>
+                      </a:pPr>
+                      <a:endParaRPr lang="en-US" sz="2400" dirty="0" smtClean="0">
+                        <a:effectLst/>
+                      </a:endParaRPr>
+                    </a:p>
+                    <a:p>
+                      <a:pPr marL="64770" marR="0">
+                        <a:lnSpc>
+                          <a:spcPts val="1345"/>
+                        </a:lnSpc>
+                        <a:spcBef>
+                          <a:spcPts val="0"/>
+                        </a:spcBef>
+                        <a:spcAft>
+                          <a:spcPts val="0"/>
+                        </a:spcAft>
+                      </a:pPr>
+                      <a:r>
+                        <a:rPr lang="en-US" sz="2400" dirty="0" smtClean="0">
+                          <a:effectLst/>
+                        </a:rPr>
+                        <a:t>10 </a:t>
+                      </a:r>
+                      <a:r>
+                        <a:rPr lang="en-US" sz="2400" dirty="0">
+                          <a:effectLst/>
+                        </a:rPr>
+                        <a:t>mon</a:t>
+                      </a:r>
+                      <a:r>
+                        <a:rPr lang="en-US" sz="2400" spc="5" dirty="0">
+                          <a:effectLst/>
+                        </a:rPr>
+                        <a:t>t</a:t>
+                      </a:r>
+                      <a:r>
+                        <a:rPr lang="en-US" sz="2400" dirty="0">
+                          <a:effectLst/>
+                        </a:rPr>
+                        <a:t>hs</a:t>
+                      </a:r>
+                      <a:endParaRPr lang="en-US" sz="2400" dirty="0">
+                        <a:effectLst/>
+                        <a:latin typeface="Times New Roman"/>
+                        <a:ea typeface="Times New Roman"/>
+                      </a:endParaRPr>
+                    </a:p>
+                  </a:txBody>
+                  <a:tcPr marL="0" marR="0" marT="0" marB="0"/>
+                </a:tc>
+              </a:tr>
+            </a:tbl>
+          </a:graphicData>
+        </a:graphic>
+      </p:graphicFrame>
+    </p:spTree>
+    <p:extLst>
+      <p:ext uri="{BB962C8B-B14F-4D97-AF65-F5344CB8AC3E}">
+        <p14:creationId xmlns:p14="http://schemas.microsoft.com/office/powerpoint/2010/main" val="1033233524"/>
+      </p:ext>
+    </p:extLst>
+  </p:cSld>
+  <p:clrMapOvr>
+    <a:masterClrMapping/>
+  </p:clrMapOvr>
+</p:sld>
+</file>
+
+<file path=ppt/slides/slide33.xml><?xml version="1.0" encoding="utf-8"?>
+<p:sld xmlns:a="http://schemas.openxmlformats.org/drawingml/2006/main" xmlns:r="http://schemas.openxmlformats.org/officeDocument/2006/relationships" xmlns:p="http://schemas.openxmlformats.org/presentationml/2006/main">
+  <p:cSld>
+    <p:spTree>
+      <p:nvGrpSpPr>
+        <p:cNvPr id="1" name=""/>
+        <p:cNvGrpSpPr/>
+        <p:nvPr/>
+      </p:nvGrpSpPr>
+      <p:grpSpPr>
+        <a:xfrm>
+          <a:off x="0" y="0"/>
+          <a:ext cx="0" cy="0"/>
+          <a:chOff x="0" y="0"/>
+          <a:chExt cx="0" cy="0"/>
+        </a:xfrm>
+      </p:grpSpPr>
+      <p:sp>
+        <p:nvSpPr>
+          <p:cNvPr id="2" name="Title 1"/>
+          <p:cNvSpPr>
+            <a:spLocks noGrp="1"/>
+          </p:cNvSpPr>
+          <p:nvPr>
+            <p:ph type="title"/>
+          </p:nvPr>
+        </p:nvSpPr>
+        <p:spPr/>
+        <p:txBody>
+          <a:bodyPr/>
+          <a:lstStyle/>
+          <a:p>
+            <a:r>
+              <a:rPr lang="en-US" dirty="0" smtClean="0"/>
+              <a:t>Feasibility: </a:t>
+            </a:r>
+            <a:r>
+              <a:rPr lang="en-US" dirty="0" smtClean="0"/>
+              <a:t>Effort</a:t>
+            </a:r>
+            <a:endParaRPr lang="en-US" dirty="0"/>
+          </a:p>
+        </p:txBody>
+      </p:sp>
+      <p:graphicFrame>
+        <p:nvGraphicFramePr>
+          <p:cNvPr id="4" name="Table 3"/>
+          <p:cNvGraphicFramePr>
+            <a:graphicFrameLocks noGrp="1"/>
+          </p:cNvGraphicFramePr>
+          <p:nvPr>
+            <p:extLst>
+              <p:ext uri="{D42A27DB-BD31-4B8C-83A1-F6EECF244321}">
+                <p14:modId xmlns:p14="http://schemas.microsoft.com/office/powerpoint/2010/main" val="4214047533"/>
+              </p:ext>
+            </p:extLst>
+          </p:nvPr>
+        </p:nvGraphicFramePr>
+        <p:xfrm>
+          <a:off x="711563" y="1337417"/>
+          <a:ext cx="8312694" cy="1090096"/>
+        </p:xfrm>
+        <a:graphic>
+          <a:graphicData uri="http://schemas.openxmlformats.org/drawingml/2006/table">
+            <a:tbl>
+              <a:tblPr firstRow="1" firstCol="1" bandRow="1">
+                <a:tableStyleId>{B301B821-A1FF-4177-AEE7-76D212191A09}</a:tableStyleId>
+              </a:tblPr>
+              <a:tblGrid>
+                <a:gridCol w="2770898"/>
+                <a:gridCol w="2770898"/>
+                <a:gridCol w="2770898"/>
+              </a:tblGrid>
+              <a:tr h="272524">
+                <a:tc gridSpan="3">
+                  <a:txBody>
+                    <a:bodyPr/>
+                    <a:lstStyle/>
+                    <a:p>
+                      <a:pPr marL="0" marR="0" algn="ctr">
+                        <a:lnSpc>
+                          <a:spcPct val="115000"/>
+                        </a:lnSpc>
+                        <a:spcBef>
+                          <a:spcPts val="0"/>
+                        </a:spcBef>
+                        <a:spcAft>
+                          <a:spcPts val="1000"/>
+                        </a:spcAft>
+                      </a:pPr>
+                      <a:r>
+                        <a:rPr lang="en-US" sz="1400" dirty="0">
+                          <a:effectLst/>
+                        </a:rPr>
+                        <a:t>Jones First Order Estimation</a:t>
+                      </a:r>
+                      <a:endParaRPr lang="en-US" sz="1400" dirty="0">
+                        <a:effectLst/>
+                        <a:latin typeface="Times New Roman"/>
+                        <a:ea typeface="Times New Roman"/>
+                      </a:endParaRPr>
+                    </a:p>
+                  </a:txBody>
+                  <a:tcPr marL="68580" marR="68580" marT="0" marB="0"/>
+                </a:tc>
+                <a:tc hMerge="1">
+                  <a:txBody>
+                    <a:bodyPr/>
+                    <a:lstStyle/>
+                    <a:p>
+                      <a:endParaRPr lang="en-US"/>
+                    </a:p>
+                  </a:txBody>
+                  <a:tcPr/>
+                </a:tc>
+                <a:tc hMerge="1">
+                  <a:txBody>
+                    <a:bodyPr/>
+                    <a:lstStyle/>
+                    <a:p>
+                      <a:endParaRPr lang="en-US"/>
+                    </a:p>
+                  </a:txBody>
+                  <a:tcPr/>
+                </a:tc>
+              </a:tr>
+              <a:tr h="272524">
+                <a:tc>
+                  <a:txBody>
+                    <a:bodyPr/>
+                    <a:lstStyle/>
+                    <a:p>
+                      <a:pPr marL="0" marR="0" algn="ctr">
+                        <a:lnSpc>
+                          <a:spcPct val="115000"/>
+                        </a:lnSpc>
+                        <a:spcBef>
+                          <a:spcPts val="0"/>
+                        </a:spcBef>
+                        <a:spcAft>
+                          <a:spcPts val="1000"/>
+                        </a:spcAft>
+                      </a:pPr>
+                      <a:r>
+                        <a:rPr lang="en-US" sz="1400">
+                          <a:effectLst/>
+                        </a:rPr>
+                        <a:t>Worst in Class</a:t>
+                      </a:r>
+                      <a:endParaRPr lang="en-US" sz="1400">
+                        <a:effectLst/>
+                        <a:latin typeface="Times New Roman"/>
+                        <a:ea typeface="Times New Roman"/>
+                      </a:endParaRPr>
+                    </a:p>
+                  </a:txBody>
+                  <a:tcPr marL="68580" marR="68580" marT="0" marB="0"/>
+                </a:tc>
+                <a:tc>
+                  <a:txBody>
+                    <a:bodyPr/>
+                    <a:lstStyle/>
+                    <a:p>
+                      <a:pPr marL="0" marR="0" algn="ctr">
+                        <a:lnSpc>
+                          <a:spcPct val="115000"/>
+                        </a:lnSpc>
+                        <a:spcBef>
+                          <a:spcPts val="0"/>
+                        </a:spcBef>
+                        <a:spcAft>
+                          <a:spcPts val="1000"/>
+                        </a:spcAft>
+                      </a:pPr>
+                      <a:r>
+                        <a:rPr lang="en-US" sz="1400">
+                          <a:effectLst/>
+                        </a:rPr>
+                        <a:t>Average in Class</a:t>
+                      </a:r>
+                      <a:endParaRPr lang="en-US" sz="1400">
+                        <a:effectLst/>
+                        <a:latin typeface="Times New Roman"/>
+                        <a:ea typeface="Times New Roman"/>
+                      </a:endParaRPr>
+                    </a:p>
+                  </a:txBody>
+                  <a:tcPr marL="68580" marR="68580" marT="0" marB="0"/>
+                </a:tc>
+                <a:tc>
+                  <a:txBody>
+                    <a:bodyPr/>
+                    <a:lstStyle/>
+                    <a:p>
+                      <a:pPr marL="0" marR="0" algn="ctr">
+                        <a:lnSpc>
+                          <a:spcPct val="115000"/>
+                        </a:lnSpc>
+                        <a:spcBef>
+                          <a:spcPts val="0"/>
+                        </a:spcBef>
+                        <a:spcAft>
+                          <a:spcPts val="1000"/>
+                        </a:spcAft>
+                      </a:pPr>
+                      <a:r>
+                        <a:rPr lang="en-US" sz="1400">
+                          <a:effectLst/>
+                        </a:rPr>
+                        <a:t>Best in Class</a:t>
+                      </a:r>
+                      <a:endParaRPr lang="en-US" sz="1400">
+                        <a:effectLst/>
+                        <a:latin typeface="Times New Roman"/>
+                        <a:ea typeface="Times New Roman"/>
+                      </a:endParaRPr>
+                    </a:p>
+                  </a:txBody>
+                  <a:tcPr marL="68580" marR="68580" marT="0" marB="0"/>
+                </a:tc>
+              </a:tr>
+              <a:tr h="272524">
+                <a:tc>
+                  <a:txBody>
+                    <a:bodyPr/>
+                    <a:lstStyle/>
+                    <a:p>
+                      <a:pPr marL="0" marR="0">
+                        <a:lnSpc>
+                          <a:spcPct val="115000"/>
+                        </a:lnSpc>
+                        <a:spcBef>
+                          <a:spcPts val="0"/>
+                        </a:spcBef>
+                        <a:spcAft>
+                          <a:spcPts val="1000"/>
+                        </a:spcAft>
+                      </a:pPr>
+                      <a:r>
+                        <a:rPr lang="en-US" sz="1400" b="0" dirty="0">
+                          <a:effectLst/>
+                        </a:rPr>
+                        <a:t>152</a:t>
+                      </a:r>
+                      <a:r>
+                        <a:rPr lang="en-US" sz="1400" b="0" baseline="30000" dirty="0">
+                          <a:effectLst/>
+                        </a:rPr>
+                        <a:t>.48</a:t>
+                      </a:r>
+                      <a:endParaRPr lang="en-US" sz="1400" b="0" dirty="0">
+                        <a:effectLst/>
+                        <a:latin typeface="Times New Roman"/>
+                        <a:ea typeface="Times New Roman"/>
+                      </a:endParaRPr>
+                    </a:p>
+                  </a:txBody>
+                  <a:tcPr marL="68580" marR="68580" marT="0" marB="0"/>
+                </a:tc>
+                <a:tc>
+                  <a:txBody>
+                    <a:bodyPr/>
+                    <a:lstStyle/>
+                    <a:p>
+                      <a:pPr marL="0" marR="0">
+                        <a:lnSpc>
+                          <a:spcPct val="115000"/>
+                        </a:lnSpc>
+                        <a:spcBef>
+                          <a:spcPts val="0"/>
+                        </a:spcBef>
+                        <a:spcAft>
+                          <a:spcPts val="1000"/>
+                        </a:spcAft>
+                      </a:pPr>
+                      <a:r>
+                        <a:rPr lang="en-US" sz="1400">
+                          <a:effectLst/>
+                        </a:rPr>
+                        <a:t>152</a:t>
+                      </a:r>
+                      <a:r>
+                        <a:rPr lang="en-US" sz="1400" baseline="30000">
+                          <a:effectLst/>
+                        </a:rPr>
+                        <a:t>.45</a:t>
+                      </a:r>
+                      <a:endParaRPr lang="en-US" sz="1400">
+                        <a:effectLst/>
+                        <a:latin typeface="Times New Roman"/>
+                        <a:ea typeface="Times New Roman"/>
+                      </a:endParaRPr>
+                    </a:p>
+                  </a:txBody>
+                  <a:tcPr marL="68580" marR="68580" marT="0" marB="0"/>
+                </a:tc>
+                <a:tc>
+                  <a:txBody>
+                    <a:bodyPr/>
+                    <a:lstStyle/>
+                    <a:p>
+                      <a:pPr marL="0" marR="0">
+                        <a:lnSpc>
+                          <a:spcPct val="115000"/>
+                        </a:lnSpc>
+                        <a:spcBef>
+                          <a:spcPts val="0"/>
+                        </a:spcBef>
+                        <a:spcAft>
+                          <a:spcPts val="1000"/>
+                        </a:spcAft>
+                      </a:pPr>
+                      <a:r>
+                        <a:rPr lang="en-US" sz="1400">
+                          <a:effectLst/>
+                        </a:rPr>
+                        <a:t>152</a:t>
+                      </a:r>
+                      <a:r>
+                        <a:rPr lang="en-US" sz="1400" baseline="30000">
+                          <a:effectLst/>
+                        </a:rPr>
+                        <a:t>.43</a:t>
+                      </a:r>
+                      <a:endParaRPr lang="en-US" sz="1400">
+                        <a:effectLst/>
+                        <a:latin typeface="Times New Roman"/>
+                        <a:ea typeface="Times New Roman"/>
+                      </a:endParaRPr>
+                    </a:p>
+                  </a:txBody>
+                  <a:tcPr marL="68580" marR="68580" marT="0" marB="0"/>
+                </a:tc>
+              </a:tr>
+              <a:tr h="272524">
+                <a:tc>
+                  <a:txBody>
+                    <a:bodyPr/>
+                    <a:lstStyle/>
+                    <a:p>
+                      <a:pPr marL="0" marR="0">
+                        <a:lnSpc>
+                          <a:spcPct val="115000"/>
+                        </a:lnSpc>
+                        <a:spcBef>
+                          <a:spcPts val="0"/>
+                        </a:spcBef>
+                        <a:spcAft>
+                          <a:spcPts val="1000"/>
+                        </a:spcAft>
+                      </a:pPr>
+                      <a:r>
+                        <a:rPr lang="en-US" sz="1400" b="0" dirty="0">
+                          <a:effectLst/>
+                        </a:rPr>
+                        <a:t>11.2 Calendar Months</a:t>
+                      </a:r>
+                      <a:endParaRPr lang="en-US" sz="1400" b="0" dirty="0">
+                        <a:effectLst/>
+                        <a:latin typeface="Times New Roman"/>
+                        <a:ea typeface="Times New Roman"/>
+                      </a:endParaRPr>
+                    </a:p>
+                  </a:txBody>
+                  <a:tcPr marL="68580" marR="68580" marT="0" marB="0"/>
+                </a:tc>
+                <a:tc>
+                  <a:txBody>
+                    <a:bodyPr/>
+                    <a:lstStyle/>
+                    <a:p>
+                      <a:pPr marL="0" marR="0">
+                        <a:lnSpc>
+                          <a:spcPct val="115000"/>
+                        </a:lnSpc>
+                        <a:spcBef>
+                          <a:spcPts val="0"/>
+                        </a:spcBef>
+                        <a:spcAft>
+                          <a:spcPts val="1000"/>
+                        </a:spcAft>
+                      </a:pPr>
+                      <a:r>
+                        <a:rPr lang="en-US" sz="1400">
+                          <a:effectLst/>
+                        </a:rPr>
+                        <a:t>9.6 Calendar Months</a:t>
+                      </a:r>
+                      <a:endParaRPr lang="en-US" sz="1400">
+                        <a:effectLst/>
+                        <a:latin typeface="Times New Roman"/>
+                        <a:ea typeface="Times New Roman"/>
+                      </a:endParaRPr>
+                    </a:p>
+                  </a:txBody>
+                  <a:tcPr marL="68580" marR="68580" marT="0" marB="0"/>
+                </a:tc>
+                <a:tc>
+                  <a:txBody>
+                    <a:bodyPr/>
+                    <a:lstStyle/>
+                    <a:p>
+                      <a:pPr marL="0" marR="0">
+                        <a:lnSpc>
+                          <a:spcPct val="115000"/>
+                        </a:lnSpc>
+                        <a:spcBef>
+                          <a:spcPts val="0"/>
+                        </a:spcBef>
+                        <a:spcAft>
+                          <a:spcPts val="1000"/>
+                        </a:spcAft>
+                      </a:pPr>
+                      <a:r>
+                        <a:rPr lang="en-US" sz="1400" dirty="0">
+                          <a:effectLst/>
+                        </a:rPr>
+                        <a:t>8.7 Calendar Months</a:t>
+                      </a:r>
+                      <a:endParaRPr lang="en-US" sz="1400" dirty="0">
+                        <a:effectLst/>
+                        <a:latin typeface="Times New Roman"/>
+                        <a:ea typeface="Times New Roman"/>
+                      </a:endParaRPr>
+                    </a:p>
+                  </a:txBody>
+                  <a:tcPr marL="68580" marR="68580" marT="0" marB="0"/>
+                </a:tc>
+              </a:tr>
+            </a:tbl>
+          </a:graphicData>
+        </a:graphic>
+      </p:graphicFrame>
+      <p:graphicFrame>
+        <p:nvGraphicFramePr>
+          <p:cNvPr id="6" name="Table 5"/>
+          <p:cNvGraphicFramePr>
+            <a:graphicFrameLocks noGrp="1"/>
+          </p:cNvGraphicFramePr>
+          <p:nvPr>
+            <p:extLst>
+              <p:ext uri="{D42A27DB-BD31-4B8C-83A1-F6EECF244321}">
+                <p14:modId xmlns:p14="http://schemas.microsoft.com/office/powerpoint/2010/main" val="4288575826"/>
+              </p:ext>
+            </p:extLst>
+          </p:nvPr>
+        </p:nvGraphicFramePr>
+        <p:xfrm>
+          <a:off x="689790" y="2748890"/>
+          <a:ext cx="8421552" cy="1655614"/>
+        </p:xfrm>
+        <a:graphic>
+          <a:graphicData uri="http://schemas.openxmlformats.org/drawingml/2006/table">
+            <a:tbl>
+              <a:tblPr firstRow="1" firstCol="1" bandRow="1">
+                <a:tableStyleId>{5C22544A-7EE6-4342-B048-85BDC9FD1C3A}</a:tableStyleId>
+              </a:tblPr>
+              <a:tblGrid>
+                <a:gridCol w="2807184"/>
+                <a:gridCol w="2807184"/>
+                <a:gridCol w="2807184"/>
+              </a:tblGrid>
+              <a:tr h="208405">
+                <a:tc gridSpan="3">
+                  <a:txBody>
+                    <a:bodyPr/>
+                    <a:lstStyle/>
+                    <a:p>
+                      <a:pPr marL="0" marR="0" algn="ctr">
+                        <a:lnSpc>
+                          <a:spcPct val="115000"/>
+                        </a:lnSpc>
+                        <a:spcBef>
+                          <a:spcPts val="0"/>
+                        </a:spcBef>
+                        <a:spcAft>
+                          <a:spcPts val="1000"/>
+                        </a:spcAft>
+                      </a:pPr>
+                      <a:r>
+                        <a:rPr lang="en-US" sz="1600" dirty="0" err="1">
+                          <a:effectLst/>
+                        </a:rPr>
+                        <a:t>CoCoMo</a:t>
+                      </a:r>
+                      <a:r>
+                        <a:rPr lang="en-US" sz="1600" dirty="0">
+                          <a:effectLst/>
+                        </a:rPr>
+                        <a:t> Estimate</a:t>
+                      </a:r>
+                      <a:endParaRPr lang="en-US" sz="1600" dirty="0">
+                        <a:effectLst/>
+                        <a:latin typeface="Times New Roman"/>
+                        <a:ea typeface="Times New Roman"/>
+                      </a:endParaRPr>
+                    </a:p>
+                  </a:txBody>
+                  <a:tcPr marL="68580" marR="68580" marT="0" marB="0"/>
+                </a:tc>
+                <a:tc hMerge="1">
+                  <a:txBody>
+                    <a:bodyPr/>
+                    <a:lstStyle/>
+                    <a:p>
+                      <a:endParaRPr lang="en-US"/>
+                    </a:p>
+                  </a:txBody>
+                  <a:tcPr/>
+                </a:tc>
+                <a:tc hMerge="1">
+                  <a:txBody>
+                    <a:bodyPr/>
+                    <a:lstStyle/>
+                    <a:p>
+                      <a:endParaRPr lang="en-US"/>
+                    </a:p>
+                  </a:txBody>
+                  <a:tcPr/>
+                </a:tc>
+              </a:tr>
+              <a:tr h="208405">
+                <a:tc>
+                  <a:txBody>
+                    <a:bodyPr/>
+                    <a:lstStyle/>
+                    <a:p>
+                      <a:pPr marL="0" marR="0">
+                        <a:lnSpc>
+                          <a:spcPct val="115000"/>
+                        </a:lnSpc>
+                        <a:spcBef>
+                          <a:spcPts val="1200"/>
+                        </a:spcBef>
+                        <a:spcAft>
+                          <a:spcPts val="1200"/>
+                        </a:spcAft>
+                        <a:tabLst>
+                          <a:tab pos="971550" algn="l"/>
+                          <a:tab pos="1371600" algn="l"/>
+                        </a:tabLst>
+                      </a:pPr>
+                      <a:r>
+                        <a:rPr lang="en-US" sz="1100">
+                          <a:effectLst/>
+                        </a:rPr>
+                        <a:t> </a:t>
+                      </a:r>
+                      <a:endParaRPr lang="en-US" sz="1100" b="1">
+                        <a:effectLst/>
+                        <a:latin typeface="Times New Roman"/>
+                      </a:endParaRPr>
+                    </a:p>
+                  </a:txBody>
+                  <a:tcPr marL="68580" marR="68580" marT="0" marB="0"/>
+                </a:tc>
+                <a:tc>
+                  <a:txBody>
+                    <a:bodyPr/>
+                    <a:lstStyle/>
+                    <a:p>
+                      <a:pPr marL="0" marR="0">
+                        <a:lnSpc>
+                          <a:spcPct val="115000"/>
+                        </a:lnSpc>
+                        <a:spcBef>
+                          <a:spcPts val="0"/>
+                        </a:spcBef>
+                        <a:spcAft>
+                          <a:spcPts val="1000"/>
+                        </a:spcAft>
+                      </a:pPr>
+                      <a:r>
+                        <a:rPr lang="en-US" sz="1600">
+                          <a:effectLst/>
+                        </a:rPr>
+                        <a:t>Low Estimate</a:t>
+                      </a:r>
+                      <a:endParaRPr lang="en-US" sz="1600">
+                        <a:effectLst/>
+                        <a:latin typeface="Times New Roman"/>
+                        <a:ea typeface="Times New Roman"/>
+                      </a:endParaRPr>
+                    </a:p>
+                  </a:txBody>
+                  <a:tcPr marL="68580" marR="68580" marT="0" marB="0"/>
+                </a:tc>
+                <a:tc>
+                  <a:txBody>
+                    <a:bodyPr/>
+                    <a:lstStyle/>
+                    <a:p>
+                      <a:pPr marL="0" marR="0">
+                        <a:lnSpc>
+                          <a:spcPct val="115000"/>
+                        </a:lnSpc>
+                        <a:spcBef>
+                          <a:spcPts val="0"/>
+                        </a:spcBef>
+                        <a:spcAft>
+                          <a:spcPts val="1000"/>
+                        </a:spcAft>
+                      </a:pPr>
+                      <a:r>
+                        <a:rPr lang="en-US" sz="1600">
+                          <a:effectLst/>
+                        </a:rPr>
+                        <a:t>High Estimate</a:t>
+                      </a:r>
+                      <a:endParaRPr lang="en-US" sz="1600">
+                        <a:effectLst/>
+                        <a:latin typeface="Times New Roman"/>
+                        <a:ea typeface="Times New Roman"/>
+                      </a:endParaRPr>
+                    </a:p>
+                  </a:txBody>
+                  <a:tcPr marL="68580" marR="68580" marT="0" marB="0"/>
+                </a:tc>
+              </a:tr>
+              <a:tr h="565171">
+                <a:tc>
+                  <a:txBody>
+                    <a:bodyPr/>
+                    <a:lstStyle/>
+                    <a:p>
+                      <a:pPr marL="0" marR="0">
+                        <a:lnSpc>
+                          <a:spcPct val="115000"/>
+                        </a:lnSpc>
+                        <a:spcBef>
+                          <a:spcPts val="0"/>
+                        </a:spcBef>
+                        <a:spcAft>
+                          <a:spcPts val="1000"/>
+                        </a:spcAft>
+                      </a:pPr>
+                      <a:r>
+                        <a:rPr lang="en-US" sz="1600">
+                          <a:effectLst/>
+                        </a:rPr>
+                        <a:t>Effort – Person Months</a:t>
+                      </a:r>
+                      <a:endParaRPr lang="en-US" sz="1600">
+                        <a:effectLst/>
+                        <a:latin typeface="Times New Roman"/>
+                        <a:ea typeface="Times New Roman"/>
+                      </a:endParaRPr>
+                    </a:p>
+                  </a:txBody>
+                  <a:tcPr marL="68580" marR="68580" marT="0" marB="0"/>
+                </a:tc>
+                <a:tc>
+                  <a:txBody>
+                    <a:bodyPr/>
+                    <a:lstStyle/>
+                    <a:p>
+                      <a:pPr marL="0" marR="0">
+                        <a:lnSpc>
+                          <a:spcPct val="100000"/>
+                        </a:lnSpc>
+                        <a:spcBef>
+                          <a:spcPts val="0"/>
+                        </a:spcBef>
+                        <a:spcAft>
+                          <a:spcPts val="1000"/>
+                        </a:spcAft>
+                      </a:pPr>
+                      <a:r>
+                        <a:rPr lang="en-US" sz="1600" dirty="0">
+                          <a:effectLst/>
+                        </a:rPr>
+                        <a:t>E = 3.0(5)</a:t>
+                      </a:r>
+                      <a:r>
+                        <a:rPr lang="en-US" sz="1600" baseline="30000" dirty="0">
+                          <a:effectLst/>
+                        </a:rPr>
+                        <a:t>1.12</a:t>
+                      </a:r>
+                      <a:r>
+                        <a:rPr lang="en-US" sz="1600" dirty="0">
+                          <a:effectLst/>
+                        </a:rPr>
+                        <a:t> </a:t>
+                      </a:r>
+                      <a:r>
+                        <a:rPr lang="en-US" sz="1600" dirty="0" smtClean="0">
+                          <a:effectLst/>
+                        </a:rPr>
+                        <a:t/>
+                      </a:r>
+                      <a:br>
+                        <a:rPr lang="en-US" sz="1600" dirty="0" smtClean="0">
+                          <a:effectLst/>
+                        </a:rPr>
+                      </a:br>
+                      <a:r>
+                        <a:rPr lang="en-US" sz="1600" dirty="0" smtClean="0">
+                          <a:effectLst/>
+                        </a:rPr>
+                        <a:t>E</a:t>
+                      </a:r>
+                      <a:r>
+                        <a:rPr lang="en-US" sz="1600" dirty="0">
+                          <a:effectLst/>
+                        </a:rPr>
+                        <a:t>= 18.2 Man Months</a:t>
+                      </a:r>
+                      <a:endParaRPr lang="en-US" sz="1600" dirty="0">
+                        <a:effectLst/>
+                        <a:latin typeface="Times New Roman"/>
+                        <a:ea typeface="Times New Roman"/>
+                      </a:endParaRPr>
+                    </a:p>
+                  </a:txBody>
+                  <a:tcPr marL="68580" marR="68580" marT="0" marB="0"/>
+                </a:tc>
+                <a:tc>
+                  <a:txBody>
+                    <a:bodyPr/>
+                    <a:lstStyle/>
+                    <a:p>
+                      <a:pPr marL="0" marR="0">
+                        <a:lnSpc>
+                          <a:spcPct val="115000"/>
+                        </a:lnSpc>
+                        <a:spcBef>
+                          <a:spcPts val="0"/>
+                        </a:spcBef>
+                        <a:spcAft>
+                          <a:spcPts val="1000"/>
+                        </a:spcAft>
+                      </a:pPr>
+                      <a:r>
+                        <a:rPr lang="en-US" sz="1600" dirty="0">
+                          <a:effectLst/>
+                        </a:rPr>
+                        <a:t>E = 3.0(10)</a:t>
+                      </a:r>
+                      <a:r>
+                        <a:rPr lang="en-US" sz="1600" baseline="30000" dirty="0">
+                          <a:effectLst/>
+                        </a:rPr>
+                        <a:t>1.12</a:t>
+                      </a:r>
+                      <a:r>
+                        <a:rPr lang="en-US" sz="1600" dirty="0">
+                          <a:effectLst/>
+                        </a:rPr>
+                        <a:t> </a:t>
+                      </a:r>
+                      <a:r>
+                        <a:rPr lang="en-US" sz="1600" dirty="0" smtClean="0">
+                          <a:effectLst/>
+                        </a:rPr>
+                        <a:t/>
+                      </a:r>
+                      <a:br>
+                        <a:rPr lang="en-US" sz="1600" dirty="0" smtClean="0">
+                          <a:effectLst/>
+                        </a:rPr>
+                      </a:br>
+                      <a:r>
+                        <a:rPr lang="en-US" sz="1600" dirty="0" smtClean="0">
+                          <a:effectLst/>
+                        </a:rPr>
+                        <a:t>E</a:t>
+                      </a:r>
+                      <a:r>
+                        <a:rPr lang="en-US" sz="1600" dirty="0">
+                          <a:effectLst/>
+                        </a:rPr>
+                        <a:t>= 39.5 Man Months</a:t>
+                      </a:r>
+                      <a:endParaRPr lang="en-US" sz="1600" dirty="0">
+                        <a:effectLst/>
+                        <a:latin typeface="Times New Roman"/>
+                        <a:ea typeface="Times New Roman"/>
+                      </a:endParaRPr>
+                    </a:p>
+                  </a:txBody>
+                  <a:tcPr marL="68580" marR="68580" marT="0" marB="0"/>
+                </a:tc>
+              </a:tr>
+              <a:tr h="565171">
+                <a:tc>
+                  <a:txBody>
+                    <a:bodyPr/>
+                    <a:lstStyle/>
+                    <a:p>
+                      <a:pPr marL="0" marR="0">
+                        <a:lnSpc>
+                          <a:spcPct val="115000"/>
+                        </a:lnSpc>
+                        <a:spcBef>
+                          <a:spcPts val="0"/>
+                        </a:spcBef>
+                        <a:spcAft>
+                          <a:spcPts val="1000"/>
+                        </a:spcAft>
+                      </a:pPr>
+                      <a:r>
+                        <a:rPr lang="en-US" sz="1600" dirty="0">
+                          <a:effectLst/>
+                        </a:rPr>
+                        <a:t>Duration – Months</a:t>
+                      </a:r>
+                      <a:endParaRPr lang="en-US" sz="1600" dirty="0">
+                        <a:effectLst/>
+                        <a:latin typeface="Times New Roman"/>
+                        <a:ea typeface="Times New Roman"/>
+                      </a:endParaRPr>
+                    </a:p>
+                  </a:txBody>
+                  <a:tcPr marL="68580" marR="68580" marT="0" marB="0"/>
+                </a:tc>
+                <a:tc>
+                  <a:txBody>
+                    <a:bodyPr/>
+                    <a:lstStyle/>
+                    <a:p>
+                      <a:pPr marL="0" marR="0">
+                        <a:lnSpc>
+                          <a:spcPct val="115000"/>
+                        </a:lnSpc>
+                        <a:spcBef>
+                          <a:spcPts val="0"/>
+                        </a:spcBef>
+                        <a:spcAft>
+                          <a:spcPts val="1000"/>
+                        </a:spcAft>
+                      </a:pPr>
+                      <a:r>
+                        <a:rPr lang="en-US" sz="1600" dirty="0">
+                          <a:effectLst/>
+                        </a:rPr>
+                        <a:t>D  = 2.5(18.3)</a:t>
+                      </a:r>
+                      <a:r>
+                        <a:rPr lang="en-US" sz="1600" baseline="30000" dirty="0">
+                          <a:effectLst/>
+                        </a:rPr>
+                        <a:t>.35</a:t>
+                      </a:r>
+                      <a:r>
+                        <a:rPr lang="en-US" sz="1600" dirty="0">
+                          <a:effectLst/>
+                        </a:rPr>
+                        <a:t> </a:t>
+                      </a:r>
+                      <a:r>
+                        <a:rPr lang="en-US" sz="1600" dirty="0" smtClean="0">
+                          <a:effectLst/>
+                        </a:rPr>
+                        <a:t/>
+                      </a:r>
+                      <a:br>
+                        <a:rPr lang="en-US" sz="1600" dirty="0" smtClean="0">
+                          <a:effectLst/>
+                        </a:rPr>
+                      </a:br>
+                      <a:r>
+                        <a:rPr lang="en-US" sz="1600" dirty="0" smtClean="0">
+                          <a:effectLst/>
+                        </a:rPr>
+                        <a:t>D </a:t>
+                      </a:r>
+                      <a:r>
+                        <a:rPr lang="en-US" sz="1600" dirty="0">
+                          <a:effectLst/>
+                        </a:rPr>
+                        <a:t>= 7 Months</a:t>
+                      </a:r>
+                      <a:endParaRPr lang="en-US" sz="1600" dirty="0">
+                        <a:effectLst/>
+                        <a:latin typeface="Times New Roman"/>
+                        <a:ea typeface="Times New Roman"/>
+                      </a:endParaRPr>
+                    </a:p>
+                  </a:txBody>
+                  <a:tcPr marL="68580" marR="68580" marT="0" marB="0"/>
+                </a:tc>
+                <a:tc>
+                  <a:txBody>
+                    <a:bodyPr/>
+                    <a:lstStyle/>
+                    <a:p>
+                      <a:pPr marL="0" marR="0">
+                        <a:lnSpc>
+                          <a:spcPct val="115000"/>
+                        </a:lnSpc>
+                        <a:spcBef>
+                          <a:spcPts val="0"/>
+                        </a:spcBef>
+                        <a:spcAft>
+                          <a:spcPts val="1000"/>
+                        </a:spcAft>
+                      </a:pPr>
+                      <a:r>
+                        <a:rPr lang="en-US" sz="1600" dirty="0">
+                          <a:effectLst/>
+                        </a:rPr>
+                        <a:t>D = 2.5(18.3)</a:t>
+                      </a:r>
+                      <a:r>
+                        <a:rPr lang="en-US" sz="1600" baseline="30000" dirty="0">
+                          <a:effectLst/>
+                        </a:rPr>
+                        <a:t>.</a:t>
+                      </a:r>
+                      <a:r>
+                        <a:rPr lang="en-US" sz="1600" baseline="30000" dirty="0" smtClean="0">
+                          <a:effectLst/>
+                        </a:rPr>
+                        <a:t>35</a:t>
+                      </a:r>
+                      <a:r>
+                        <a:rPr lang="en-US" sz="1600" baseline="0" dirty="0" smtClean="0">
+                          <a:effectLst/>
+                        </a:rPr>
+                        <a:t/>
+                      </a:r>
+                      <a:br>
+                        <a:rPr lang="en-US" sz="1600" baseline="0" dirty="0" smtClean="0">
+                          <a:effectLst/>
+                        </a:rPr>
+                      </a:br>
+                      <a:r>
+                        <a:rPr lang="en-US" sz="1600" dirty="0" smtClean="0">
+                          <a:effectLst/>
+                        </a:rPr>
+                        <a:t>D </a:t>
+                      </a:r>
+                      <a:r>
+                        <a:rPr lang="en-US" sz="1600" dirty="0">
+                          <a:effectLst/>
+                        </a:rPr>
+                        <a:t>= 9 Months</a:t>
+                      </a:r>
+                      <a:endParaRPr lang="en-US" sz="1600" dirty="0">
+                        <a:effectLst/>
+                        <a:latin typeface="Times New Roman"/>
+                        <a:ea typeface="Times New Roman"/>
+                      </a:endParaRPr>
+                    </a:p>
+                  </a:txBody>
+                  <a:tcPr marL="68580" marR="68580" marT="0" marB="0"/>
+                </a:tc>
+              </a:tr>
+            </a:tbl>
+          </a:graphicData>
+        </a:graphic>
+      </p:graphicFrame>
+      <p:graphicFrame>
+        <p:nvGraphicFramePr>
+          <p:cNvPr id="7" name="Table 6"/>
+          <p:cNvGraphicFramePr>
+            <a:graphicFrameLocks noGrp="1"/>
+          </p:cNvGraphicFramePr>
+          <p:nvPr>
+            <p:extLst>
+              <p:ext uri="{D42A27DB-BD31-4B8C-83A1-F6EECF244321}">
+                <p14:modId xmlns:p14="http://schemas.microsoft.com/office/powerpoint/2010/main" val="602624871"/>
+              </p:ext>
+            </p:extLst>
+          </p:nvPr>
+        </p:nvGraphicFramePr>
+        <p:xfrm>
+          <a:off x="678905" y="4512560"/>
+          <a:ext cx="8443323" cy="1714068"/>
+        </p:xfrm>
+        <a:graphic>
+          <a:graphicData uri="http://schemas.openxmlformats.org/drawingml/2006/table">
+            <a:tbl>
+              <a:tblPr firstRow="1" firstCol="1" bandRow="1">
+                <a:tableStyleId>{5C22544A-7EE6-4342-B048-85BDC9FD1C3A}</a:tableStyleId>
+              </a:tblPr>
+              <a:tblGrid>
+                <a:gridCol w="2814441"/>
+                <a:gridCol w="2814441"/>
+                <a:gridCol w="2814441"/>
+              </a:tblGrid>
+              <a:tr h="285678">
+                <a:tc gridSpan="3">
+                  <a:txBody>
+                    <a:bodyPr/>
+                    <a:lstStyle/>
+                    <a:p>
+                      <a:pPr marL="0" marR="0" algn="ctr">
+                        <a:lnSpc>
+                          <a:spcPct val="115000"/>
+                        </a:lnSpc>
+                        <a:spcBef>
+                          <a:spcPts val="0"/>
+                        </a:spcBef>
+                        <a:spcAft>
+                          <a:spcPts val="1000"/>
+                        </a:spcAft>
+                      </a:pPr>
+                      <a:r>
+                        <a:rPr lang="en-US" sz="1600">
+                          <a:effectLst/>
+                        </a:rPr>
+                        <a:t>Estimate Comparison</a:t>
+                      </a:r>
+                      <a:endParaRPr lang="en-US" sz="1600">
+                        <a:effectLst/>
+                        <a:latin typeface="Times New Roman"/>
+                        <a:ea typeface="Times New Roman"/>
+                      </a:endParaRPr>
+                    </a:p>
+                  </a:txBody>
+                  <a:tcPr marL="68580" marR="68580" marT="0" marB="0"/>
+                </a:tc>
+                <a:tc hMerge="1">
+                  <a:txBody>
+                    <a:bodyPr/>
+                    <a:lstStyle/>
+                    <a:p>
+                      <a:endParaRPr lang="en-US"/>
+                    </a:p>
+                  </a:txBody>
+                  <a:tcPr/>
+                </a:tc>
+                <a:tc hMerge="1">
+                  <a:txBody>
+                    <a:bodyPr/>
+                    <a:lstStyle/>
+                    <a:p>
+                      <a:endParaRPr lang="en-US"/>
+                    </a:p>
+                  </a:txBody>
+                  <a:tcPr/>
+                </a:tc>
+              </a:tr>
+              <a:tr h="285678">
+                <a:tc>
+                  <a:txBody>
+                    <a:bodyPr/>
+                    <a:lstStyle/>
+                    <a:p>
+                      <a:pPr marL="0" marR="0">
+                        <a:lnSpc>
+                          <a:spcPct val="115000"/>
+                        </a:lnSpc>
+                        <a:spcBef>
+                          <a:spcPts val="0"/>
+                        </a:spcBef>
+                        <a:spcAft>
+                          <a:spcPts val="1000"/>
+                        </a:spcAft>
+                      </a:pPr>
+                      <a:r>
+                        <a:rPr lang="en-US" sz="1600">
+                          <a:effectLst/>
+                        </a:rPr>
+                        <a:t>Method</a:t>
+                      </a:r>
+                      <a:endParaRPr lang="en-US" sz="1600">
+                        <a:effectLst/>
+                        <a:latin typeface="Times New Roman"/>
+                        <a:ea typeface="Times New Roman"/>
+                      </a:endParaRPr>
+                    </a:p>
+                  </a:txBody>
+                  <a:tcPr marL="68580" marR="68580" marT="0" marB="0"/>
+                </a:tc>
+                <a:tc>
+                  <a:txBody>
+                    <a:bodyPr/>
+                    <a:lstStyle/>
+                    <a:p>
+                      <a:pPr marL="0" marR="0">
+                        <a:lnSpc>
+                          <a:spcPct val="115000"/>
+                        </a:lnSpc>
+                        <a:spcBef>
+                          <a:spcPts val="0"/>
+                        </a:spcBef>
+                        <a:spcAft>
+                          <a:spcPts val="1000"/>
+                        </a:spcAft>
+                      </a:pPr>
+                      <a:r>
+                        <a:rPr lang="en-US" sz="1600">
+                          <a:effectLst/>
+                        </a:rPr>
+                        <a:t>Low Estimate</a:t>
+                      </a:r>
+                      <a:endParaRPr lang="en-US" sz="1600">
+                        <a:effectLst/>
+                        <a:latin typeface="Times New Roman"/>
+                        <a:ea typeface="Times New Roman"/>
+                      </a:endParaRPr>
+                    </a:p>
+                  </a:txBody>
+                  <a:tcPr marL="68580" marR="68580" marT="0" marB="0"/>
+                </a:tc>
+                <a:tc>
+                  <a:txBody>
+                    <a:bodyPr/>
+                    <a:lstStyle/>
+                    <a:p>
+                      <a:pPr marL="0" marR="0">
+                        <a:lnSpc>
+                          <a:spcPct val="115000"/>
+                        </a:lnSpc>
+                        <a:spcBef>
+                          <a:spcPts val="0"/>
+                        </a:spcBef>
+                        <a:spcAft>
+                          <a:spcPts val="1000"/>
+                        </a:spcAft>
+                      </a:pPr>
+                      <a:r>
+                        <a:rPr lang="en-US" sz="1600">
+                          <a:effectLst/>
+                        </a:rPr>
+                        <a:t>High Estimate</a:t>
+                      </a:r>
+                      <a:endParaRPr lang="en-US" sz="1600">
+                        <a:effectLst/>
+                        <a:latin typeface="Times New Roman"/>
+                        <a:ea typeface="Times New Roman"/>
+                      </a:endParaRPr>
+                    </a:p>
+                  </a:txBody>
+                  <a:tcPr marL="68580" marR="68580" marT="0" marB="0"/>
+                </a:tc>
+              </a:tr>
+              <a:tr h="285678">
+                <a:tc>
+                  <a:txBody>
+                    <a:bodyPr/>
+                    <a:lstStyle/>
+                    <a:p>
+                      <a:pPr marL="0" marR="0">
+                        <a:lnSpc>
+                          <a:spcPct val="115000"/>
+                        </a:lnSpc>
+                        <a:spcBef>
+                          <a:spcPts val="0"/>
+                        </a:spcBef>
+                        <a:spcAft>
+                          <a:spcPts val="1000"/>
+                        </a:spcAft>
+                      </a:pPr>
+                      <a:r>
+                        <a:rPr lang="en-US" sz="1600">
+                          <a:effectLst/>
+                        </a:rPr>
+                        <a:t>Jones First Order</a:t>
+                      </a:r>
+                      <a:endParaRPr lang="en-US" sz="1600">
+                        <a:effectLst/>
+                        <a:latin typeface="Times New Roman"/>
+                        <a:ea typeface="Times New Roman"/>
+                      </a:endParaRPr>
+                    </a:p>
+                  </a:txBody>
+                  <a:tcPr marL="68580" marR="68580" marT="0" marB="0"/>
+                </a:tc>
+                <a:tc>
+                  <a:txBody>
+                    <a:bodyPr/>
+                    <a:lstStyle/>
+                    <a:p>
+                      <a:pPr marL="0" marR="0">
+                        <a:lnSpc>
+                          <a:spcPct val="115000"/>
+                        </a:lnSpc>
+                        <a:spcBef>
+                          <a:spcPts val="0"/>
+                        </a:spcBef>
+                        <a:spcAft>
+                          <a:spcPts val="1000"/>
+                        </a:spcAft>
+                      </a:pPr>
+                      <a:r>
+                        <a:rPr lang="en-US" sz="1600">
+                          <a:effectLst/>
+                        </a:rPr>
+                        <a:t>8 Months</a:t>
+                      </a:r>
+                      <a:endParaRPr lang="en-US" sz="1600">
+                        <a:effectLst/>
+                        <a:latin typeface="Times New Roman"/>
+                        <a:ea typeface="Times New Roman"/>
+                      </a:endParaRPr>
+                    </a:p>
+                  </a:txBody>
+                  <a:tcPr marL="68580" marR="68580" marT="0" marB="0"/>
+                </a:tc>
+                <a:tc>
+                  <a:txBody>
+                    <a:bodyPr/>
+                    <a:lstStyle/>
+                    <a:p>
+                      <a:pPr marL="0" marR="0">
+                        <a:lnSpc>
+                          <a:spcPct val="115000"/>
+                        </a:lnSpc>
+                        <a:spcBef>
+                          <a:spcPts val="0"/>
+                        </a:spcBef>
+                        <a:spcAft>
+                          <a:spcPts val="1000"/>
+                        </a:spcAft>
+                      </a:pPr>
+                      <a:r>
+                        <a:rPr lang="en-US" sz="1600">
+                          <a:effectLst/>
+                        </a:rPr>
+                        <a:t>11 Months</a:t>
+                      </a:r>
+                      <a:endParaRPr lang="en-US" sz="1600">
+                        <a:effectLst/>
+                        <a:latin typeface="Times New Roman"/>
+                        <a:ea typeface="Times New Roman"/>
+                      </a:endParaRPr>
+                    </a:p>
+                  </a:txBody>
+                  <a:tcPr marL="68580" marR="68580" marT="0" marB="0"/>
+                </a:tc>
+              </a:tr>
+              <a:tr h="285678">
+                <a:tc>
+                  <a:txBody>
+                    <a:bodyPr/>
+                    <a:lstStyle/>
+                    <a:p>
+                      <a:pPr marL="0" marR="0">
+                        <a:lnSpc>
+                          <a:spcPct val="115000"/>
+                        </a:lnSpc>
+                        <a:spcBef>
+                          <a:spcPts val="0"/>
+                        </a:spcBef>
+                        <a:spcAft>
+                          <a:spcPts val="1000"/>
+                        </a:spcAft>
+                      </a:pPr>
+                      <a:r>
+                        <a:rPr lang="en-US" sz="1600">
+                          <a:effectLst/>
+                        </a:rPr>
+                        <a:t>Lines of Code</a:t>
+                      </a:r>
+                      <a:endParaRPr lang="en-US" sz="1600">
+                        <a:effectLst/>
+                        <a:latin typeface="Times New Roman"/>
+                        <a:ea typeface="Times New Roman"/>
+                      </a:endParaRPr>
+                    </a:p>
+                  </a:txBody>
+                  <a:tcPr marL="68580" marR="68580" marT="0" marB="0"/>
+                </a:tc>
+                <a:tc>
+                  <a:txBody>
+                    <a:bodyPr/>
+                    <a:lstStyle/>
+                    <a:p>
+                      <a:pPr marL="0" marR="0">
+                        <a:lnSpc>
+                          <a:spcPct val="115000"/>
+                        </a:lnSpc>
+                        <a:spcBef>
+                          <a:spcPts val="0"/>
+                        </a:spcBef>
+                        <a:spcAft>
+                          <a:spcPts val="1000"/>
+                        </a:spcAft>
+                      </a:pPr>
+                      <a:r>
+                        <a:rPr lang="en-US" sz="1600">
+                          <a:effectLst/>
+                        </a:rPr>
+                        <a:t>5 Months</a:t>
+                      </a:r>
+                      <a:endParaRPr lang="en-US" sz="1600">
+                        <a:effectLst/>
+                        <a:latin typeface="Times New Roman"/>
+                        <a:ea typeface="Times New Roman"/>
+                      </a:endParaRPr>
+                    </a:p>
+                  </a:txBody>
+                  <a:tcPr marL="68580" marR="68580" marT="0" marB="0"/>
+                </a:tc>
+                <a:tc>
+                  <a:txBody>
+                    <a:bodyPr/>
+                    <a:lstStyle/>
+                    <a:p>
+                      <a:pPr marL="0" marR="0">
+                        <a:lnSpc>
+                          <a:spcPct val="115000"/>
+                        </a:lnSpc>
+                        <a:spcBef>
+                          <a:spcPts val="0"/>
+                        </a:spcBef>
+                        <a:spcAft>
+                          <a:spcPts val="1000"/>
+                        </a:spcAft>
+                      </a:pPr>
+                      <a:r>
+                        <a:rPr lang="en-US" sz="1600">
+                          <a:effectLst/>
+                        </a:rPr>
+                        <a:t>10 Months</a:t>
+                      </a:r>
+                      <a:endParaRPr lang="en-US" sz="1600">
+                        <a:effectLst/>
+                        <a:latin typeface="Times New Roman"/>
+                        <a:ea typeface="Times New Roman"/>
+                      </a:endParaRPr>
+                    </a:p>
+                  </a:txBody>
+                  <a:tcPr marL="68580" marR="68580" marT="0" marB="0"/>
+                </a:tc>
+              </a:tr>
+              <a:tr h="285678">
+                <a:tc>
+                  <a:txBody>
+                    <a:bodyPr/>
+                    <a:lstStyle/>
+                    <a:p>
+                      <a:pPr marL="0" marR="0">
+                        <a:lnSpc>
+                          <a:spcPct val="115000"/>
+                        </a:lnSpc>
+                        <a:spcBef>
+                          <a:spcPts val="0"/>
+                        </a:spcBef>
+                        <a:spcAft>
+                          <a:spcPts val="1000"/>
+                        </a:spcAft>
+                      </a:pPr>
+                      <a:r>
+                        <a:rPr lang="en-US" sz="1600">
+                          <a:effectLst/>
+                        </a:rPr>
+                        <a:t>CoCoMo</a:t>
+                      </a:r>
+                      <a:endParaRPr lang="en-US" sz="1600">
+                        <a:effectLst/>
+                        <a:latin typeface="Times New Roman"/>
+                        <a:ea typeface="Times New Roman"/>
+                      </a:endParaRPr>
+                    </a:p>
+                  </a:txBody>
+                  <a:tcPr marL="68580" marR="68580" marT="0" marB="0"/>
+                </a:tc>
+                <a:tc>
+                  <a:txBody>
+                    <a:bodyPr/>
+                    <a:lstStyle/>
+                    <a:p>
+                      <a:pPr marL="0" marR="0">
+                        <a:lnSpc>
+                          <a:spcPct val="115000"/>
+                        </a:lnSpc>
+                        <a:spcBef>
+                          <a:spcPts val="0"/>
+                        </a:spcBef>
+                        <a:spcAft>
+                          <a:spcPts val="1000"/>
+                        </a:spcAft>
+                      </a:pPr>
+                      <a:r>
+                        <a:rPr lang="en-US" sz="1600">
+                          <a:effectLst/>
+                        </a:rPr>
+                        <a:t>7 Months</a:t>
+                      </a:r>
+                      <a:endParaRPr lang="en-US" sz="1600">
+                        <a:effectLst/>
+                        <a:latin typeface="Times New Roman"/>
+                        <a:ea typeface="Times New Roman"/>
+                      </a:endParaRPr>
+                    </a:p>
+                  </a:txBody>
+                  <a:tcPr marL="68580" marR="68580" marT="0" marB="0"/>
+                </a:tc>
+                <a:tc>
+                  <a:txBody>
+                    <a:bodyPr/>
+                    <a:lstStyle/>
+                    <a:p>
+                      <a:pPr marL="0" marR="0">
+                        <a:lnSpc>
+                          <a:spcPct val="115000"/>
+                        </a:lnSpc>
+                        <a:spcBef>
+                          <a:spcPts val="0"/>
+                        </a:spcBef>
+                        <a:spcAft>
+                          <a:spcPts val="1000"/>
+                        </a:spcAft>
+                      </a:pPr>
+                      <a:r>
+                        <a:rPr lang="en-US" sz="1600">
+                          <a:effectLst/>
+                        </a:rPr>
+                        <a:t>9 Months</a:t>
+                      </a:r>
+                      <a:endParaRPr lang="en-US" sz="1600">
+                        <a:effectLst/>
+                        <a:latin typeface="Times New Roman"/>
+                        <a:ea typeface="Times New Roman"/>
+                      </a:endParaRPr>
+                    </a:p>
+                  </a:txBody>
+                  <a:tcPr marL="68580" marR="68580" marT="0" marB="0"/>
+                </a:tc>
+              </a:tr>
+              <a:tr h="285678">
+                <a:tc>
+                  <a:txBody>
+                    <a:bodyPr/>
+                    <a:lstStyle/>
+                    <a:p>
+                      <a:pPr marL="0" marR="0">
+                        <a:lnSpc>
+                          <a:spcPct val="115000"/>
+                        </a:lnSpc>
+                        <a:spcBef>
+                          <a:spcPts val="0"/>
+                        </a:spcBef>
+                        <a:spcAft>
+                          <a:spcPts val="1000"/>
+                        </a:spcAft>
+                      </a:pPr>
+                      <a:r>
+                        <a:rPr lang="en-US" sz="1600">
+                          <a:effectLst/>
+                        </a:rPr>
+                        <a:t>Average</a:t>
+                      </a:r>
+                      <a:endParaRPr lang="en-US" sz="1600">
+                        <a:effectLst/>
+                        <a:latin typeface="Times New Roman"/>
+                        <a:ea typeface="Times New Roman"/>
+                      </a:endParaRPr>
+                    </a:p>
+                  </a:txBody>
+                  <a:tcPr marL="68580" marR="68580" marT="0" marB="0"/>
+                </a:tc>
+                <a:tc>
+                  <a:txBody>
+                    <a:bodyPr/>
+                    <a:lstStyle/>
+                    <a:p>
+                      <a:pPr marL="0" marR="0">
+                        <a:lnSpc>
+                          <a:spcPct val="115000"/>
+                        </a:lnSpc>
+                        <a:spcBef>
+                          <a:spcPts val="0"/>
+                        </a:spcBef>
+                        <a:spcAft>
+                          <a:spcPts val="1000"/>
+                        </a:spcAft>
+                      </a:pPr>
+                      <a:r>
+                        <a:rPr lang="en-US" sz="1600">
+                          <a:effectLst/>
+                        </a:rPr>
+                        <a:t>6.6 Months</a:t>
+                      </a:r>
+                      <a:endParaRPr lang="en-US" sz="1600">
+                        <a:effectLst/>
+                        <a:latin typeface="Times New Roman"/>
+                        <a:ea typeface="Times New Roman"/>
+                      </a:endParaRPr>
+                    </a:p>
+                  </a:txBody>
+                  <a:tcPr marL="68580" marR="68580" marT="0" marB="0"/>
+                </a:tc>
+                <a:tc>
+                  <a:txBody>
+                    <a:bodyPr/>
+                    <a:lstStyle/>
+                    <a:p>
+                      <a:pPr marL="0" marR="0">
+                        <a:lnSpc>
+                          <a:spcPct val="115000"/>
+                        </a:lnSpc>
+                        <a:spcBef>
+                          <a:spcPts val="0"/>
+                        </a:spcBef>
+                        <a:spcAft>
+                          <a:spcPts val="1000"/>
+                        </a:spcAft>
+                      </a:pPr>
+                      <a:r>
+                        <a:rPr lang="en-US" sz="1600" dirty="0">
+                          <a:effectLst/>
+                        </a:rPr>
+                        <a:t>10 Months</a:t>
+                      </a:r>
+                      <a:endParaRPr lang="en-US" sz="1600" dirty="0">
+                        <a:effectLst/>
+                        <a:latin typeface="Times New Roman"/>
+                        <a:ea typeface="Times New Roman"/>
+                      </a:endParaRPr>
+                    </a:p>
+                  </a:txBody>
+                  <a:tcPr marL="68580" marR="68580" marT="0" marB="0"/>
+                </a:tc>
+              </a:tr>
+            </a:tbl>
+          </a:graphicData>
+        </a:graphic>
+      </p:graphicFrame>
+    </p:spTree>
+    <p:extLst>
+      <p:ext uri="{BB962C8B-B14F-4D97-AF65-F5344CB8AC3E}">
+        <p14:creationId xmlns:p14="http://schemas.microsoft.com/office/powerpoint/2010/main" val="1143875104"/>
+      </p:ext>
+    </p:extLst>
+  </p:cSld>
+  <p:clrMapOvr>
+    <a:masterClrMapping/>
+  </p:clrMapOvr>
+</p:sld>
+</file>
+
+<file path=ppt/slides/slide34.xml><?xml version="1.0" encoding="utf-8"?>
+<p:sld xmlns:a="http://schemas.openxmlformats.org/drawingml/2006/main" xmlns:r="http://schemas.openxmlformats.org/officeDocument/2006/relationships" xmlns:p="http://schemas.openxmlformats.org/presentationml/2006/main">
+  <p:cSld>
+    <p:spTree>
+      <p:nvGrpSpPr>
+        <p:cNvPr id="1" name=""/>
+        <p:cNvGrpSpPr/>
+        <p:nvPr/>
+      </p:nvGrpSpPr>
+      <p:grpSpPr>
+        <a:xfrm>
+          <a:off x="0" y="0"/>
+          <a:ext cx="0" cy="0"/>
+          <a:chOff x="0" y="0"/>
+          <a:chExt cx="0" cy="0"/>
+        </a:xfrm>
+      </p:grpSpPr>
+      <p:sp>
+        <p:nvSpPr>
+          <p:cNvPr id="2" name="Title 1"/>
+          <p:cNvSpPr>
+            <a:spLocks noGrp="1"/>
+          </p:cNvSpPr>
+          <p:nvPr>
+            <p:ph type="title"/>
+          </p:nvPr>
+        </p:nvSpPr>
+        <p:spPr/>
+        <p:txBody>
+          <a:bodyPr/>
+          <a:lstStyle/>
+          <a:p>
+            <a:r>
+              <a:rPr lang="en-US" dirty="0" smtClean="0"/>
+              <a:t>Feasibility: </a:t>
+            </a:r>
+            <a:r>
+              <a:rPr lang="en-US" dirty="0" smtClean="0"/>
+              <a:t>Conclusion</a:t>
+            </a:r>
+            <a:endParaRPr lang="en-US" dirty="0"/>
           </a:p>
         </p:txBody>
       </p:sp>
       <p:sp>
         <p:nvSpPr>
-          <p:cNvPr id="3" name="Content Placeholder 2"/>
+          <p:cNvPr id="8" name="Content Placeholder 2"/>
           <p:cNvSpPr>
             <a:spLocks noGrp="1"/>
           </p:cNvSpPr>
@@ -9890,19 +15537,36 @@
             <p:ph idx="1"/>
           </p:nvPr>
         </p:nvSpPr>
-        <p:spPr/>
+        <p:spPr>
+          <a:xfrm>
+            <a:off x="609600" y="1600200"/>
+            <a:ext cx="10160000" cy="4800600"/>
+          </a:xfrm>
+        </p:spPr>
         <p:txBody>
-          <a:bodyPr/>
+          <a:bodyPr>
+            <a:normAutofit/>
+          </a:bodyPr>
           <a:lstStyle/>
           <a:p>
-            <a:endParaRPr lang="en-US"/>
+            <a:pPr marL="411480" lvl="1" indent="0">
+              <a:buNone/>
+            </a:pPr>
+            <a:r>
+              <a:rPr lang="en-US" sz="9600" dirty="0" smtClean="0"/>
+              <a:t>Project is Feasible</a:t>
+            </a:r>
+            <a:endParaRPr lang="en-US" sz="9600" dirty="0"/>
+          </a:p>
+          <a:p>
+            <a:endParaRPr lang="en-US" sz="9600" dirty="0"/>
           </a:p>
         </p:txBody>
       </p:sp>
     </p:spTree>
     <p:extLst>
       <p:ext uri="{BB962C8B-B14F-4D97-AF65-F5344CB8AC3E}">
-        <p14:creationId xmlns:p14="http://schemas.microsoft.com/office/powerpoint/2010/main" val="3913702342"/>
+        <p14:creationId xmlns:p14="http://schemas.microsoft.com/office/powerpoint/2010/main" val="2494753166"/>
       </p:ext>
     </p:extLst>
   </p:cSld>

--- a/SRS Presentation/SRS Presentation.pptx
+++ b/SRS Presentation/SRS Presentation.pptx
@@ -140,7 +140,7 @@
   </p:defaultTextStyle>
   <p:extLst>
     <p:ext uri="{EFAFB233-063F-42B5-8137-9DF3F51BA10A}">
-      <p15:sldGuideLst xmlns="" xmlns:p15="http://schemas.microsoft.com/office/powerpoint/2012/main">
+      <p15:sldGuideLst xmlns:p15="http://schemas.microsoft.com/office/powerpoint/2012/main" xmlns="">
         <p15:guide id="1" orient="horz" pos="2160">
           <p15:clr>
             <a:srgbClr val="A4A3A4"/>
@@ -351,7 +351,7 @@
           <a:p>
             <a:fld id="{EDF9711D-5344-4CF0-9364-A856E3E4122E}" type="datetimeFigureOut">
               <a:rPr lang="en-US" smtClean="0"/>
-              <a:t>11/3/2013</a:t>
+              <a:t>11/3/13</a:t>
             </a:fld>
             <a:endParaRPr lang="en-US"/>
           </a:p>
@@ -516,7 +516,7 @@
           <a:p>
             <a:fld id="{EDF9711D-5344-4CF0-9364-A856E3E4122E}" type="datetimeFigureOut">
               <a:rPr lang="en-US" smtClean="0"/>
-              <a:t>11/3/2013</a:t>
+              <a:t>11/3/13</a:t>
             </a:fld>
             <a:endParaRPr lang="en-US"/>
           </a:p>
@@ -691,7 +691,7 @@
           <a:p>
             <a:fld id="{EDF9711D-5344-4CF0-9364-A856E3E4122E}" type="datetimeFigureOut">
               <a:rPr lang="en-US" smtClean="0"/>
-              <a:t>11/3/2013</a:t>
+              <a:t>11/3/13</a:t>
             </a:fld>
             <a:endParaRPr lang="en-US"/>
           </a:p>
@@ -856,7 +856,7 @@
           <a:p>
             <a:fld id="{EDF9711D-5344-4CF0-9364-A856E3E4122E}" type="datetimeFigureOut">
               <a:rPr lang="en-US" smtClean="0"/>
-              <a:t>11/3/2013</a:t>
+              <a:t>11/3/13</a:t>
             </a:fld>
             <a:endParaRPr lang="en-US"/>
           </a:p>
@@ -1097,7 +1097,7 @@
           <a:p>
             <a:fld id="{EDF9711D-5344-4CF0-9364-A856E3E4122E}" type="datetimeFigureOut">
               <a:rPr lang="en-US" smtClean="0"/>
-              <a:t>11/3/2013</a:t>
+              <a:t>11/3/13</a:t>
             </a:fld>
             <a:endParaRPr lang="en-US"/>
           </a:p>
@@ -1380,7 +1380,7 @@
           <a:p>
             <a:fld id="{EDF9711D-5344-4CF0-9364-A856E3E4122E}" type="datetimeFigureOut">
               <a:rPr lang="en-US" smtClean="0"/>
-              <a:t>11/3/2013</a:t>
+              <a:t>11/3/13</a:t>
             </a:fld>
             <a:endParaRPr lang="en-US"/>
           </a:p>
@@ -1809,7 +1809,7 @@
           <a:p>
             <a:fld id="{EDF9711D-5344-4CF0-9364-A856E3E4122E}" type="datetimeFigureOut">
               <a:rPr lang="en-US" smtClean="0"/>
-              <a:t>11/3/2013</a:t>
+              <a:t>11/3/13</a:t>
             </a:fld>
             <a:endParaRPr lang="en-US"/>
           </a:p>
@@ -1922,7 +1922,7 @@
           <a:p>
             <a:fld id="{EDF9711D-5344-4CF0-9364-A856E3E4122E}" type="datetimeFigureOut">
               <a:rPr lang="en-US" smtClean="0"/>
-              <a:t>11/3/2013</a:t>
+              <a:t>11/3/13</a:t>
             </a:fld>
             <a:endParaRPr lang="en-US"/>
           </a:p>
@@ -2012,7 +2012,7 @@
           <a:p>
             <a:fld id="{EDF9711D-5344-4CF0-9364-A856E3E4122E}" type="datetimeFigureOut">
               <a:rPr lang="en-US" smtClean="0"/>
-              <a:t>11/3/2013</a:t>
+              <a:t>11/3/13</a:t>
             </a:fld>
             <a:endParaRPr lang="en-US"/>
           </a:p>
@@ -2201,7 +2201,7 @@
           <a:p>
             <a:fld id="{EDF9711D-5344-4CF0-9364-A856E3E4122E}" type="datetimeFigureOut">
               <a:rPr lang="en-US" smtClean="0"/>
-              <a:t>11/3/2013</a:t>
+              <a:t>11/3/13</a:t>
             </a:fld>
             <a:endParaRPr lang="en-US"/>
           </a:p>
@@ -2519,7 +2519,7 @@
           <a:p>
             <a:fld id="{EDF9711D-5344-4CF0-9364-A856E3E4122E}" type="datetimeFigureOut">
               <a:rPr lang="en-US" smtClean="0"/>
-              <a:t>11/3/2013</a:t>
+              <a:t>11/3/13</a:t>
             </a:fld>
             <a:endParaRPr lang="en-US"/>
           </a:p>
@@ -2898,7 +2898,7 @@
           <a:p>
             <a:fld id="{EDF9711D-5344-4CF0-9364-A856E3E4122E}" type="datetimeFigureOut">
               <a:rPr lang="en-US" smtClean="0"/>
-              <a:t>11/3/2013</a:t>
+              <a:t>11/3/13</a:t>
             </a:fld>
             <a:endParaRPr lang="en-US"/>
           </a:p>
@@ -3324,7 +3324,7 @@
   <p:timing>
     <p:tnLst>
       <p:par>
-        <p:cTn id="1" dur="indefinite" restart="never" nodeType="tmRoot"/>
+        <p:cTn xmlns:p14="http://schemas.microsoft.com/office/powerpoint/2010/main" id="1" dur="indefinite" restart="never" nodeType="tmRoot"/>
       </p:par>
     </p:tnLst>
   </p:timing>
@@ -3447,7 +3447,7 @@
   <p:timing>
     <p:tnLst>
       <p:par>
-        <p:cTn id="1" dur="indefinite" restart="never" nodeType="tmRoot"/>
+        <p:cTn xmlns:p14="http://schemas.microsoft.com/office/powerpoint/2010/main" id="1" dur="indefinite" restart="never" nodeType="tmRoot"/>
       </p:par>
     </p:tnLst>
   </p:timing>
@@ -3736,7 +3736,7 @@
   <p:timing>
     <p:tnLst>
       <p:par>
-        <p:cTn id="1" dur="indefinite" restart="never" nodeType="tmRoot"/>
+        <p:cTn xmlns:p14="http://schemas.microsoft.com/office/powerpoint/2010/main" id="1" dur="indefinite" restart="never" nodeType="tmRoot"/>
       </p:par>
     </p:tnLst>
   </p:timing>
@@ -4022,7 +4022,7 @@
   <p:timing>
     <p:tnLst>
       <p:par>
-        <p:cTn id="1" dur="indefinite" restart="never" nodeType="tmRoot"/>
+        <p:cTn xmlns:p14="http://schemas.microsoft.com/office/powerpoint/2010/main" id="1" dur="indefinite" restart="never" nodeType="tmRoot"/>
       </p:par>
     </p:tnLst>
   </p:timing>
@@ -4103,14 +4103,14 @@
             <a:noFill/>
           </a:ln>
           <a:extLst>
-            <a:ext uri="{909E8E84-426E-40DD-AFC4-6F175D3DCCD1}">
+            <a:ext uri="{909E8E84-426E-40dd-AFC4-6F175D3DCCD1}">
               <a14:hiddenFill xmlns:a14="http://schemas.microsoft.com/office/drawing/2010/main">
                 <a:solidFill>
                   <a:srgbClr val="FFFFFF"/>
                 </a:solidFill>
               </a14:hiddenFill>
             </a:ext>
-            <a:ext uri="{91240B29-F687-4F45-9708-019B960494DF}">
+            <a:ext uri="{91240B29-F687-4f45-9708-019B960494DF}">
               <a14:hiddenLine xmlns:a14="http://schemas.microsoft.com/office/drawing/2010/main" w="9525">
                 <a:solidFill>
                   <a:srgbClr val="000000"/>
@@ -4157,14 +4157,14 @@
             <a:noFill/>
           </a:ln>
           <a:extLst>
-            <a:ext uri="{909E8E84-426E-40DD-AFC4-6F175D3DCCD1}">
+            <a:ext uri="{909E8E84-426E-40dd-AFC4-6F175D3DCCD1}">
               <a14:hiddenFill xmlns:a14="http://schemas.microsoft.com/office/drawing/2010/main">
                 <a:solidFill>
                   <a:srgbClr val="FFFFFF"/>
                 </a:solidFill>
               </a14:hiddenFill>
             </a:ext>
-            <a:ext uri="{91240B29-F687-4F45-9708-019B960494DF}">
+            <a:ext uri="{91240B29-F687-4f45-9708-019B960494DF}">
               <a14:hiddenLine xmlns:a14="http://schemas.microsoft.com/office/drawing/2010/main" w="9525">
                 <a:solidFill>
                   <a:srgbClr val="000000"/>
@@ -4190,7 +4190,7 @@
   <p:timing>
     <p:tnLst>
       <p:par>
-        <p:cTn id="1" dur="indefinite" restart="never" nodeType="tmRoot"/>
+        <p:cTn xmlns:p14="http://schemas.microsoft.com/office/powerpoint/2010/main" id="1" dur="indefinite" restart="never" nodeType="tmRoot"/>
       </p:par>
     </p:tnLst>
   </p:timing>
@@ -4591,7 +4591,7 @@
   <p:timing>
     <p:tnLst>
       <p:par>
-        <p:cTn id="1" dur="indefinite" restart="never" nodeType="tmRoot"/>
+        <p:cTn xmlns:p14="http://schemas.microsoft.com/office/powerpoint/2010/main" id="1" dur="indefinite" restart="never" nodeType="tmRoot"/>
       </p:par>
     </p:tnLst>
   </p:timing>
@@ -4863,7 +4863,7 @@
   <p:timing>
     <p:tnLst>
       <p:par>
-        <p:cTn id="1" dur="indefinite" restart="never" nodeType="tmRoot"/>
+        <p:cTn xmlns:p14="http://schemas.microsoft.com/office/powerpoint/2010/main" id="1" dur="indefinite" restart="never" nodeType="tmRoot"/>
       </p:par>
     </p:tnLst>
   </p:timing>
@@ -5054,7 +5054,7 @@
   <p:timing>
     <p:tnLst>
       <p:par>
-        <p:cTn id="1" dur="indefinite" restart="never" nodeType="tmRoot"/>
+        <p:cTn xmlns:p14="http://schemas.microsoft.com/office/powerpoint/2010/main" id="1" dur="indefinite" restart="never" nodeType="tmRoot"/>
       </p:par>
     </p:tnLst>
   </p:timing>
@@ -5302,7 +5302,7 @@
   <p:timing>
     <p:tnLst>
       <p:par>
-        <p:cTn id="1" dur="indefinite" restart="never" nodeType="tmRoot"/>
+        <p:cTn xmlns:p14="http://schemas.microsoft.com/office/powerpoint/2010/main" id="1" dur="indefinite" restart="never" nodeType="tmRoot"/>
       </p:par>
     </p:tnLst>
   </p:timing>
@@ -5582,7 +5582,7 @@
   <p:timing>
     <p:tnLst>
       <p:par>
-        <p:cTn id="1" dur="indefinite" restart="never" nodeType="tmRoot"/>
+        <p:cTn xmlns:p14="http://schemas.microsoft.com/office/powerpoint/2010/main" id="1" dur="indefinite" restart="never" nodeType="tmRoot"/>
       </p:par>
     </p:tnLst>
   </p:timing>
@@ -5781,7 +5781,7 @@
   <p:timing>
     <p:tnLst>
       <p:par>
-        <p:cTn id="1" dur="indefinite" restart="never" nodeType="tmRoot"/>
+        <p:cTn xmlns:p14="http://schemas.microsoft.com/office/powerpoint/2010/main" id="1" dur="indefinite" restart="never" nodeType="tmRoot"/>
       </p:par>
     </p:tnLst>
   </p:timing>
@@ -5895,7 +5895,6 @@
               <a:rPr lang="en-US" dirty="0" smtClean="0"/>
               <a:t>Feasibility Analysis</a:t>
             </a:r>
-            <a:endParaRPr lang="en-US" dirty="0" smtClean="0"/>
           </a:p>
           <a:p>
             <a:endParaRPr lang="en-US" dirty="0" smtClean="0"/>
@@ -5918,7 +5917,7 @@
   <p:timing>
     <p:tnLst>
       <p:par>
-        <p:cTn id="1" dur="indefinite" restart="never" nodeType="tmRoot"/>
+        <p:cTn xmlns:p14="http://schemas.microsoft.com/office/powerpoint/2010/main" id="1" dur="indefinite" restart="never" nodeType="tmRoot"/>
       </p:par>
     </p:tnLst>
   </p:timing>
@@ -6248,7 +6247,7 @@
   <p:timing>
     <p:tnLst>
       <p:par>
-        <p:cTn id="1" dur="indefinite" restart="never" nodeType="tmRoot"/>
+        <p:cTn xmlns:p14="http://schemas.microsoft.com/office/powerpoint/2010/main" id="1" dur="indefinite" restart="never" nodeType="tmRoot"/>
       </p:par>
     </p:tnLst>
   </p:timing>
@@ -6586,7 +6585,7 @@
   <p:timing>
     <p:tnLst>
       <p:par>
-        <p:cTn id="1" dur="indefinite" restart="never" nodeType="tmRoot"/>
+        <p:cTn xmlns:p14="http://schemas.microsoft.com/office/powerpoint/2010/main" id="1" dur="indefinite" restart="never" nodeType="tmRoot"/>
       </p:par>
     </p:tnLst>
   </p:timing>
@@ -6787,7 +6786,7 @@
   <p:timing>
     <p:tnLst>
       <p:par>
-        <p:cTn id="1" dur="indefinite" restart="never" nodeType="tmRoot"/>
+        <p:cTn xmlns:p14="http://schemas.microsoft.com/office/powerpoint/2010/main" id="1" dur="indefinite" restart="never" nodeType="tmRoot"/>
       </p:par>
     </p:tnLst>
   </p:timing>
@@ -7089,7 +7088,7 @@
   <p:timing>
     <p:tnLst>
       <p:par>
-        <p:cTn id="1" dur="indefinite" restart="never" nodeType="tmRoot"/>
+        <p:cTn xmlns:p14="http://schemas.microsoft.com/office/powerpoint/2010/main" id="1" dur="indefinite" restart="never" nodeType="tmRoot"/>
       </p:par>
     </p:tnLst>
   </p:timing>
@@ -7294,7 +7293,7 @@
   <p:timing>
     <p:tnLst>
       <p:par>
-        <p:cTn id="1" dur="indefinite" restart="never" nodeType="tmRoot"/>
+        <p:cTn xmlns:p14="http://schemas.microsoft.com/office/powerpoint/2010/main" id="1" dur="indefinite" restart="never" nodeType="tmRoot"/>
       </p:par>
     </p:tnLst>
   </p:timing>
@@ -7567,7 +7566,7 @@
   <p:timing>
     <p:tnLst>
       <p:par>
-        <p:cTn id="1" dur="indefinite" restart="never" nodeType="tmRoot"/>
+        <p:cTn xmlns:p14="http://schemas.microsoft.com/office/powerpoint/2010/main" id="1" dur="indefinite" restart="never" nodeType="tmRoot"/>
       </p:par>
     </p:tnLst>
   </p:timing>
@@ -7849,7 +7848,7 @@
   <p:timing>
     <p:tnLst>
       <p:par>
-        <p:cTn id="1" dur="indefinite" restart="never" nodeType="tmRoot"/>
+        <p:cTn xmlns:p14="http://schemas.microsoft.com/office/powerpoint/2010/main" id="1" dur="indefinite" restart="never" nodeType="tmRoot"/>
       </p:par>
     </p:tnLst>
   </p:timing>
@@ -7930,14 +7929,14 @@
             <a:noFill/>
           </a:ln>
           <a:extLst>
-            <a:ext uri="{909E8E84-426E-40DD-AFC4-6F175D3DCCD1}">
+            <a:ext uri="{909E8E84-426E-40dd-AFC4-6F175D3DCCD1}">
               <a14:hiddenFill xmlns:a14="http://schemas.microsoft.com/office/drawing/2010/main">
                 <a:solidFill>
                   <a:srgbClr val="FFFFFF"/>
                 </a:solidFill>
               </a14:hiddenFill>
             </a:ext>
-            <a:ext uri="{91240B29-F687-4F45-9708-019B960494DF}">
+            <a:ext uri="{91240B29-F687-4f45-9708-019B960494DF}">
               <a14:hiddenLine xmlns:a14="http://schemas.microsoft.com/office/drawing/2010/main" w="9525">
                 <a:solidFill>
                   <a:srgbClr val="000000"/>
@@ -7963,7 +7962,7 @@
   <p:timing>
     <p:tnLst>
       <p:par>
-        <p:cTn id="1" dur="indefinite" restart="never" nodeType="tmRoot"/>
+        <p:cTn xmlns:p14="http://schemas.microsoft.com/office/powerpoint/2010/main" id="1" dur="indefinite" restart="never" nodeType="tmRoot"/>
       </p:par>
     </p:tnLst>
   </p:timing>
@@ -8276,7 +8275,7 @@
   <p:timing>
     <p:tnLst>
       <p:par>
-        <p:cTn id="1" dur="indefinite" restart="never" nodeType="tmRoot"/>
+        <p:cTn xmlns:p14="http://schemas.microsoft.com/office/powerpoint/2010/main" id="1" dur="indefinite" restart="never" nodeType="tmRoot"/>
       </p:par>
     </p:tnLst>
   </p:timing>
@@ -8431,7 +8430,7 @@
   <p:timing>
     <p:tnLst>
       <p:par>
-        <p:cTn id="1" dur="indefinite" restart="never" nodeType="tmRoot"/>
+        <p:cTn xmlns:p14="http://schemas.microsoft.com/office/powerpoint/2010/main" id="1" dur="indefinite" restart="never" nodeType="tmRoot"/>
       </p:par>
     </p:tnLst>
   </p:timing>
@@ -8587,7 +8586,7 @@
   <p:timing>
     <p:tnLst>
       <p:par>
-        <p:cTn id="1" dur="indefinite" restart="never" nodeType="tmRoot"/>
+        <p:cTn xmlns:p14="http://schemas.microsoft.com/office/powerpoint/2010/main" id="1" dur="indefinite" restart="never" nodeType="tmRoot"/>
       </p:par>
     </p:tnLst>
   </p:timing>
@@ -8647,12 +8646,25 @@
         <p:spPr/>
         <p:txBody>
           <a:bodyPr>
-            <a:normAutofit lnSpcReduction="10000"/>
+            <a:normAutofit fontScale="77500" lnSpcReduction="20000"/>
           </a:bodyPr>
           <a:lstStyle/>
           <a:p>
             <a:r>
               <a:rPr lang="en-US" sz="3600" dirty="0" smtClean="0"/>
+              <a:t>STL format not sufficient for describing multiple materials</a:t>
+            </a:r>
+          </a:p>
+          <a:p>
+            <a:pPr lvl="1"/>
+            <a:r>
+              <a:rPr lang="en-US" sz="3200" dirty="0" smtClean="0"/>
+              <a:t>Resolution:  Simple conversion to another format (AMF)</a:t>
+            </a:r>
+          </a:p>
+          <a:p>
+            <a:r>
+              <a:rPr lang="en-US" sz="3600" dirty="0" smtClean="0"/>
               <a:t>Slic3r </a:t>
             </a:r>
             <a:r>
@@ -8667,8 +8679,12 @@
           <a:p>
             <a:pPr lvl="1"/>
             <a:r>
+              <a:rPr lang="en-US" sz="3400" dirty="0" smtClean="0"/>
+              <a:t>Deficiency:  Analytic </a:t>
+            </a:r>
+            <a:r>
               <a:rPr lang="en-US" sz="3400" dirty="0"/>
-              <a:t>Analytic Geometry skills not </a:t>
+              <a:t>Geometry skills not </a:t>
             </a:r>
             <a:r>
               <a:rPr lang="en-US" sz="3400" dirty="0" smtClean="0"/>
@@ -8679,31 +8695,46 @@
             <a:pPr lvl="1"/>
             <a:r>
               <a:rPr lang="en-US" sz="3400" dirty="0" smtClean="0"/>
-              <a:t>Research and Experimentation</a:t>
-            </a:r>
+              <a:t>Resolution:  Research </a:t>
+            </a:r>
+            <a:r>
+              <a:rPr lang="en-US" sz="3400" dirty="0" smtClean="0"/>
+              <a:t>and </a:t>
+            </a:r>
+            <a:r>
+              <a:rPr lang="en-US" sz="3400" dirty="0" smtClean="0"/>
+              <a:t>Experimentation</a:t>
+            </a:r>
+            <a:endParaRPr lang="en-US" sz="3400" dirty="0" smtClean="0"/>
           </a:p>
           <a:p>
             <a:r>
               <a:rPr lang="en-US" sz="3600" dirty="0"/>
-              <a:t>Hardware selection is not specified </a:t>
-            </a:r>
-            <a:r>
-              <a:rPr lang="en-US" sz="3600" dirty="0" smtClean="0"/>
-              <a:t>correctly</a:t>
-            </a:r>
+              <a:t>Hardware </a:t>
+            </a:r>
+            <a:r>
+              <a:rPr lang="en-US" sz="3600" smtClean="0"/>
+              <a:t>implementation problems</a:t>
+            </a:r>
+            <a:endParaRPr lang="en-US" sz="3600" dirty="0" smtClean="0"/>
           </a:p>
           <a:p>
             <a:pPr lvl="1"/>
             <a:r>
               <a:rPr lang="en-US" sz="3400" dirty="0" smtClean="0"/>
-              <a:t>Computer engineer required to assist ME team</a:t>
-            </a:r>
+              <a:t>Deficiency:  Only one computer engineer with sufficient hardware knowledge/experience</a:t>
+            </a:r>
+            <a:endParaRPr lang="en-US" sz="3400" dirty="0" smtClean="0"/>
           </a:p>
           <a:p>
             <a:pPr lvl="1"/>
             <a:r>
               <a:rPr lang="en-US" sz="3400" dirty="0" smtClean="0"/>
-              <a:t>Scope Definition</a:t>
+              <a:t>Resolution:  Scope </a:t>
+            </a:r>
+            <a:r>
+              <a:rPr lang="en-US" sz="3400" dirty="0" smtClean="0"/>
+              <a:t>Definition</a:t>
             </a:r>
           </a:p>
           <a:p>
@@ -8716,7 +8747,11 @@
             <a:pPr lvl="1"/>
             <a:r>
               <a:rPr lang="en-US" sz="3400" dirty="0" smtClean="0"/>
-              <a:t>Research and Demonstrations</a:t>
+              <a:t>Resolution:  Research </a:t>
+            </a:r>
+            <a:r>
+              <a:rPr lang="en-US" sz="3400" dirty="0" smtClean="0"/>
+              <a:t>and Demonstrations</a:t>
             </a:r>
             <a:endParaRPr lang="en-US" sz="3400" dirty="0"/>
           </a:p>
@@ -8735,7 +8770,7 @@
   <p:timing>
     <p:tnLst>
       <p:par>
-        <p:cTn id="1" dur="indefinite" restart="never" nodeType="tmRoot"/>
+        <p:cTn xmlns:p14="http://schemas.microsoft.com/office/powerpoint/2010/main" id="1" dur="indefinite" restart="never" nodeType="tmRoot"/>
       </p:par>
     </p:tnLst>
   </p:timing>
@@ -10168,7 +10203,7 @@
   <p:timing>
     <p:tnLst>
       <p:par>
-        <p:cTn id="1" dur="indefinite" restart="never" nodeType="tmRoot"/>
+        <p:cTn xmlns:p14="http://schemas.microsoft.com/office/powerpoint/2010/main" id="1" dur="indefinite" restart="never" nodeType="tmRoot"/>
       </p:par>
     </p:tnLst>
   </p:timing>
@@ -10231,7 +10266,7 @@
         </p:nvGraphicFramePr>
         <p:xfrm>
           <a:off x="849089" y="1135581"/>
-          <a:ext cx="8763002" cy="5641570"/>
+          <a:ext cx="8763002" cy="5999604"/>
         </p:xfrm>
         <a:graphic>
           <a:graphicData uri="http://schemas.openxmlformats.org/drawingml/2006/table">
@@ -12994,7 +13029,7 @@
   <p:timing>
     <p:tnLst>
       <p:par>
-        <p:cTn id="1" dur="indefinite" restart="never" nodeType="tmRoot"/>
+        <p:cTn xmlns:p14="http://schemas.microsoft.com/office/powerpoint/2010/main" id="1" dur="indefinite" restart="never" nodeType="tmRoot"/>
       </p:par>
     </p:tnLst>
   </p:timing>
@@ -14283,7 +14318,7 @@
   <p:timing>
     <p:tnLst>
       <p:par>
-        <p:cTn id="1" dur="indefinite" restart="never" nodeType="tmRoot"/>
+        <p:cTn xmlns:p14="http://schemas.microsoft.com/office/powerpoint/2010/main" id="1" dur="indefinite" restart="never" nodeType="tmRoot"/>
       </p:par>
     </p:tnLst>
   </p:timing>
@@ -15813,7 +15848,7 @@
   <p:timing>
     <p:tnLst>
       <p:par>
-        <p:cTn id="1" dur="indefinite" restart="never" nodeType="tmRoot"/>
+        <p:cTn xmlns:p14="http://schemas.microsoft.com/office/powerpoint/2010/main" id="1" dur="indefinite" restart="never" nodeType="tmRoot"/>
       </p:par>
     </p:tnLst>
   </p:timing>
@@ -15909,7 +15944,7 @@
   <p:timing>
     <p:tnLst>
       <p:par>
-        <p:cTn id="1" dur="indefinite" restart="never" nodeType="tmRoot"/>
+        <p:cTn xmlns:p14="http://schemas.microsoft.com/office/powerpoint/2010/main" id="1" dur="indefinite" restart="never" nodeType="tmRoot"/>
       </p:par>
     </p:tnLst>
   </p:timing>
@@ -15990,14 +16025,14 @@
             <a:noFill/>
           </a:ln>
           <a:extLst>
-            <a:ext uri="{909E8E84-426E-40DD-AFC4-6F175D3DCCD1}">
+            <a:ext uri="{909E8E84-426E-40dd-AFC4-6F175D3DCCD1}">
               <a14:hiddenFill xmlns:a14="http://schemas.microsoft.com/office/drawing/2010/main">
                 <a:solidFill>
                   <a:srgbClr val="FFFFFF"/>
                 </a:solidFill>
               </a14:hiddenFill>
             </a:ext>
-            <a:ext uri="{91240B29-F687-4F45-9708-019B960494DF}">
+            <a:ext uri="{91240B29-F687-4f45-9708-019B960494DF}">
               <a14:hiddenLine xmlns:a14="http://schemas.microsoft.com/office/drawing/2010/main" w="9525">
                 <a:solidFill>
                   <a:srgbClr val="000000"/>
@@ -16023,7 +16058,7 @@
   <p:timing>
     <p:tnLst>
       <p:par>
-        <p:cTn id="1" dur="indefinite" restart="never" nodeType="tmRoot"/>
+        <p:cTn xmlns:p14="http://schemas.microsoft.com/office/powerpoint/2010/main" id="1" dur="indefinite" restart="never" nodeType="tmRoot"/>
       </p:par>
     </p:tnLst>
   </p:timing>
@@ -16339,7 +16374,7 @@
   <p:timing>
     <p:tnLst>
       <p:par>
-        <p:cTn id="1" dur="indefinite" restart="never" nodeType="tmRoot"/>
+        <p:cTn xmlns:p14="http://schemas.microsoft.com/office/powerpoint/2010/main" id="1" dur="indefinite" restart="never" nodeType="tmRoot"/>
       </p:par>
     </p:tnLst>
   </p:timing>
@@ -16687,7 +16722,7 @@
   <p:timing>
     <p:tnLst>
       <p:par>
-        <p:cTn id="1" dur="indefinite" restart="never" nodeType="tmRoot"/>
+        <p:cTn xmlns:p14="http://schemas.microsoft.com/office/powerpoint/2010/main" id="1" dur="indefinite" restart="never" nodeType="tmRoot"/>
       </p:par>
     </p:tnLst>
   </p:timing>
@@ -16978,7 +17013,7 @@
   <p:timing>
     <p:tnLst>
       <p:par>
-        <p:cTn id="1" dur="indefinite" restart="never" nodeType="tmRoot"/>
+        <p:cTn xmlns:p14="http://schemas.microsoft.com/office/powerpoint/2010/main" id="1" dur="indefinite" restart="never" nodeType="tmRoot"/>
       </p:par>
     </p:tnLst>
   </p:timing>
@@ -17285,7 +17320,7 @@
   <p:timing>
     <p:tnLst>
       <p:par>
-        <p:cTn id="1" dur="indefinite" restart="never" nodeType="tmRoot"/>
+        <p:cTn xmlns:p14="http://schemas.microsoft.com/office/powerpoint/2010/main" id="1" dur="indefinite" restart="never" nodeType="tmRoot"/>
       </p:par>
     </p:tnLst>
   </p:timing>
@@ -17597,7 +17632,7 @@
   <p:timing>
     <p:tnLst>
       <p:par>
-        <p:cTn id="1" dur="indefinite" restart="never" nodeType="tmRoot"/>
+        <p:cTn xmlns:p14="http://schemas.microsoft.com/office/powerpoint/2010/main" id="1" dur="indefinite" restart="never" nodeType="tmRoot"/>
       </p:par>
     </p:tnLst>
   </p:timing>

--- a/SRS Presentation/SRS Presentation.pptx
+++ b/SRS Presentation/SRS Presentation.pptx
@@ -140,7 +140,7 @@
   </p:defaultTextStyle>
   <p:extLst>
     <p:ext uri="{EFAFB233-063F-42B5-8137-9DF3F51BA10A}">
-      <p15:sldGuideLst xmlns:p15="http://schemas.microsoft.com/office/powerpoint/2012/main" xmlns="">
+      <p15:sldGuideLst xmlns="" xmlns:p15="http://schemas.microsoft.com/office/powerpoint/2012/main">
         <p15:guide id="1" orient="horz" pos="2160">
           <p15:clr>
             <a:srgbClr val="A4A3A4"/>
@@ -8695,17 +8695,8 @@
             <a:pPr lvl="1"/>
             <a:r>
               <a:rPr lang="en-US" sz="3400" dirty="0" smtClean="0"/>
-              <a:t>Resolution:  Research </a:t>
-            </a:r>
-            <a:r>
-              <a:rPr lang="en-US" sz="3400" dirty="0" smtClean="0"/>
-              <a:t>and </a:t>
-            </a:r>
-            <a:r>
-              <a:rPr lang="en-US" sz="3400" dirty="0" smtClean="0"/>
-              <a:t>Experimentation</a:t>
-            </a:r>
-            <a:endParaRPr lang="en-US" sz="3400" dirty="0" smtClean="0"/>
+              <a:t>Resolution:  Research and Experimentation</a:t>
+            </a:r>
           </a:p>
           <a:p>
             <a:r>
@@ -8724,17 +8715,12 @@
               <a:rPr lang="en-US" sz="3400" dirty="0" smtClean="0"/>
               <a:t>Deficiency:  Only one computer engineer with sufficient hardware knowledge/experience</a:t>
             </a:r>
-            <a:endParaRPr lang="en-US" sz="3400" dirty="0" smtClean="0"/>
           </a:p>
           <a:p>
             <a:pPr lvl="1"/>
             <a:r>
               <a:rPr lang="en-US" sz="3400" dirty="0" smtClean="0"/>
-              <a:t>Resolution:  Scope </a:t>
-            </a:r>
-            <a:r>
-              <a:rPr lang="en-US" sz="3400" dirty="0" smtClean="0"/>
-              <a:t>Definition</a:t>
+              <a:t>Resolution:  Scope Definition</a:t>
             </a:r>
           </a:p>
           <a:p>
@@ -8747,11 +8733,7 @@
             <a:pPr lvl="1"/>
             <a:r>
               <a:rPr lang="en-US" sz="3400" dirty="0" smtClean="0"/>
-              <a:t>Resolution:  Research </a:t>
-            </a:r>
-            <a:r>
-              <a:rPr lang="en-US" sz="3400" dirty="0" smtClean="0"/>
-              <a:t>and Demonstrations</a:t>
+              <a:t>Resolution:  Research and Demonstrations</a:t>
             </a:r>
             <a:endParaRPr lang="en-US" sz="3400" dirty="0"/>
           </a:p>
@@ -10259,14 +10241,14 @@
           <p:nvPr>
             <p:extLst>
               <p:ext uri="{D42A27DB-BD31-4B8C-83A1-F6EECF244321}">
-                <p14:modId xmlns:p14="http://schemas.microsoft.com/office/powerpoint/2010/main" val="2522195874"/>
+                <p14:modId xmlns:p14="http://schemas.microsoft.com/office/powerpoint/2010/main" val="2899548131"/>
               </p:ext>
             </p:extLst>
           </p:nvPr>
         </p:nvGraphicFramePr>
         <p:xfrm>
           <a:off x="849089" y="1135581"/>
-          <a:ext cx="8763002" cy="5999604"/>
+          <a:ext cx="8763002" cy="5649084"/>
         </p:xfrm>
         <a:graphic>
           <a:graphicData uri="http://schemas.openxmlformats.org/drawingml/2006/table">
@@ -12622,27 +12604,11 @@
                   <a:tcPr marL="0" marR="0" marT="0" marB="0"/>
                 </a:tc>
               </a:tr>
-              <a:tr h="654930">
+              <a:tr h="297138">
                 <a:tc gridSpan="4">
                   <a:txBody>
                     <a:bodyPr/>
                     <a:lstStyle/>
-                    <a:p>
-                      <a:pPr marL="1967865" marR="1956435" algn="l">
-                        <a:lnSpc>
-                          <a:spcPct val="115000"/>
-                        </a:lnSpc>
-                        <a:spcBef>
-                          <a:spcPts val="0"/>
-                        </a:spcBef>
-                        <a:spcAft>
-                          <a:spcPts val="0"/>
-                        </a:spcAft>
-                      </a:pPr>
-                      <a:endParaRPr lang="en-US" sz="2000" dirty="0" smtClean="0">
-                        <a:effectLst/>
-                      </a:endParaRPr>
-                    </a:p>
                     <a:p>
                       <a:pPr marL="1967865" marR="1956435" algn="l">
                         <a:lnSpc>
